--- a/RELATÓRIO FINAL E RESUMO/Emílio-apresentação_IC_IT .pptx
+++ b/RELATÓRIO FINAL E RESUMO/Emílio-apresentação_IC_IT .pptx
@@ -1,35 +1,33 @@
 
 <file path=ppt/presentation.xml><?xml version="1.0" encoding="utf-8"?>
-<p:presentation xmlns:a="http://schemas.openxmlformats.org/drawingml/2006/main" xmlns:r="http://schemas.openxmlformats.org/officeDocument/2006/relationships" xmlns:p="http://schemas.openxmlformats.org/presentationml/2006/main" xmlns:m="http://schemas.openxmlformats.org/officeDocument/2006/math" xmlns:a14="http://schemas.microsoft.com/office/drawing/2010/main">
+<p:presentation xmlns:a="http://schemas.openxmlformats.org/drawingml/2006/main" xmlns:r="http://schemas.openxmlformats.org/officeDocument/2006/relationships" xmlns:p="http://schemas.openxmlformats.org/presentationml/2006/main">
   <p:sldMasterIdLst>
-    <p:sldMasterId id="2147483648" r:id="rId5"/>
+    <p:sldMasterId id="2147483648" r:id="rId1"/>
   </p:sldMasterIdLst>
   <p:notesMasterIdLst>
-    <p:notesMasterId r:id="rId7"/>
+    <p:notesMasterId r:id="rId22"/>
   </p:notesMasterIdLst>
   <p:sldIdLst>
-    <p:sldId id="256" r:id="rId8"/>
-    <p:sldId id="257" r:id="rId9"/>
-    <p:sldId id="258" r:id="rId10"/>
-    <p:sldId id="259" r:id="rId11"/>
-    <p:sldId id="260" r:id="rId12"/>
-    <p:sldId id="261" r:id="rId13"/>
-    <p:sldId id="262" r:id="rId14"/>
-    <p:sldId id="263" r:id="rId15"/>
-    <p:sldId id="264" r:id="rId16"/>
-    <p:sldId id="265" r:id="rId17"/>
-    <p:sldId id="266" r:id="rId18"/>
-    <p:sldId id="267" r:id="rId19"/>
-    <p:sldId id="268" r:id="rId20"/>
-    <p:sldId id="269" r:id="rId21"/>
-    <p:sldId id="270" r:id="rId22"/>
-    <p:sldId id="271" r:id="rId23"/>
-    <p:sldId id="272" r:id="rId24"/>
-    <p:sldId id="273" r:id="rId25"/>
-    <p:sldId id="274" r:id="rId26"/>
-    <p:sldId id="275" r:id="rId27"/>
-    <p:sldId id="276" r:id="rId28"/>
-    <p:sldId id="277" r:id="rId29"/>
+    <p:sldId id="256" r:id="rId2"/>
+    <p:sldId id="257" r:id="rId3"/>
+    <p:sldId id="258" r:id="rId4"/>
+    <p:sldId id="259" r:id="rId5"/>
+    <p:sldId id="260" r:id="rId6"/>
+    <p:sldId id="261" r:id="rId7"/>
+    <p:sldId id="264" r:id="rId8"/>
+    <p:sldId id="265" r:id="rId9"/>
+    <p:sldId id="266" r:id="rId10"/>
+    <p:sldId id="267" r:id="rId11"/>
+    <p:sldId id="268" r:id="rId12"/>
+    <p:sldId id="269" r:id="rId13"/>
+    <p:sldId id="270" r:id="rId14"/>
+    <p:sldId id="271" r:id="rId15"/>
+    <p:sldId id="272" r:id="rId16"/>
+    <p:sldId id="273" r:id="rId17"/>
+    <p:sldId id="274" r:id="rId18"/>
+    <p:sldId id="275" r:id="rId19"/>
+    <p:sldId id="276" r:id="rId20"/>
+    <p:sldId id="277" r:id="rId21"/>
   </p:sldIdLst>
   <p:sldSz cx="12192000" cy="6858000"/>
   <p:notesSz cx="6858000" cy="9144000"/>
@@ -49,7 +47,7 @@
       <a:buFontTx/>
       <a:buNone/>
       <a:tabLst/>
-      <a:defRPr b="0" baseline="0" cap="none" i="0" spc="0" strike="noStrike" sz="1800" u="none" kumimoji="0" normalizeH="0">
+      <a:defRPr kumimoji="0" sz="1800" b="0" i="0" u="none" strike="noStrike" cap="none" spc="0" normalizeH="0" baseline="0">
         <a:ln>
           <a:noFill/>
         </a:ln>
@@ -75,7 +73,7 @@
       <a:buFontTx/>
       <a:buNone/>
       <a:tabLst/>
-      <a:defRPr b="0" baseline="0" cap="none" i="0" spc="0" strike="noStrike" sz="1400" u="none" kumimoji="0" normalizeH="0">
+      <a:defRPr kumimoji="0" sz="1400" b="0" i="0" u="none" strike="noStrike" cap="none" spc="0" normalizeH="0" baseline="0">
         <a:ln>
           <a:noFill/>
         </a:ln>
@@ -105,7 +103,7 @@
       <a:buFontTx/>
       <a:buNone/>
       <a:tabLst/>
-      <a:defRPr b="0" baseline="0" cap="none" i="0" spc="0" strike="noStrike" sz="1400" u="none" kumimoji="0" normalizeH="0">
+      <a:defRPr kumimoji="0" sz="1400" b="0" i="0" u="none" strike="noStrike" cap="none" spc="0" normalizeH="0" baseline="0">
         <a:ln>
           <a:noFill/>
         </a:ln>
@@ -135,7 +133,7 @@
       <a:buFontTx/>
       <a:buNone/>
       <a:tabLst/>
-      <a:defRPr b="0" baseline="0" cap="none" i="0" spc="0" strike="noStrike" sz="1400" u="none" kumimoji="0" normalizeH="0">
+      <a:defRPr kumimoji="0" sz="1400" b="0" i="0" u="none" strike="noStrike" cap="none" spc="0" normalizeH="0" baseline="0">
         <a:ln>
           <a:noFill/>
         </a:ln>
@@ -165,7 +163,7 @@
       <a:buFontTx/>
       <a:buNone/>
       <a:tabLst/>
-      <a:defRPr b="0" baseline="0" cap="none" i="0" spc="0" strike="noStrike" sz="1400" u="none" kumimoji="0" normalizeH="0">
+      <a:defRPr kumimoji="0" sz="1400" b="0" i="0" u="none" strike="noStrike" cap="none" spc="0" normalizeH="0" baseline="0">
         <a:ln>
           <a:noFill/>
         </a:ln>
@@ -195,7 +193,7 @@
       <a:buFontTx/>
       <a:buNone/>
       <a:tabLst/>
-      <a:defRPr b="0" baseline="0" cap="none" i="0" spc="0" strike="noStrike" sz="1400" u="none" kumimoji="0" normalizeH="0">
+      <a:defRPr kumimoji="0" sz="1400" b="0" i="0" u="none" strike="noStrike" cap="none" spc="0" normalizeH="0" baseline="0">
         <a:ln>
           <a:noFill/>
         </a:ln>
@@ -225,7 +223,7 @@
       <a:buFontTx/>
       <a:buNone/>
       <a:tabLst/>
-      <a:defRPr b="0" baseline="0" cap="none" i="0" spc="0" strike="noStrike" sz="1400" u="none" kumimoji="0" normalizeH="0">
+      <a:defRPr kumimoji="0" sz="1400" b="0" i="0" u="none" strike="noStrike" cap="none" spc="0" normalizeH="0" baseline="0">
         <a:ln>
           <a:noFill/>
         </a:ln>
@@ -255,7 +253,7 @@
       <a:buFontTx/>
       <a:buNone/>
       <a:tabLst/>
-      <a:defRPr b="0" baseline="0" cap="none" i="0" spc="0" strike="noStrike" sz="1400" u="none" kumimoji="0" normalizeH="0">
+      <a:defRPr kumimoji="0" sz="1400" b="0" i="0" u="none" strike="noStrike" cap="none" spc="0" normalizeH="0" baseline="0">
         <a:ln>
           <a:noFill/>
         </a:ln>
@@ -285,7 +283,7 @@
       <a:buFontTx/>
       <a:buNone/>
       <a:tabLst/>
-      <a:defRPr b="0" baseline="0" cap="none" i="0" spc="0" strike="noStrike" sz="1400" u="none" kumimoji="0" normalizeH="0">
+      <a:defRPr kumimoji="0" sz="1400" b="0" i="0" u="none" strike="noStrike" cap="none" spc="0" normalizeH="0" baseline="0">
         <a:ln>
           <a:noFill/>
         </a:ln>
@@ -315,7 +313,7 @@
       <a:buFontTx/>
       <a:buNone/>
       <a:tabLst/>
-      <a:defRPr b="0" baseline="0" cap="none" i="0" spc="0" strike="noStrike" sz="1400" u="none" kumimoji="0" normalizeH="0">
+      <a:defRPr kumimoji="0" sz="1400" b="0" i="0" u="none" strike="noStrike" cap="none" spc="0" normalizeH="0" baseline="0">
         <a:ln>
           <a:noFill/>
         </a:ln>
@@ -331,16 +329,22 @@
       </a:defRPr>
     </a:lvl9pPr>
   </p:defaultTextStyle>
+  <p:extLst>
+    <p:ext uri="{EFAFB233-063F-42B5-8137-9DF3F51BA10A}">
+      <p15:sldGuideLst xmlns:p15="http://schemas.microsoft.com/office/powerpoint/2012/main"/>
+    </p:ext>
+  </p:extLst>
 </p:presentation>
 </file>
 
-<file path=ppt/commentAuthors.xml><?xml version="1.0" encoding="utf-8"?>
-<p:cmAuthorLst xmlns:a="http://schemas.openxmlformats.org/drawingml/2006/main" xmlns:r="http://schemas.openxmlformats.org/officeDocument/2006/relationships" xmlns:p="http://schemas.openxmlformats.org/presentationml/2006/main" xmlns:m="http://schemas.openxmlformats.org/officeDocument/2006/math" xmlns:a14="http://schemas.microsoft.com/office/drawing/2010/main"/>
-</file>
-
 <file path=ppt/notesMasters/notesMaster1.xml><?xml version="1.0" encoding="utf-8"?>
-<p:notesMaster xmlns:a="http://schemas.openxmlformats.org/drawingml/2006/main" xmlns:r="http://schemas.openxmlformats.org/officeDocument/2006/relationships" xmlns:p="http://schemas.openxmlformats.org/presentationml/2006/main" xmlns:m="http://schemas.openxmlformats.org/officeDocument/2006/math" xmlns:a14="http://schemas.microsoft.com/office/drawing/2010/main">
+<p:notesMaster xmlns:a="http://schemas.openxmlformats.org/drawingml/2006/main" xmlns:r="http://schemas.openxmlformats.org/officeDocument/2006/relationships" xmlns:p="http://schemas.openxmlformats.org/presentationml/2006/main">
   <p:cSld>
+    <p:bg>
+      <p:bgRef idx="1001">
+        <a:schemeClr val="bg1"/>
+      </p:bgRef>
+    </p:bg>
     <p:spTree>
       <p:nvGrpSpPr>
         <p:cNvPr id="1" name=""/>
@@ -358,7 +362,9 @@
       <p:sp>
         <p:nvSpPr>
           <p:cNvPr id="112" name="Shape 112"/>
-          <p:cNvSpPr/>
+          <p:cNvSpPr>
+            <a:spLocks noGrp="1" noRot="1" noChangeAspect="1"/>
+          </p:cNvSpPr>
           <p:nvPr>
             <p:ph type="sldImg"/>
           </p:nvPr>
@@ -376,14 +382,16 @@
           <a:bodyPr/>
           <a:lstStyle/>
           <a:p>
-            <a:pPr/>
+            <a:endParaRPr/>
           </a:p>
         </p:txBody>
       </p:sp>
       <p:sp>
         <p:nvSpPr>
           <p:cNvPr id="113" name="Shape 113"/>
-          <p:cNvSpPr/>
+          <p:cNvSpPr>
+            <a:spLocks noGrp="1"/>
+          </p:cNvSpPr>
           <p:nvPr>
             <p:ph type="body" sz="quarter" idx="1"/>
           </p:nvPr>
@@ -401,7 +409,7 @@
           <a:bodyPr/>
           <a:lstStyle/>
           <a:p>
-            <a:pPr/>
+            <a:endParaRPr/>
           </a:p>
         </p:txBody>
       </p:sp>
@@ -486,7 +494,7 @@
 </file>
 
 <file path=ppt/slideLayouts/slideLayout1.xml><?xml version="1.0" encoding="utf-8"?>
-<p:sldLayout xmlns:a="http://schemas.openxmlformats.org/drawingml/2006/main" xmlns:r="http://schemas.openxmlformats.org/officeDocument/2006/relationships" xmlns:p="http://schemas.openxmlformats.org/presentationml/2006/main" xmlns:m="http://schemas.openxmlformats.org/officeDocument/2006/math" xmlns:a14="http://schemas.microsoft.com/office/drawing/2010/main" type="title" showMasterSp="1" showMasterPhAnim="1">
+<p:sldLayout xmlns:a="http://schemas.openxmlformats.org/drawingml/2006/main" xmlns:r="http://schemas.openxmlformats.org/officeDocument/2006/relationships" xmlns:p="http://schemas.openxmlformats.org/presentationml/2006/main" type="title">
   <p:cSld name="TITLE">
     <p:spTree>
       <p:nvGrpSpPr>
@@ -505,7 +513,9 @@
       <p:sp>
         <p:nvSpPr>
           <p:cNvPr id="11" name="Title Text"/>
-          <p:cNvSpPr txBox="1"/>
+          <p:cNvSpPr txBox="1">
+            <a:spLocks noGrp="1"/>
+          </p:cNvSpPr>
           <p:nvPr>
             <p:ph type="title"/>
           </p:nvPr>
@@ -527,7 +537,6 @@
             </a:lvl1pPr>
           </a:lstStyle>
           <a:p>
-            <a:pPr/>
             <a:r>
               <a:t>Title Text</a:t>
             </a:r>
@@ -537,7 +546,9 @@
       <p:sp>
         <p:nvSpPr>
           <p:cNvPr id="12" name="Body Level One…"/>
-          <p:cNvSpPr txBox="1"/>
+          <p:cNvSpPr txBox="1">
+            <a:spLocks noGrp="1"/>
+          </p:cNvSpPr>
           <p:nvPr>
             <p:ph type="body" sz="quarter" idx="1"/>
           </p:nvPr>
@@ -591,7 +602,6 @@
             </a:lvl5pPr>
           </a:lstStyle>
           <a:p>
-            <a:pPr/>
             <a:r>
               <a:t>Body Level One</a:t>
             </a:r>
@@ -625,7 +635,9 @@
       <p:sp>
         <p:nvSpPr>
           <p:cNvPr id="13" name="Slide Number"/>
-          <p:cNvSpPr txBox="1"/>
+          <p:cNvSpPr txBox="1">
+            <a:spLocks noGrp="1"/>
+          </p:cNvSpPr>
           <p:nvPr>
             <p:ph type="sldNum" sz="quarter" idx="2"/>
           </p:nvPr>
@@ -639,8 +651,10 @@
           <a:bodyPr/>
           <a:lstStyle/>
           <a:p>
-            <a:pPr/>
-            <a:fld id="{86CB4B4D-7CA3-9044-876B-883B54F8677D}" type="slidenum"/>
+            <a:fld id="{86CB4B4D-7CA3-9044-876B-883B54F8677D}" type="slidenum">
+              <a:t>‹nº›</a:t>
+            </a:fld>
+            <a:endParaRPr/>
           </a:p>
         </p:txBody>
       </p:sp>
@@ -649,12 +663,12 @@
   <p:clrMapOvr>
     <a:masterClrMapping/>
   </p:clrMapOvr>
-  <p:transition xmlns:p14="http://schemas.microsoft.com/office/powerpoint/2010/main" spd="med" advClick="1"/>
+  <p:transition spd="med"/>
 </p:sldLayout>
 </file>
 
 <file path=ppt/slideLayouts/slideLayout10.xml><?xml version="1.0" encoding="utf-8"?>
-<p:sldLayout xmlns:a="http://schemas.openxmlformats.org/drawingml/2006/main" xmlns:r="http://schemas.openxmlformats.org/officeDocument/2006/relationships" xmlns:p="http://schemas.openxmlformats.org/presentationml/2006/main" xmlns:m="http://schemas.openxmlformats.org/officeDocument/2006/math" xmlns:a14="http://schemas.microsoft.com/office/drawing/2010/main" type="tx" showMasterSp="1" showMasterPhAnim="1">
+<p:sldLayout xmlns:a="http://schemas.openxmlformats.org/drawingml/2006/main" xmlns:r="http://schemas.openxmlformats.org/officeDocument/2006/relationships" xmlns:p="http://schemas.openxmlformats.org/presentationml/2006/main" type="tx">
   <p:cSld name="VERTICAL_TEXT">
     <p:spTree>
       <p:nvGrpSpPr>
@@ -673,7 +687,9 @@
       <p:sp>
         <p:nvSpPr>
           <p:cNvPr id="95" name="Title Text"/>
-          <p:cNvSpPr txBox="1"/>
+          <p:cNvSpPr txBox="1">
+            <a:spLocks noGrp="1"/>
+          </p:cNvSpPr>
           <p:nvPr>
             <p:ph type="title"/>
           </p:nvPr>
@@ -687,7 +703,6 @@
           <a:bodyPr/>
           <a:lstStyle/>
           <a:p>
-            <a:pPr/>
             <a:r>
               <a:t>Title Text</a:t>
             </a:r>
@@ -697,7 +712,9 @@
       <p:sp>
         <p:nvSpPr>
           <p:cNvPr id="96" name="Body Level One…"/>
-          <p:cNvSpPr txBox="1"/>
+          <p:cNvSpPr txBox="1">
+            <a:spLocks noGrp="1"/>
+          </p:cNvSpPr>
           <p:nvPr>
             <p:ph type="body" idx="1"/>
           </p:nvPr>
@@ -715,7 +732,6 @@
           <a:bodyPr/>
           <a:lstStyle/>
           <a:p>
-            <a:pPr/>
             <a:r>
               <a:t>Body Level One</a:t>
             </a:r>
@@ -749,7 +765,9 @@
       <p:sp>
         <p:nvSpPr>
           <p:cNvPr id="97" name="Slide Number"/>
-          <p:cNvSpPr txBox="1"/>
+          <p:cNvSpPr txBox="1">
+            <a:spLocks noGrp="1"/>
+          </p:cNvSpPr>
           <p:nvPr>
             <p:ph type="sldNum" sz="quarter" idx="2"/>
           </p:nvPr>
@@ -763,8 +781,10 @@
           <a:bodyPr/>
           <a:lstStyle/>
           <a:p>
-            <a:pPr/>
-            <a:fld id="{86CB4B4D-7CA3-9044-876B-883B54F8677D}" type="slidenum"/>
+            <a:fld id="{86CB4B4D-7CA3-9044-876B-883B54F8677D}" type="slidenum">
+              <a:t>‹nº›</a:t>
+            </a:fld>
+            <a:endParaRPr/>
           </a:p>
         </p:txBody>
       </p:sp>
@@ -773,12 +793,12 @@
   <p:clrMapOvr>
     <a:masterClrMapping/>
   </p:clrMapOvr>
-  <p:transition xmlns:p14="http://schemas.microsoft.com/office/powerpoint/2010/main" spd="med" advClick="1"/>
+  <p:transition spd="med"/>
 </p:sldLayout>
 </file>
 
 <file path=ppt/slideLayouts/slideLayout11.xml><?xml version="1.0" encoding="utf-8"?>
-<p:sldLayout xmlns:a="http://schemas.openxmlformats.org/drawingml/2006/main" xmlns:r="http://schemas.openxmlformats.org/officeDocument/2006/relationships" xmlns:p="http://schemas.openxmlformats.org/presentationml/2006/main" xmlns:m="http://schemas.openxmlformats.org/officeDocument/2006/math" xmlns:a14="http://schemas.microsoft.com/office/drawing/2010/main" type="tx" showMasterSp="1" showMasterPhAnim="1">
+<p:sldLayout xmlns:a="http://schemas.openxmlformats.org/drawingml/2006/main" xmlns:r="http://schemas.openxmlformats.org/officeDocument/2006/relationships" xmlns:p="http://schemas.openxmlformats.org/presentationml/2006/main" type="tx">
   <p:cSld name="VERTICAL_TITLE_AND_VERTICAL_TEXT">
     <p:spTree>
       <p:nvGrpSpPr>
@@ -797,7 +817,9 @@
       <p:sp>
         <p:nvSpPr>
           <p:cNvPr id="104" name="Title Text"/>
-          <p:cNvSpPr txBox="1"/>
+          <p:cNvSpPr txBox="1">
+            <a:spLocks noGrp="1"/>
+          </p:cNvSpPr>
           <p:nvPr>
             <p:ph type="title"/>
           </p:nvPr>
@@ -815,7 +837,6 @@
           <a:bodyPr/>
           <a:lstStyle/>
           <a:p>
-            <a:pPr/>
             <a:r>
               <a:t>Title Text</a:t>
             </a:r>
@@ -825,7 +846,9 @@
       <p:sp>
         <p:nvSpPr>
           <p:cNvPr id="105" name="Body Level One…"/>
-          <p:cNvSpPr txBox="1"/>
+          <p:cNvSpPr txBox="1">
+            <a:spLocks noGrp="1"/>
+          </p:cNvSpPr>
           <p:nvPr>
             <p:ph type="body" idx="1"/>
           </p:nvPr>
@@ -843,7 +866,6 @@
           <a:bodyPr/>
           <a:lstStyle/>
           <a:p>
-            <a:pPr/>
             <a:r>
               <a:t>Body Level One</a:t>
             </a:r>
@@ -877,7 +899,9 @@
       <p:sp>
         <p:nvSpPr>
           <p:cNvPr id="106" name="Slide Number"/>
-          <p:cNvSpPr txBox="1"/>
+          <p:cNvSpPr txBox="1">
+            <a:spLocks noGrp="1"/>
+          </p:cNvSpPr>
           <p:nvPr>
             <p:ph type="sldNum" sz="quarter" idx="2"/>
           </p:nvPr>
@@ -891,8 +915,10 @@
           <a:bodyPr/>
           <a:lstStyle/>
           <a:p>
-            <a:pPr/>
-            <a:fld id="{86CB4B4D-7CA3-9044-876B-883B54F8677D}" type="slidenum"/>
+            <a:fld id="{86CB4B4D-7CA3-9044-876B-883B54F8677D}" type="slidenum">
+              <a:t>‹nº›</a:t>
+            </a:fld>
+            <a:endParaRPr/>
           </a:p>
         </p:txBody>
       </p:sp>
@@ -901,12 +927,12 @@
   <p:clrMapOvr>
     <a:masterClrMapping/>
   </p:clrMapOvr>
-  <p:transition xmlns:p14="http://schemas.microsoft.com/office/powerpoint/2010/main" spd="med" advClick="1"/>
+  <p:transition spd="med"/>
 </p:sldLayout>
 </file>
 
 <file path=ppt/slideLayouts/slideLayout2.xml><?xml version="1.0" encoding="utf-8"?>
-<p:sldLayout xmlns:a="http://schemas.openxmlformats.org/drawingml/2006/main" xmlns:r="http://schemas.openxmlformats.org/officeDocument/2006/relationships" xmlns:p="http://schemas.openxmlformats.org/presentationml/2006/main" xmlns:m="http://schemas.openxmlformats.org/officeDocument/2006/math" xmlns:a14="http://schemas.microsoft.com/office/drawing/2010/main" type="tx" showMasterSp="1" showMasterPhAnim="1">
+<p:sldLayout xmlns:a="http://schemas.openxmlformats.org/drawingml/2006/main" xmlns:r="http://schemas.openxmlformats.org/officeDocument/2006/relationships" xmlns:p="http://schemas.openxmlformats.org/presentationml/2006/main" type="tx">
   <p:cSld name="OBJECT">
     <p:spTree>
       <p:nvGrpSpPr>
@@ -925,7 +951,9 @@
       <p:sp>
         <p:nvSpPr>
           <p:cNvPr id="20" name="Title Text"/>
-          <p:cNvSpPr txBox="1"/>
+          <p:cNvSpPr txBox="1">
+            <a:spLocks noGrp="1"/>
+          </p:cNvSpPr>
           <p:nvPr>
             <p:ph type="title"/>
           </p:nvPr>
@@ -939,7 +967,6 @@
           <a:bodyPr/>
           <a:lstStyle/>
           <a:p>
-            <a:pPr/>
             <a:r>
               <a:t>Title Text</a:t>
             </a:r>
@@ -949,7 +976,9 @@
       <p:sp>
         <p:nvSpPr>
           <p:cNvPr id="21" name="Body Level One…"/>
-          <p:cNvSpPr txBox="1"/>
+          <p:cNvSpPr txBox="1">
+            <a:spLocks noGrp="1"/>
+          </p:cNvSpPr>
           <p:nvPr>
             <p:ph type="body" idx="1"/>
           </p:nvPr>
@@ -963,7 +992,6 @@
           <a:bodyPr/>
           <a:lstStyle/>
           <a:p>
-            <a:pPr/>
             <a:r>
               <a:t>Body Level One</a:t>
             </a:r>
@@ -997,7 +1025,9 @@
       <p:sp>
         <p:nvSpPr>
           <p:cNvPr id="22" name="Slide Number"/>
-          <p:cNvSpPr txBox="1"/>
+          <p:cNvSpPr txBox="1">
+            <a:spLocks noGrp="1"/>
+          </p:cNvSpPr>
           <p:nvPr>
             <p:ph type="sldNum" sz="quarter" idx="2"/>
           </p:nvPr>
@@ -1011,8 +1041,10 @@
           <a:bodyPr/>
           <a:lstStyle/>
           <a:p>
-            <a:pPr/>
-            <a:fld id="{86CB4B4D-7CA3-9044-876B-883B54F8677D}" type="slidenum"/>
+            <a:fld id="{86CB4B4D-7CA3-9044-876B-883B54F8677D}" type="slidenum">
+              <a:t>‹nº›</a:t>
+            </a:fld>
+            <a:endParaRPr/>
           </a:p>
         </p:txBody>
       </p:sp>
@@ -1021,12 +1053,12 @@
   <p:clrMapOvr>
     <a:masterClrMapping/>
   </p:clrMapOvr>
-  <p:transition xmlns:p14="http://schemas.microsoft.com/office/powerpoint/2010/main" spd="med" advClick="1"/>
+  <p:transition spd="med"/>
 </p:sldLayout>
 </file>
 
 <file path=ppt/slideLayouts/slideLayout3.xml><?xml version="1.0" encoding="utf-8"?>
-<p:sldLayout xmlns:a="http://schemas.openxmlformats.org/drawingml/2006/main" xmlns:r="http://schemas.openxmlformats.org/officeDocument/2006/relationships" xmlns:p="http://schemas.openxmlformats.org/presentationml/2006/main" xmlns:m="http://schemas.openxmlformats.org/officeDocument/2006/math" xmlns:a14="http://schemas.microsoft.com/office/drawing/2010/main" type="tx" showMasterSp="1" showMasterPhAnim="1">
+<p:sldLayout xmlns:a="http://schemas.openxmlformats.org/drawingml/2006/main" xmlns:r="http://schemas.openxmlformats.org/officeDocument/2006/relationships" xmlns:p="http://schemas.openxmlformats.org/presentationml/2006/main" type="tx">
   <p:cSld name="SECTION_HEADER">
     <p:spTree>
       <p:nvGrpSpPr>
@@ -1045,7 +1077,9 @@
       <p:sp>
         <p:nvSpPr>
           <p:cNvPr id="29" name="Title Text"/>
-          <p:cNvSpPr txBox="1"/>
+          <p:cNvSpPr txBox="1">
+            <a:spLocks noGrp="1"/>
+          </p:cNvSpPr>
           <p:nvPr>
             <p:ph type="title"/>
           </p:nvPr>
@@ -1067,7 +1101,6 @@
             </a:lvl1pPr>
           </a:lstStyle>
           <a:p>
-            <a:pPr/>
             <a:r>
               <a:t>Title Text</a:t>
             </a:r>
@@ -1077,7 +1110,9 @@
       <p:sp>
         <p:nvSpPr>
           <p:cNvPr id="30" name="Body Level One…"/>
-          <p:cNvSpPr txBox="1"/>
+          <p:cNvSpPr txBox="1">
+            <a:spLocks noGrp="1"/>
+          </p:cNvSpPr>
           <p:nvPr>
             <p:ph type="body" sz="quarter" idx="1"/>
           </p:nvPr>
@@ -1151,7 +1186,6 @@
             </a:lvl5pPr>
           </a:lstStyle>
           <a:p>
-            <a:pPr/>
             <a:r>
               <a:t>Body Level One</a:t>
             </a:r>
@@ -1185,7 +1219,9 @@
       <p:sp>
         <p:nvSpPr>
           <p:cNvPr id="31" name="Slide Number"/>
-          <p:cNvSpPr txBox="1"/>
+          <p:cNvSpPr txBox="1">
+            <a:spLocks noGrp="1"/>
+          </p:cNvSpPr>
           <p:nvPr>
             <p:ph type="sldNum" sz="quarter" idx="2"/>
           </p:nvPr>
@@ -1199,8 +1235,10 @@
           <a:bodyPr/>
           <a:lstStyle/>
           <a:p>
-            <a:pPr/>
-            <a:fld id="{86CB4B4D-7CA3-9044-876B-883B54F8677D}" type="slidenum"/>
+            <a:fld id="{86CB4B4D-7CA3-9044-876B-883B54F8677D}" type="slidenum">
+              <a:t>‹nº›</a:t>
+            </a:fld>
+            <a:endParaRPr/>
           </a:p>
         </p:txBody>
       </p:sp>
@@ -1209,12 +1247,12 @@
   <p:clrMapOvr>
     <a:masterClrMapping/>
   </p:clrMapOvr>
-  <p:transition xmlns:p14="http://schemas.microsoft.com/office/powerpoint/2010/main" spd="med" advClick="1"/>
+  <p:transition spd="med"/>
 </p:sldLayout>
 </file>
 
 <file path=ppt/slideLayouts/slideLayout4.xml><?xml version="1.0" encoding="utf-8"?>
-<p:sldLayout xmlns:a="http://schemas.openxmlformats.org/drawingml/2006/main" xmlns:r="http://schemas.openxmlformats.org/officeDocument/2006/relationships" xmlns:p="http://schemas.openxmlformats.org/presentationml/2006/main" xmlns:m="http://schemas.openxmlformats.org/officeDocument/2006/math" xmlns:a14="http://schemas.microsoft.com/office/drawing/2010/main" type="tx" showMasterSp="1" showMasterPhAnim="1">
+<p:sldLayout xmlns:a="http://schemas.openxmlformats.org/drawingml/2006/main" xmlns:r="http://schemas.openxmlformats.org/officeDocument/2006/relationships" xmlns:p="http://schemas.openxmlformats.org/presentationml/2006/main" type="tx">
   <p:cSld name="TWO_OBJECTS">
     <p:spTree>
       <p:nvGrpSpPr>
@@ -1233,7 +1271,9 @@
       <p:sp>
         <p:nvSpPr>
           <p:cNvPr id="38" name="Title Text"/>
-          <p:cNvSpPr txBox="1"/>
+          <p:cNvSpPr txBox="1">
+            <a:spLocks noGrp="1"/>
+          </p:cNvSpPr>
           <p:nvPr>
             <p:ph type="title"/>
           </p:nvPr>
@@ -1247,7 +1287,6 @@
           <a:bodyPr/>
           <a:lstStyle/>
           <a:p>
-            <a:pPr/>
             <a:r>
               <a:t>Title Text</a:t>
             </a:r>
@@ -1257,7 +1296,9 @@
       <p:sp>
         <p:nvSpPr>
           <p:cNvPr id="39" name="Body Level One…"/>
-          <p:cNvSpPr txBox="1"/>
+          <p:cNvSpPr txBox="1">
+            <a:spLocks noGrp="1"/>
+          </p:cNvSpPr>
           <p:nvPr>
             <p:ph type="body" sz="half" idx="1"/>
           </p:nvPr>
@@ -1275,7 +1316,6 @@
           <a:bodyPr/>
           <a:lstStyle/>
           <a:p>
-            <a:pPr/>
             <a:r>
               <a:t>Body Level One</a:t>
             </a:r>
@@ -1309,7 +1349,9 @@
       <p:sp>
         <p:nvSpPr>
           <p:cNvPr id="40" name="Google Shape;32;p7"/>
-          <p:cNvSpPr txBox="1"/>
+          <p:cNvSpPr txBox="1">
+            <a:spLocks noGrp="1"/>
+          </p:cNvSpPr>
           <p:nvPr>
             <p:ph type="body" sz="half" idx="21"/>
           </p:nvPr>
@@ -1327,14 +1369,16 @@
           <a:bodyPr/>
           <a:lstStyle/>
           <a:p>
-            <a:pPr/>
+            <a:endParaRPr/>
           </a:p>
         </p:txBody>
       </p:sp>
       <p:sp>
         <p:nvSpPr>
           <p:cNvPr id="41" name="Slide Number"/>
-          <p:cNvSpPr txBox="1"/>
+          <p:cNvSpPr txBox="1">
+            <a:spLocks noGrp="1"/>
+          </p:cNvSpPr>
           <p:nvPr>
             <p:ph type="sldNum" sz="quarter" idx="2"/>
           </p:nvPr>
@@ -1348,8 +1392,10 @@
           <a:bodyPr/>
           <a:lstStyle/>
           <a:p>
-            <a:pPr/>
-            <a:fld id="{86CB4B4D-7CA3-9044-876B-883B54F8677D}" type="slidenum"/>
+            <a:fld id="{86CB4B4D-7CA3-9044-876B-883B54F8677D}" type="slidenum">
+              <a:t>‹nº›</a:t>
+            </a:fld>
+            <a:endParaRPr/>
           </a:p>
         </p:txBody>
       </p:sp>
@@ -1358,12 +1404,12 @@
   <p:clrMapOvr>
     <a:masterClrMapping/>
   </p:clrMapOvr>
-  <p:transition xmlns:p14="http://schemas.microsoft.com/office/powerpoint/2010/main" spd="med" advClick="1"/>
+  <p:transition spd="med"/>
 </p:sldLayout>
 </file>
 
 <file path=ppt/slideLayouts/slideLayout5.xml><?xml version="1.0" encoding="utf-8"?>
-<p:sldLayout xmlns:a="http://schemas.openxmlformats.org/drawingml/2006/main" xmlns:r="http://schemas.openxmlformats.org/officeDocument/2006/relationships" xmlns:p="http://schemas.openxmlformats.org/presentationml/2006/main" xmlns:m="http://schemas.openxmlformats.org/officeDocument/2006/math" xmlns:a14="http://schemas.microsoft.com/office/drawing/2010/main" type="tx" showMasterSp="1" showMasterPhAnim="1">
+<p:sldLayout xmlns:a="http://schemas.openxmlformats.org/drawingml/2006/main" xmlns:r="http://schemas.openxmlformats.org/officeDocument/2006/relationships" xmlns:p="http://schemas.openxmlformats.org/presentationml/2006/main" type="tx">
   <p:cSld name="TWO_OBJECTS_WITH_TEXT">
     <p:spTree>
       <p:nvGrpSpPr>
@@ -1382,7 +1428,9 @@
       <p:sp>
         <p:nvSpPr>
           <p:cNvPr id="48" name="Title Text"/>
-          <p:cNvSpPr txBox="1"/>
+          <p:cNvSpPr txBox="1">
+            <a:spLocks noGrp="1"/>
+          </p:cNvSpPr>
           <p:nvPr>
             <p:ph type="title"/>
           </p:nvPr>
@@ -1400,7 +1448,6 @@
           <a:bodyPr/>
           <a:lstStyle/>
           <a:p>
-            <a:pPr/>
             <a:r>
               <a:t>Title Text</a:t>
             </a:r>
@@ -1410,7 +1457,9 @@
       <p:sp>
         <p:nvSpPr>
           <p:cNvPr id="49" name="Body Level One…"/>
-          <p:cNvSpPr txBox="1"/>
+          <p:cNvSpPr txBox="1">
+            <a:spLocks noGrp="1"/>
+          </p:cNvSpPr>
           <p:nvPr>
             <p:ph type="body" sz="quarter" idx="1"/>
           </p:nvPr>
@@ -1432,39 +1481,38 @@
               <a:buSzTx/>
               <a:buFontTx/>
               <a:buNone/>
-              <a:defRPr b="1" sz="2400"/>
+              <a:defRPr sz="2400" b="1"/>
             </a:lvl1pPr>
             <a:lvl2pPr marL="228600" indent="457200">
               <a:buClrTx/>
               <a:buSzTx/>
               <a:buFontTx/>
               <a:buNone/>
-              <a:defRPr b="1" sz="2400"/>
+              <a:defRPr sz="2400" b="1"/>
             </a:lvl2pPr>
             <a:lvl3pPr marL="228600" indent="914400">
               <a:buClrTx/>
               <a:buSzTx/>
               <a:buFontTx/>
               <a:buNone/>
-              <a:defRPr b="1" sz="2400"/>
+              <a:defRPr sz="2400" b="1"/>
             </a:lvl3pPr>
             <a:lvl4pPr marL="228600" indent="1371600">
               <a:buClrTx/>
               <a:buSzTx/>
               <a:buFontTx/>
               <a:buNone/>
-              <a:defRPr b="1" sz="2400"/>
+              <a:defRPr sz="2400" b="1"/>
             </a:lvl4pPr>
             <a:lvl5pPr marL="228600" indent="1828800">
               <a:buClrTx/>
               <a:buSzTx/>
               <a:buFontTx/>
               <a:buNone/>
-              <a:defRPr b="1" sz="2400"/>
+              <a:defRPr sz="2400" b="1"/>
             </a:lvl5pPr>
           </a:lstStyle>
           <a:p>
-            <a:pPr/>
             <a:r>
               <a:t>Body Level One</a:t>
             </a:r>
@@ -1498,7 +1546,9 @@
       <p:sp>
         <p:nvSpPr>
           <p:cNvPr id="50" name="Google Shape;39;p8"/>
-          <p:cNvSpPr txBox="1"/>
+          <p:cNvSpPr txBox="1">
+            <a:spLocks noGrp="1"/>
+          </p:cNvSpPr>
           <p:nvPr>
             <p:ph type="body" sz="half" idx="21"/>
           </p:nvPr>
@@ -1516,14 +1566,16 @@
           <a:bodyPr/>
           <a:lstStyle/>
           <a:p>
-            <a:pPr/>
+            <a:endParaRPr/>
           </a:p>
         </p:txBody>
       </p:sp>
       <p:sp>
         <p:nvSpPr>
           <p:cNvPr id="51" name="Google Shape;40;p8"/>
-          <p:cNvSpPr txBox="1"/>
+          <p:cNvSpPr txBox="1">
+            <a:spLocks noGrp="1"/>
+          </p:cNvSpPr>
           <p:nvPr>
             <p:ph type="body" sz="quarter" idx="22"/>
           </p:nvPr>
@@ -1546,15 +1598,18 @@
               <a:buSzTx/>
               <a:buFontTx/>
               <a:buNone/>
-              <a:defRPr b="1" sz="2400"/>
+              <a:defRPr sz="2400" b="1"/>
             </a:pPr>
+            <a:endParaRPr/>
           </a:p>
         </p:txBody>
       </p:sp>
       <p:sp>
         <p:nvSpPr>
           <p:cNvPr id="52" name="Google Shape;41;p8"/>
-          <p:cNvSpPr txBox="1"/>
+          <p:cNvSpPr txBox="1">
+            <a:spLocks noGrp="1"/>
+          </p:cNvSpPr>
           <p:nvPr>
             <p:ph type="body" sz="half" idx="23"/>
           </p:nvPr>
@@ -1572,14 +1627,16 @@
           <a:bodyPr/>
           <a:lstStyle/>
           <a:p>
-            <a:pPr/>
+            <a:endParaRPr/>
           </a:p>
         </p:txBody>
       </p:sp>
       <p:sp>
         <p:nvSpPr>
           <p:cNvPr id="53" name="Slide Number"/>
-          <p:cNvSpPr txBox="1"/>
+          <p:cNvSpPr txBox="1">
+            <a:spLocks noGrp="1"/>
+          </p:cNvSpPr>
           <p:nvPr>
             <p:ph type="sldNum" sz="quarter" idx="2"/>
           </p:nvPr>
@@ -1593,8 +1650,10 @@
           <a:bodyPr/>
           <a:lstStyle/>
           <a:p>
-            <a:pPr/>
-            <a:fld id="{86CB4B4D-7CA3-9044-876B-883B54F8677D}" type="slidenum"/>
+            <a:fld id="{86CB4B4D-7CA3-9044-876B-883B54F8677D}" type="slidenum">
+              <a:t>‹nº›</a:t>
+            </a:fld>
+            <a:endParaRPr/>
           </a:p>
         </p:txBody>
       </p:sp>
@@ -1603,12 +1662,12 @@
   <p:clrMapOvr>
     <a:masterClrMapping/>
   </p:clrMapOvr>
-  <p:transition xmlns:p14="http://schemas.microsoft.com/office/powerpoint/2010/main" spd="med" advClick="1"/>
+  <p:transition spd="med"/>
 </p:sldLayout>
 </file>
 
 <file path=ppt/slideLayouts/slideLayout6.xml><?xml version="1.0" encoding="utf-8"?>
-<p:sldLayout xmlns:a="http://schemas.openxmlformats.org/drawingml/2006/main" xmlns:r="http://schemas.openxmlformats.org/officeDocument/2006/relationships" xmlns:p="http://schemas.openxmlformats.org/presentationml/2006/main" xmlns:m="http://schemas.openxmlformats.org/officeDocument/2006/math" xmlns:a14="http://schemas.microsoft.com/office/drawing/2010/main" type="tx" showMasterSp="1" showMasterPhAnim="1">
+<p:sldLayout xmlns:a="http://schemas.openxmlformats.org/drawingml/2006/main" xmlns:r="http://schemas.openxmlformats.org/officeDocument/2006/relationships" xmlns:p="http://schemas.openxmlformats.org/presentationml/2006/main" type="tx">
   <p:cSld name="TITLE_ONLY">
     <p:spTree>
       <p:nvGrpSpPr>
@@ -1627,7 +1686,9 @@
       <p:sp>
         <p:nvSpPr>
           <p:cNvPr id="60" name="Title Text"/>
-          <p:cNvSpPr txBox="1"/>
+          <p:cNvSpPr txBox="1">
+            <a:spLocks noGrp="1"/>
+          </p:cNvSpPr>
           <p:nvPr>
             <p:ph type="title"/>
           </p:nvPr>
@@ -1641,7 +1702,6 @@
           <a:bodyPr/>
           <a:lstStyle/>
           <a:p>
-            <a:pPr/>
             <a:r>
               <a:t>Title Text</a:t>
             </a:r>
@@ -1651,7 +1711,9 @@
       <p:sp>
         <p:nvSpPr>
           <p:cNvPr id="61" name="Slide Number"/>
-          <p:cNvSpPr txBox="1"/>
+          <p:cNvSpPr txBox="1">
+            <a:spLocks noGrp="1"/>
+          </p:cNvSpPr>
           <p:nvPr>
             <p:ph type="sldNum" sz="quarter" idx="2"/>
           </p:nvPr>
@@ -1665,8 +1727,10 @@
           <a:bodyPr/>
           <a:lstStyle/>
           <a:p>
-            <a:pPr/>
-            <a:fld id="{86CB4B4D-7CA3-9044-876B-883B54F8677D}" type="slidenum"/>
+            <a:fld id="{86CB4B4D-7CA3-9044-876B-883B54F8677D}" type="slidenum">
+              <a:t>‹nº›</a:t>
+            </a:fld>
+            <a:endParaRPr/>
           </a:p>
         </p:txBody>
       </p:sp>
@@ -1675,12 +1739,12 @@
   <p:clrMapOvr>
     <a:masterClrMapping/>
   </p:clrMapOvr>
-  <p:transition xmlns:p14="http://schemas.microsoft.com/office/powerpoint/2010/main" spd="med" advClick="1"/>
+  <p:transition spd="med"/>
 </p:sldLayout>
 </file>
 
 <file path=ppt/slideLayouts/slideLayout7.xml><?xml version="1.0" encoding="utf-8"?>
-<p:sldLayout xmlns:a="http://schemas.openxmlformats.org/drawingml/2006/main" xmlns:r="http://schemas.openxmlformats.org/officeDocument/2006/relationships" xmlns:p="http://schemas.openxmlformats.org/presentationml/2006/main" xmlns:m="http://schemas.openxmlformats.org/officeDocument/2006/math" xmlns:a14="http://schemas.microsoft.com/office/drawing/2010/main" type="tx" showMasterSp="1" showMasterPhAnim="1">
+<p:sldLayout xmlns:a="http://schemas.openxmlformats.org/drawingml/2006/main" xmlns:r="http://schemas.openxmlformats.org/officeDocument/2006/relationships" xmlns:p="http://schemas.openxmlformats.org/presentationml/2006/main" type="tx">
   <p:cSld name="BLANK">
     <p:spTree>
       <p:nvGrpSpPr>
@@ -1699,7 +1763,9 @@
       <p:sp>
         <p:nvSpPr>
           <p:cNvPr id="68" name="Slide Number"/>
-          <p:cNvSpPr txBox="1"/>
+          <p:cNvSpPr txBox="1">
+            <a:spLocks noGrp="1"/>
+          </p:cNvSpPr>
           <p:nvPr>
             <p:ph type="sldNum" sz="quarter" idx="2"/>
           </p:nvPr>
@@ -1713,8 +1779,10 @@
           <a:bodyPr/>
           <a:lstStyle/>
           <a:p>
-            <a:pPr/>
-            <a:fld id="{86CB4B4D-7CA3-9044-876B-883B54F8677D}" type="slidenum"/>
+            <a:fld id="{86CB4B4D-7CA3-9044-876B-883B54F8677D}" type="slidenum">
+              <a:t>‹nº›</a:t>
+            </a:fld>
+            <a:endParaRPr/>
           </a:p>
         </p:txBody>
       </p:sp>
@@ -1723,12 +1791,12 @@
   <p:clrMapOvr>
     <a:masterClrMapping/>
   </p:clrMapOvr>
-  <p:transition xmlns:p14="http://schemas.microsoft.com/office/powerpoint/2010/main" spd="med" advClick="1"/>
+  <p:transition spd="med"/>
 </p:sldLayout>
 </file>
 
 <file path=ppt/slideLayouts/slideLayout8.xml><?xml version="1.0" encoding="utf-8"?>
-<p:sldLayout xmlns:a="http://schemas.openxmlformats.org/drawingml/2006/main" xmlns:r="http://schemas.openxmlformats.org/officeDocument/2006/relationships" xmlns:p="http://schemas.openxmlformats.org/presentationml/2006/main" xmlns:m="http://schemas.openxmlformats.org/officeDocument/2006/math" xmlns:a14="http://schemas.microsoft.com/office/drawing/2010/main" type="tx" showMasterSp="1" showMasterPhAnim="1">
+<p:sldLayout xmlns:a="http://schemas.openxmlformats.org/drawingml/2006/main" xmlns:r="http://schemas.openxmlformats.org/officeDocument/2006/relationships" xmlns:p="http://schemas.openxmlformats.org/presentationml/2006/main" type="tx">
   <p:cSld name="OBJECT_WITH_CAPTION_TEXT">
     <p:spTree>
       <p:nvGrpSpPr>
@@ -1747,7 +1815,9 @@
       <p:sp>
         <p:nvSpPr>
           <p:cNvPr id="75" name="Title Text"/>
-          <p:cNvSpPr txBox="1"/>
+          <p:cNvSpPr txBox="1">
+            <a:spLocks noGrp="1"/>
+          </p:cNvSpPr>
           <p:nvPr>
             <p:ph type="title"/>
           </p:nvPr>
@@ -1769,7 +1839,6 @@
             </a:lvl1pPr>
           </a:lstStyle>
           <a:p>
-            <a:pPr/>
             <a:r>
               <a:t>Title Text</a:t>
             </a:r>
@@ -1779,7 +1848,9 @@
       <p:sp>
         <p:nvSpPr>
           <p:cNvPr id="76" name="Body Level One…"/>
-          <p:cNvSpPr txBox="1"/>
+          <p:cNvSpPr txBox="1">
+            <a:spLocks noGrp="1"/>
+          </p:cNvSpPr>
           <p:nvPr>
             <p:ph type="body" sz="half" idx="1"/>
           </p:nvPr>
@@ -1818,7 +1889,6 @@
             </a:lvl5pPr>
           </a:lstStyle>
           <a:p>
-            <a:pPr/>
             <a:r>
               <a:t>Body Level One</a:t>
             </a:r>
@@ -1852,7 +1922,9 @@
       <p:sp>
         <p:nvSpPr>
           <p:cNvPr id="77" name="Google Shape;57;p11"/>
-          <p:cNvSpPr txBox="1"/>
+          <p:cNvSpPr txBox="1">
+            <a:spLocks noGrp="1"/>
+          </p:cNvSpPr>
           <p:nvPr>
             <p:ph type="body" sz="quarter" idx="21"/>
           </p:nvPr>
@@ -1877,13 +1949,16 @@
               <a:buNone/>
               <a:defRPr sz="1600"/>
             </a:pPr>
+            <a:endParaRPr/>
           </a:p>
         </p:txBody>
       </p:sp>
       <p:sp>
         <p:nvSpPr>
           <p:cNvPr id="78" name="Slide Number"/>
-          <p:cNvSpPr txBox="1"/>
+          <p:cNvSpPr txBox="1">
+            <a:spLocks noGrp="1"/>
+          </p:cNvSpPr>
           <p:nvPr>
             <p:ph type="sldNum" sz="quarter" idx="2"/>
           </p:nvPr>
@@ -1897,8 +1972,10 @@
           <a:bodyPr/>
           <a:lstStyle/>
           <a:p>
-            <a:pPr/>
-            <a:fld id="{86CB4B4D-7CA3-9044-876B-883B54F8677D}" type="slidenum"/>
+            <a:fld id="{86CB4B4D-7CA3-9044-876B-883B54F8677D}" type="slidenum">
+              <a:t>‹nº›</a:t>
+            </a:fld>
+            <a:endParaRPr/>
           </a:p>
         </p:txBody>
       </p:sp>
@@ -1907,12 +1984,12 @@
   <p:clrMapOvr>
     <a:masterClrMapping/>
   </p:clrMapOvr>
-  <p:transition xmlns:p14="http://schemas.microsoft.com/office/powerpoint/2010/main" spd="med" advClick="1"/>
+  <p:transition spd="med"/>
 </p:sldLayout>
 </file>
 
 <file path=ppt/slideLayouts/slideLayout9.xml><?xml version="1.0" encoding="utf-8"?>
-<p:sldLayout xmlns:a="http://schemas.openxmlformats.org/drawingml/2006/main" xmlns:r="http://schemas.openxmlformats.org/officeDocument/2006/relationships" xmlns:p="http://schemas.openxmlformats.org/presentationml/2006/main" xmlns:m="http://schemas.openxmlformats.org/officeDocument/2006/math" xmlns:a14="http://schemas.microsoft.com/office/drawing/2010/main" type="tx" showMasterSp="1" showMasterPhAnim="1">
+<p:sldLayout xmlns:a="http://schemas.openxmlformats.org/drawingml/2006/main" xmlns:r="http://schemas.openxmlformats.org/officeDocument/2006/relationships" xmlns:p="http://schemas.openxmlformats.org/presentationml/2006/main" type="tx">
   <p:cSld name="PICTURE_WITH_CAPTION_TEXT">
     <p:spTree>
       <p:nvGrpSpPr>
@@ -1931,7 +2008,9 @@
       <p:sp>
         <p:nvSpPr>
           <p:cNvPr id="85" name="Title Text"/>
-          <p:cNvSpPr txBox="1"/>
+          <p:cNvSpPr txBox="1">
+            <a:spLocks noGrp="1"/>
+          </p:cNvSpPr>
           <p:nvPr>
             <p:ph type="title"/>
           </p:nvPr>
@@ -1953,7 +2032,6 @@
             </a:lvl1pPr>
           </a:lstStyle>
           <a:p>
-            <a:pPr/>
             <a:r>
               <a:t>Title Text</a:t>
             </a:r>
@@ -1963,7 +2041,9 @@
       <p:sp>
         <p:nvSpPr>
           <p:cNvPr id="86" name="Google Shape;63;p12"/>
-          <p:cNvSpPr/>
+          <p:cNvSpPr>
+            <a:spLocks noGrp="1"/>
+          </p:cNvSpPr>
           <p:nvPr>
             <p:ph type="pic" sz="half" idx="21"/>
           </p:nvPr>
@@ -1983,14 +2063,16 @@
           </a:bodyPr>
           <a:lstStyle/>
           <a:p>
-            <a:pPr/>
+            <a:endParaRPr/>
           </a:p>
         </p:txBody>
       </p:sp>
       <p:sp>
         <p:nvSpPr>
           <p:cNvPr id="87" name="Body Level One…"/>
-          <p:cNvSpPr txBox="1"/>
+          <p:cNvSpPr txBox="1">
+            <a:spLocks noGrp="1"/>
+          </p:cNvSpPr>
           <p:nvPr>
             <p:ph type="body" sz="quarter" idx="1"/>
           </p:nvPr>
@@ -2044,7 +2126,6 @@
             </a:lvl5pPr>
           </a:lstStyle>
           <a:p>
-            <a:pPr/>
             <a:r>
               <a:t>Body Level One</a:t>
             </a:r>
@@ -2078,7 +2159,9 @@
       <p:sp>
         <p:nvSpPr>
           <p:cNvPr id="88" name="Slide Number"/>
-          <p:cNvSpPr txBox="1"/>
+          <p:cNvSpPr txBox="1">
+            <a:spLocks noGrp="1"/>
+          </p:cNvSpPr>
           <p:nvPr>
             <p:ph type="sldNum" sz="quarter" idx="2"/>
           </p:nvPr>
@@ -2092,8 +2175,10 @@
           <a:bodyPr/>
           <a:lstStyle/>
           <a:p>
-            <a:pPr/>
-            <a:fld id="{86CB4B4D-7CA3-9044-876B-883B54F8677D}" type="slidenum"/>
+            <a:fld id="{86CB4B4D-7CA3-9044-876B-883B54F8677D}" type="slidenum">
+              <a:t>‹nº›</a:t>
+            </a:fld>
+            <a:endParaRPr/>
           </a:p>
         </p:txBody>
       </p:sp>
@@ -2102,18 +2187,19 @@
   <p:clrMapOvr>
     <a:masterClrMapping/>
   </p:clrMapOvr>
-  <p:transition xmlns:p14="http://schemas.microsoft.com/office/powerpoint/2010/main" spd="med" advClick="1"/>
+  <p:transition spd="med"/>
 </p:sldLayout>
 </file>
 
 <file path=ppt/slideMasters/slideMaster1.xml><?xml version="1.0" encoding="utf-8"?>
-<p:sldMaster xmlns:a="http://schemas.openxmlformats.org/drawingml/2006/main" xmlns:r="http://schemas.openxmlformats.org/officeDocument/2006/relationships" xmlns:p="http://schemas.openxmlformats.org/presentationml/2006/main" xmlns:m="http://schemas.openxmlformats.org/officeDocument/2006/math" xmlns:a14="http://schemas.microsoft.com/office/drawing/2010/main">
+<p:sldMaster xmlns:a="http://schemas.openxmlformats.org/drawingml/2006/main" xmlns:r="http://schemas.openxmlformats.org/officeDocument/2006/relationships" xmlns:p="http://schemas.openxmlformats.org/presentationml/2006/main">
   <p:cSld>
     <p:bg>
       <p:bgPr>
         <a:solidFill>
           <a:srgbClr val="FFFFFF"/>
         </a:solidFill>
+        <a:effectLst/>
       </p:bgPr>
     </p:bg>
     <p:spTree>
@@ -2133,7 +2219,9 @@
       <p:sp>
         <p:nvSpPr>
           <p:cNvPr id="2" name="Title Text"/>
-          <p:cNvSpPr txBox="1"/>
+          <p:cNvSpPr txBox="1">
+            <a:spLocks noGrp="1"/>
+          </p:cNvSpPr>
           <p:nvPr>
             <p:ph type="title"/>
           </p:nvPr>
@@ -2151,17 +2239,16 @@
           </a:ln>
           <a:extLst>
             <a:ext uri="{C572A759-6A51-4108-AA02-DFA0A04FC94B}">
-              <ma14:wrappingTextBoxFlag xmlns:ma14="http://schemas.microsoft.com/office/mac/drawingml/2011/main" val="1"/>
+              <ma14:wrappingTextBoxFlag xmlns="" xmlns:m="http://schemas.openxmlformats.org/officeDocument/2006/math" xmlns:a14="http://schemas.microsoft.com/office/drawing/2010/main" xmlns:ma14="http://schemas.microsoft.com/office/mac/drawingml/2011/main" val="1"/>
             </a:ext>
           </a:extLst>
         </p:spPr>
         <p:txBody>
           <a:bodyPr lIns="45699" tIns="45699" rIns="45699" bIns="45699" anchor="ctr">
-            <a:normAutofit fontScale="100000" lnSpcReduction="0"/>
+            <a:normAutofit/>
           </a:bodyPr>
           <a:lstStyle/>
           <a:p>
-            <a:pPr/>
             <a:r>
               <a:t>Title Text</a:t>
             </a:r>
@@ -2171,7 +2258,9 @@
       <p:sp>
         <p:nvSpPr>
           <p:cNvPr id="3" name="Body Level One…"/>
-          <p:cNvSpPr txBox="1"/>
+          <p:cNvSpPr txBox="1">
+            <a:spLocks noGrp="1"/>
+          </p:cNvSpPr>
           <p:nvPr>
             <p:ph type="body" idx="1"/>
           </p:nvPr>
@@ -2189,17 +2278,16 @@
           </a:ln>
           <a:extLst>
             <a:ext uri="{C572A759-6A51-4108-AA02-DFA0A04FC94B}">
-              <ma14:wrappingTextBoxFlag xmlns:ma14="http://schemas.microsoft.com/office/mac/drawingml/2011/main" val="1"/>
+              <ma14:wrappingTextBoxFlag xmlns="" xmlns:m="http://schemas.openxmlformats.org/officeDocument/2006/math" xmlns:a14="http://schemas.microsoft.com/office/drawing/2010/main" xmlns:ma14="http://schemas.microsoft.com/office/mac/drawingml/2011/main" val="1"/>
             </a:ext>
           </a:extLst>
         </p:spPr>
         <p:txBody>
           <a:bodyPr lIns="45699" tIns="45699" rIns="45699" bIns="45699">
-            <a:normAutofit fontScale="100000" lnSpcReduction="0"/>
+            <a:normAutofit/>
           </a:bodyPr>
           <a:lstStyle/>
           <a:p>
-            <a:pPr/>
             <a:r>
               <a:t>Body Level One</a:t>
             </a:r>
@@ -2233,7 +2321,9 @@
       <p:sp>
         <p:nvSpPr>
           <p:cNvPr id="4" name="Slide Number"/>
-          <p:cNvSpPr txBox="1"/>
+          <p:cNvSpPr txBox="1">
+            <a:spLocks noGrp="1"/>
+          </p:cNvSpPr>
           <p:nvPr>
             <p:ph type="sldNum" sz="quarter" idx="2"/>
           </p:nvPr>
@@ -2268,8 +2358,10 @@
             </a:lvl1pPr>
           </a:lstStyle>
           <a:p>
-            <a:pPr/>
-            <a:fld id="{86CB4B4D-7CA3-9044-876B-883B54F8677D}" type="slidenum"/>
+            <a:fld id="{86CB4B4D-7CA3-9044-876B-883B54F8677D}" type="slidenum">
+              <a:t>‹nº›</a:t>
+            </a:fld>
+            <a:endParaRPr/>
           </a:p>
         </p:txBody>
       </p:sp>
@@ -2277,19 +2369,19 @@
   </p:cSld>
   <p:clrMap bg1="lt1" tx1="dk1" bg2="lt2" tx2="dk2" accent1="accent1" accent2="accent2" accent3="accent3" accent4="accent4" accent5="accent5" accent6="accent6" hlink="hlink" folHlink="folHlink"/>
   <p:sldLayoutIdLst>
-    <p:sldLayoutId id="2147483649" r:id="rId2"/>
-    <p:sldLayoutId id="2147483650" r:id="rId3"/>
-    <p:sldLayoutId id="2147483651" r:id="rId4"/>
-    <p:sldLayoutId id="2147483652" r:id="rId5"/>
-    <p:sldLayoutId id="2147483653" r:id="rId6"/>
-    <p:sldLayoutId id="2147483654" r:id="rId7"/>
-    <p:sldLayoutId id="2147483655" r:id="rId8"/>
-    <p:sldLayoutId id="2147483656" r:id="rId9"/>
-    <p:sldLayoutId id="2147483657" r:id="rId10"/>
-    <p:sldLayoutId id="2147483658" r:id="rId11"/>
-    <p:sldLayoutId id="2147483659" r:id="rId12"/>
+    <p:sldLayoutId id="2147483649" r:id="rId1"/>
+    <p:sldLayoutId id="2147483650" r:id="rId2"/>
+    <p:sldLayoutId id="2147483651" r:id="rId3"/>
+    <p:sldLayoutId id="2147483652" r:id="rId4"/>
+    <p:sldLayoutId id="2147483653" r:id="rId5"/>
+    <p:sldLayoutId id="2147483654" r:id="rId6"/>
+    <p:sldLayoutId id="2147483655" r:id="rId7"/>
+    <p:sldLayoutId id="2147483656" r:id="rId8"/>
+    <p:sldLayoutId id="2147483657" r:id="rId9"/>
+    <p:sldLayoutId id="2147483658" r:id="rId10"/>
+    <p:sldLayoutId id="2147483659" r:id="rId11"/>
   </p:sldLayoutIdLst>
-  <p:transition xmlns:p14="http://schemas.microsoft.com/office/powerpoint/2010/main" spd="med" advClick="1"/>
+  <p:transition spd="med"/>
   <p:txStyles>
     <p:titleStyle>
       <a:lvl1pPr marL="0" marR="0" indent="0" algn="l" defTabSz="914400" rtl="0" latinLnBrk="0">
@@ -2307,7 +2399,7 @@
         <a:buFontTx/>
         <a:buNone/>
         <a:tabLst/>
-        <a:defRPr b="0" baseline="0" cap="none" i="0" spc="0" strike="noStrike" sz="4400" u="none">
+        <a:defRPr sz="4400" b="0" i="0" u="none" strike="noStrike" cap="none" spc="0" baseline="0">
           <a:solidFill>
             <a:srgbClr val="000000"/>
           </a:solidFill>
@@ -2333,7 +2425,7 @@
         <a:buFontTx/>
         <a:buNone/>
         <a:tabLst/>
-        <a:defRPr b="0" baseline="0" cap="none" i="0" spc="0" strike="noStrike" sz="4400" u="none">
+        <a:defRPr sz="4400" b="0" i="0" u="none" strike="noStrike" cap="none" spc="0" baseline="0">
           <a:solidFill>
             <a:srgbClr val="000000"/>
           </a:solidFill>
@@ -2359,7 +2451,7 @@
         <a:buFontTx/>
         <a:buNone/>
         <a:tabLst/>
-        <a:defRPr b="0" baseline="0" cap="none" i="0" spc="0" strike="noStrike" sz="4400" u="none">
+        <a:defRPr sz="4400" b="0" i="0" u="none" strike="noStrike" cap="none" spc="0" baseline="0">
           <a:solidFill>
             <a:srgbClr val="000000"/>
           </a:solidFill>
@@ -2385,7 +2477,7 @@
         <a:buFontTx/>
         <a:buNone/>
         <a:tabLst/>
-        <a:defRPr b="0" baseline="0" cap="none" i="0" spc="0" strike="noStrike" sz="4400" u="none">
+        <a:defRPr sz="4400" b="0" i="0" u="none" strike="noStrike" cap="none" spc="0" baseline="0">
           <a:solidFill>
             <a:srgbClr val="000000"/>
           </a:solidFill>
@@ -2411,7 +2503,7 @@
         <a:buFontTx/>
         <a:buNone/>
         <a:tabLst/>
-        <a:defRPr b="0" baseline="0" cap="none" i="0" spc="0" strike="noStrike" sz="4400" u="none">
+        <a:defRPr sz="4400" b="0" i="0" u="none" strike="noStrike" cap="none" spc="0" baseline="0">
           <a:solidFill>
             <a:srgbClr val="000000"/>
           </a:solidFill>
@@ -2437,7 +2529,7 @@
         <a:buFontTx/>
         <a:buNone/>
         <a:tabLst/>
-        <a:defRPr b="0" baseline="0" cap="none" i="0" spc="0" strike="noStrike" sz="4400" u="none">
+        <a:defRPr sz="4400" b="0" i="0" u="none" strike="noStrike" cap="none" spc="0" baseline="0">
           <a:solidFill>
             <a:srgbClr val="000000"/>
           </a:solidFill>
@@ -2463,7 +2555,7 @@
         <a:buFontTx/>
         <a:buNone/>
         <a:tabLst/>
-        <a:defRPr b="0" baseline="0" cap="none" i="0" spc="0" strike="noStrike" sz="4400" u="none">
+        <a:defRPr sz="4400" b="0" i="0" u="none" strike="noStrike" cap="none" spc="0" baseline="0">
           <a:solidFill>
             <a:srgbClr val="000000"/>
           </a:solidFill>
@@ -2489,7 +2581,7 @@
         <a:buFontTx/>
         <a:buNone/>
         <a:tabLst/>
-        <a:defRPr b="0" baseline="0" cap="none" i="0" spc="0" strike="noStrike" sz="4400" u="none">
+        <a:defRPr sz="4400" b="0" i="0" u="none" strike="noStrike" cap="none" spc="0" baseline="0">
           <a:solidFill>
             <a:srgbClr val="000000"/>
           </a:solidFill>
@@ -2515,7 +2607,7 @@
         <a:buFontTx/>
         <a:buNone/>
         <a:tabLst/>
-        <a:defRPr b="0" baseline="0" cap="none" i="0" spc="0" strike="noStrike" sz="4400" u="none">
+        <a:defRPr sz="4400" b="0" i="0" u="none" strike="noStrike" cap="none" spc="0" baseline="0">
           <a:solidFill>
             <a:srgbClr val="000000"/>
           </a:solidFill>
@@ -2545,7 +2637,7 @@
         <a:buFont typeface="Arial"/>
         <a:buChar char="•"/>
         <a:tabLst/>
-        <a:defRPr b="0" baseline="0" cap="none" i="0" spc="0" strike="noStrike" sz="2800" u="none">
+        <a:defRPr sz="2800" b="0" i="0" u="none" strike="noStrike" cap="none" spc="0" baseline="0">
           <a:solidFill>
             <a:srgbClr val="000000"/>
           </a:solidFill>
@@ -2573,7 +2665,7 @@
         <a:buFont typeface="Arial"/>
         <a:buChar char="•"/>
         <a:tabLst/>
-        <a:defRPr b="0" baseline="0" cap="none" i="0" spc="0" strike="noStrike" sz="2800" u="none">
+        <a:defRPr sz="2800" b="0" i="0" u="none" strike="noStrike" cap="none" spc="0" baseline="0">
           <a:solidFill>
             <a:srgbClr val="000000"/>
           </a:solidFill>
@@ -2601,7 +2693,7 @@
         <a:buFont typeface="Arial"/>
         <a:buChar char="•"/>
         <a:tabLst/>
-        <a:defRPr b="0" baseline="0" cap="none" i="0" spc="0" strike="noStrike" sz="2800" u="none">
+        <a:defRPr sz="2800" b="0" i="0" u="none" strike="noStrike" cap="none" spc="0" baseline="0">
           <a:solidFill>
             <a:srgbClr val="000000"/>
           </a:solidFill>
@@ -2629,7 +2721,7 @@
         <a:buFont typeface="Arial"/>
         <a:buChar char="•"/>
         <a:tabLst/>
-        <a:defRPr b="0" baseline="0" cap="none" i="0" spc="0" strike="noStrike" sz="2800" u="none">
+        <a:defRPr sz="2800" b="0" i="0" u="none" strike="noStrike" cap="none" spc="0" baseline="0">
           <a:solidFill>
             <a:srgbClr val="000000"/>
           </a:solidFill>
@@ -2657,7 +2749,7 @@
         <a:buFont typeface="Arial"/>
         <a:buChar char="•"/>
         <a:tabLst/>
-        <a:defRPr b="0" baseline="0" cap="none" i="0" spc="0" strike="noStrike" sz="2800" u="none">
+        <a:defRPr sz="2800" b="0" i="0" u="none" strike="noStrike" cap="none" spc="0" baseline="0">
           <a:solidFill>
             <a:srgbClr val="000000"/>
           </a:solidFill>
@@ -2685,7 +2777,7 @@
         <a:buFont typeface="Arial"/>
         <a:buChar char="•"/>
         <a:tabLst/>
-        <a:defRPr b="0" baseline="0" cap="none" i="0" spc="0" strike="noStrike" sz="2800" u="none">
+        <a:defRPr sz="2800" b="0" i="0" u="none" strike="noStrike" cap="none" spc="0" baseline="0">
           <a:solidFill>
             <a:srgbClr val="000000"/>
           </a:solidFill>
@@ -2713,7 +2805,7 @@
         <a:buFont typeface="Arial"/>
         <a:buChar char="•"/>
         <a:tabLst/>
-        <a:defRPr b="0" baseline="0" cap="none" i="0" spc="0" strike="noStrike" sz="2800" u="none">
+        <a:defRPr sz="2800" b="0" i="0" u="none" strike="noStrike" cap="none" spc="0" baseline="0">
           <a:solidFill>
             <a:srgbClr val="000000"/>
           </a:solidFill>
@@ -2741,7 +2833,7 @@
         <a:buFont typeface="Arial"/>
         <a:buChar char="•"/>
         <a:tabLst/>
-        <a:defRPr b="0" baseline="0" cap="none" i="0" spc="0" strike="noStrike" sz="2800" u="none">
+        <a:defRPr sz="2800" b="0" i="0" u="none" strike="noStrike" cap="none" spc="0" baseline="0">
           <a:solidFill>
             <a:srgbClr val="000000"/>
           </a:solidFill>
@@ -2769,7 +2861,7 @@
         <a:buFont typeface="Arial"/>
         <a:buChar char="•"/>
         <a:tabLst/>
-        <a:defRPr b="0" baseline="0" cap="none" i="0" spc="0" strike="noStrike" sz="2800" u="none">
+        <a:defRPr sz="2800" b="0" i="0" u="none" strike="noStrike" cap="none" spc="0" baseline="0">
           <a:solidFill>
             <a:srgbClr val="000000"/>
           </a:solidFill>
@@ -2797,7 +2889,7 @@
         <a:buFontTx/>
         <a:buNone/>
         <a:tabLst/>
-        <a:defRPr b="0" baseline="0" cap="none" i="0" spc="0" strike="noStrike" sz="1200" u="none">
+        <a:defRPr sz="1200" b="0" i="0" u="none" strike="noStrike" cap="none" spc="0" baseline="0">
           <a:solidFill>
             <a:schemeClr val="tx1"/>
           </a:solidFill>
@@ -2823,7 +2915,7 @@
         <a:buFontTx/>
         <a:buNone/>
         <a:tabLst/>
-        <a:defRPr b="0" baseline="0" cap="none" i="0" spc="0" strike="noStrike" sz="1200" u="none">
+        <a:defRPr sz="1200" b="0" i="0" u="none" strike="noStrike" cap="none" spc="0" baseline="0">
           <a:solidFill>
             <a:schemeClr val="tx1"/>
           </a:solidFill>
@@ -2849,7 +2941,7 @@
         <a:buFontTx/>
         <a:buNone/>
         <a:tabLst/>
-        <a:defRPr b="0" baseline="0" cap="none" i="0" spc="0" strike="noStrike" sz="1200" u="none">
+        <a:defRPr sz="1200" b="0" i="0" u="none" strike="noStrike" cap="none" spc="0" baseline="0">
           <a:solidFill>
             <a:schemeClr val="tx1"/>
           </a:solidFill>
@@ -2875,7 +2967,7 @@
         <a:buFontTx/>
         <a:buNone/>
         <a:tabLst/>
-        <a:defRPr b="0" baseline="0" cap="none" i="0" spc="0" strike="noStrike" sz="1200" u="none">
+        <a:defRPr sz="1200" b="0" i="0" u="none" strike="noStrike" cap="none" spc="0" baseline="0">
           <a:solidFill>
             <a:schemeClr val="tx1"/>
           </a:solidFill>
@@ -2901,7 +2993,7 @@
         <a:buFontTx/>
         <a:buNone/>
         <a:tabLst/>
-        <a:defRPr b="0" baseline="0" cap="none" i="0" spc="0" strike="noStrike" sz="1200" u="none">
+        <a:defRPr sz="1200" b="0" i="0" u="none" strike="noStrike" cap="none" spc="0" baseline="0">
           <a:solidFill>
             <a:schemeClr val="tx1"/>
           </a:solidFill>
@@ -2927,7 +3019,7 @@
         <a:buFontTx/>
         <a:buNone/>
         <a:tabLst/>
-        <a:defRPr b="0" baseline="0" cap="none" i="0" spc="0" strike="noStrike" sz="1200" u="none">
+        <a:defRPr sz="1200" b="0" i="0" u="none" strike="noStrike" cap="none" spc="0" baseline="0">
           <a:solidFill>
             <a:schemeClr val="tx1"/>
           </a:solidFill>
@@ -2953,7 +3045,7 @@
         <a:buFontTx/>
         <a:buNone/>
         <a:tabLst/>
-        <a:defRPr b="0" baseline="0" cap="none" i="0" spc="0" strike="noStrike" sz="1200" u="none">
+        <a:defRPr sz="1200" b="0" i="0" u="none" strike="noStrike" cap="none" spc="0" baseline="0">
           <a:solidFill>
             <a:schemeClr val="tx1"/>
           </a:solidFill>
@@ -2979,7 +3071,7 @@
         <a:buFontTx/>
         <a:buNone/>
         <a:tabLst/>
-        <a:defRPr b="0" baseline="0" cap="none" i="0" spc="0" strike="noStrike" sz="1200" u="none">
+        <a:defRPr sz="1200" b="0" i="0" u="none" strike="noStrike" cap="none" spc="0" baseline="0">
           <a:solidFill>
             <a:schemeClr val="tx1"/>
           </a:solidFill>
@@ -3005,7 +3097,7 @@
         <a:buFontTx/>
         <a:buNone/>
         <a:tabLst/>
-        <a:defRPr b="0" baseline="0" cap="none" i="0" spc="0" strike="noStrike" sz="1200" u="none">
+        <a:defRPr sz="1200" b="0" i="0" u="none" strike="noStrike" cap="none" spc="0" baseline="0">
           <a:solidFill>
             <a:schemeClr val="tx1"/>
           </a:solidFill>
@@ -3022,17 +3114,18 @@
 </file>
 
 <file path=ppt/slides/slide1.xml><?xml version="1.0" encoding="utf-8"?>
-<p:sld xmlns:a="http://schemas.openxmlformats.org/drawingml/2006/main" xmlns:r="http://schemas.openxmlformats.org/officeDocument/2006/relationships" xmlns:p="http://schemas.openxmlformats.org/presentationml/2006/main" xmlns:m="http://schemas.openxmlformats.org/officeDocument/2006/math" xmlns:a14="http://schemas.microsoft.com/office/drawing/2010/main" showMasterSp="1" showMasterPhAnim="1">
+<p:sld xmlns:a="http://schemas.openxmlformats.org/drawingml/2006/main" xmlns:r="http://schemas.openxmlformats.org/officeDocument/2006/relationships" xmlns:p="http://schemas.openxmlformats.org/presentationml/2006/main">
   <p:cSld>
     <p:bg>
       <p:bgPr>
         <a:blipFill rotWithShape="1">
           <a:blip r:embed="rId2"/>
-          <a:srcRect l="0" t="0" r="0" b="0"/>
+          <a:srcRect/>
           <a:stretch>
             <a:fillRect/>
           </a:stretch>
         </a:blipFill>
+        <a:effectLst/>
       </p:bgPr>
     </p:bg>
     <p:spTree>
@@ -3087,6 +3180,7 @@
                 <a:sym typeface="Calibri"/>
               </a:defRPr>
             </a:pPr>
+            <a:endParaRPr/>
           </a:p>
         </p:txBody>
       </p:sp>
@@ -3128,6 +3222,7 @@
                 <a:sym typeface="Calibri"/>
               </a:defRPr>
             </a:pPr>
+            <a:endParaRPr/>
           </a:p>
         </p:txBody>
       </p:sp>
@@ -3169,6 +3264,7 @@
                 <a:sym typeface="Calibri"/>
               </a:defRPr>
             </a:pPr>
+            <a:endParaRPr/>
           </a:p>
         </p:txBody>
       </p:sp>
@@ -3210,6 +3306,7 @@
                 <a:sym typeface="Calibri"/>
               </a:defRPr>
             </a:pPr>
+            <a:endParaRPr/>
           </a:p>
         </p:txBody>
       </p:sp>
@@ -3232,7 +3329,7 @@
           </a:ln>
           <a:extLst>
             <a:ext uri="{C572A759-6A51-4108-AA02-DFA0A04FC94B}">
-              <ma14:wrappingTextBoxFlag xmlns:ma14="http://schemas.microsoft.com/office/mac/drawingml/2011/main" val="1"/>
+              <ma14:wrappingTextBoxFlag xmlns="" xmlns:m="http://schemas.openxmlformats.org/officeDocument/2006/math" xmlns:a14="http://schemas.microsoft.com/office/drawing/2010/main" xmlns:ma14="http://schemas.microsoft.com/office/mac/drawingml/2011/main" val="1"/>
             </a:ext>
           </a:extLst>
         </p:spPr>
@@ -3251,7 +3348,6 @@
             </a:lvl1pPr>
           </a:lstStyle>
           <a:p>
-            <a:pPr/>
             <a:r>
               <a:t>Engenharia de Software</a:t>
             </a:r>
@@ -3277,7 +3373,7 @@
           </a:ln>
           <a:extLst>
             <a:ext uri="{C572A759-6A51-4108-AA02-DFA0A04FC94B}">
-              <ma14:wrappingTextBoxFlag xmlns:ma14="http://schemas.microsoft.com/office/mac/drawingml/2011/main" val="1"/>
+              <ma14:wrappingTextBoxFlag xmlns="" xmlns:m="http://schemas.openxmlformats.org/officeDocument/2006/math" xmlns:a14="http://schemas.microsoft.com/office/drawing/2010/main" xmlns:ma14="http://schemas.microsoft.com/office/mac/drawingml/2011/main" val="1"/>
             </a:ext>
           </a:extLst>
         </p:spPr>
@@ -3296,7 +3392,6 @@
             </a:lvl1pPr>
           </a:lstStyle>
           <a:p>
-            <a:pPr/>
             <a:r>
               <a:t>PIBIC/CNPq</a:t>
             </a:r>
@@ -3322,7 +3417,7 @@
           </a:ln>
           <a:extLst>
             <a:ext uri="{C572A759-6A51-4108-AA02-DFA0A04FC94B}">
-              <ma14:wrappingTextBoxFlag xmlns:ma14="http://schemas.microsoft.com/office/mac/drawingml/2011/main" val="1"/>
+              <ma14:wrappingTextBoxFlag xmlns="" xmlns:m="http://schemas.openxmlformats.org/officeDocument/2006/math" xmlns:a14="http://schemas.microsoft.com/office/drawing/2010/main" xmlns:ma14="http://schemas.microsoft.com/office/mac/drawingml/2011/main" val="1"/>
             </a:ext>
           </a:extLst>
         </p:spPr>
@@ -3341,7 +3436,6 @@
             </a:lvl1pPr>
           </a:lstStyle>
           <a:p>
-            <a:pPr/>
             <a:r>
               <a:t>Orandi Mina Falsarella</a:t>
             </a:r>
@@ -3367,7 +3461,7 @@
           </a:ln>
           <a:extLst>
             <a:ext uri="{C572A759-6A51-4108-AA02-DFA0A04FC94B}">
-              <ma14:wrappingTextBoxFlag xmlns:ma14="http://schemas.microsoft.com/office/mac/drawingml/2011/main" val="1"/>
+              <ma14:wrappingTextBoxFlag xmlns="" xmlns:m="http://schemas.openxmlformats.org/officeDocument/2006/math" xmlns:a14="http://schemas.microsoft.com/office/drawing/2010/main" xmlns:ma14="http://schemas.microsoft.com/office/mac/drawingml/2011/main" val="1"/>
             </a:ext>
           </a:extLst>
         </p:spPr>
@@ -3386,7 +3480,6 @@
             </a:lvl1pPr>
           </a:lstStyle>
           <a:p>
-            <a:pPr/>
             <a:r>
               <a:t>21006674</a:t>
             </a:r>
@@ -3431,6 +3524,7 @@
                 <a:sym typeface="Calibri"/>
               </a:defRPr>
             </a:pPr>
+            <a:endParaRPr/>
           </a:p>
         </p:txBody>
       </p:sp>
@@ -3453,7 +3547,7 @@
           </a:ln>
           <a:extLst>
             <a:ext uri="{C572A759-6A51-4108-AA02-DFA0A04FC94B}">
-              <ma14:wrappingTextBoxFlag xmlns:ma14="http://schemas.microsoft.com/office/mac/drawingml/2011/main" val="1"/>
+              <ma14:wrappingTextBoxFlag xmlns="" xmlns:m="http://schemas.openxmlformats.org/officeDocument/2006/math" xmlns:a14="http://schemas.microsoft.com/office/drawing/2010/main" xmlns:ma14="http://schemas.microsoft.com/office/mac/drawingml/2011/main" val="1"/>
             </a:ext>
           </a:extLst>
         </p:spPr>
@@ -3472,7 +3566,6 @@
             </a:lvl1pPr>
           </a:lstStyle>
           <a:p>
-            <a:pPr/>
             <a:r>
               <a:t>Emílio José Biasi</a:t>
             </a:r>
@@ -3498,7 +3591,7 @@
           </a:ln>
           <a:extLst>
             <a:ext uri="{C572A759-6A51-4108-AA02-DFA0A04FC94B}">
-              <ma14:wrappingTextBoxFlag xmlns:ma14="http://schemas.microsoft.com/office/mac/drawingml/2011/main" val="1"/>
+              <ma14:wrappingTextBoxFlag xmlns="" xmlns:m="http://schemas.openxmlformats.org/officeDocument/2006/math" xmlns:a14="http://schemas.microsoft.com/office/drawing/2010/main" xmlns:ma14="http://schemas.microsoft.com/office/mac/drawingml/2011/main" val="1"/>
             </a:ext>
           </a:extLst>
         </p:spPr>
@@ -3512,7 +3605,7 @@
               <a:lnSpc>
                 <a:spcPct val="157142"/>
               </a:lnSpc>
-              <a:defRPr b="1" sz="1300">
+              <a:defRPr sz="1300" b="1">
                 <a:latin typeface="Calibri"/>
                 <a:ea typeface="Calibri"/>
                 <a:cs typeface="Calibri"/>
@@ -3528,7 +3621,7 @@
               <a:lnSpc>
                 <a:spcPct val="157142"/>
               </a:lnSpc>
-              <a:defRPr b="1" sz="1300">
+              <a:defRPr sz="1300" b="1">
                 <a:latin typeface="Calibri"/>
                 <a:ea typeface="Calibri"/>
                 <a:cs typeface="Calibri"/>
@@ -3544,7 +3637,7 @@
               <a:lnSpc>
                 <a:spcPct val="157142"/>
               </a:lnSpc>
-              <a:defRPr b="1" sz="1300">
+              <a:defRPr sz="1300" b="1">
                 <a:latin typeface="Calibri"/>
                 <a:ea typeface="Calibri"/>
                 <a:cs typeface="Calibri"/>
@@ -3560,7 +3653,7 @@
               <a:lnSpc>
                 <a:spcPct val="157142"/>
               </a:lnSpc>
-              <a:defRPr b="1" sz="1300">
+              <a:defRPr sz="1300" b="1">
                 <a:latin typeface="Calibri"/>
                 <a:ea typeface="Calibri"/>
                 <a:cs typeface="Calibri"/>
@@ -3592,7 +3685,7 @@
           </a:ln>
           <a:extLst>
             <a:ext uri="{C572A759-6A51-4108-AA02-DFA0A04FC94B}">
-              <ma14:wrappingTextBoxFlag xmlns:ma14="http://schemas.microsoft.com/office/mac/drawingml/2011/main" val="1"/>
+              <ma14:wrappingTextBoxFlag xmlns="" xmlns:m="http://schemas.openxmlformats.org/officeDocument/2006/math" xmlns:a14="http://schemas.microsoft.com/office/drawing/2010/main" xmlns:ma14="http://schemas.microsoft.com/office/mac/drawingml/2011/main" val="1"/>
             </a:ext>
           </a:extLst>
         </p:spPr>
@@ -3614,7 +3707,6 @@
             </a:lvl1pPr>
           </a:lstStyle>
           <a:p>
-            <a:pPr/>
             <a:r>
               <a:t>RA:</a:t>
             </a:r>
@@ -3626,287 +3718,23 @@
   <p:clrMapOvr>
     <a:masterClrMapping/>
   </p:clrMapOvr>
-  <p:transition xmlns:p14="http://schemas.microsoft.com/office/powerpoint/2010/main" spd="med" advClick="1"/>
+  <p:transition spd="med"/>
 </p:sld>
 </file>
 
 <file path=ppt/slides/slide10.xml><?xml version="1.0" encoding="utf-8"?>
-<p:sld xmlns:a="http://schemas.openxmlformats.org/drawingml/2006/main" xmlns:r="http://schemas.openxmlformats.org/officeDocument/2006/relationships" xmlns:p="http://schemas.openxmlformats.org/presentationml/2006/main" xmlns:m="http://schemas.openxmlformats.org/officeDocument/2006/math" xmlns:a14="http://schemas.microsoft.com/office/drawing/2010/main" showMasterSp="1" showMasterPhAnim="1">
+<p:sld xmlns:a="http://schemas.openxmlformats.org/drawingml/2006/main" xmlns:r="http://schemas.openxmlformats.org/officeDocument/2006/relationships" xmlns:p="http://schemas.openxmlformats.org/presentationml/2006/main">
   <p:cSld>
     <p:bg>
       <p:bgPr>
         <a:blipFill rotWithShape="1">
           <a:blip r:embed="rId2"/>
-          <a:srcRect l="0" t="0" r="0" b="0"/>
+          <a:srcRect/>
           <a:stretch>
             <a:fillRect/>
           </a:stretch>
         </a:blipFill>
-      </p:bgPr>
-    </p:bg>
-    <p:spTree>
-      <p:nvGrpSpPr>
-        <p:cNvPr id="1" name=""/>
-        <p:cNvGrpSpPr/>
-        <p:nvPr/>
-      </p:nvGrpSpPr>
-      <p:grpSpPr>
-        <a:xfrm>
-          <a:off x="0" y="0"/>
-          <a:ext cx="0" cy="0"/>
-          <a:chOff x="0" y="0"/>
-          <a:chExt cx="0" cy="0"/>
-        </a:xfrm>
-      </p:grpSpPr>
-      <p:sp>
-        <p:nvSpPr>
-          <p:cNvPr id="154" name="Google Shape;158;g16475793bdd_0_97"/>
-          <p:cNvSpPr txBox="1"/>
-          <p:nvPr>
-            <p:ph type="title"/>
-          </p:nvPr>
-        </p:nvSpPr>
-        <p:spPr>
-          <a:xfrm>
-            <a:off x="2976476" y="523750"/>
-            <a:ext cx="8780700" cy="1325700"/>
-          </a:xfrm>
-          <a:prstGeom prst="rect">
-            <a:avLst/>
-          </a:prstGeom>
-        </p:spPr>
-        <p:txBody>
-          <a:bodyPr/>
-          <a:lstStyle/>
-          <a:p>
-            <a:pPr/>
-            <a:r>
-              <a:t>Bacias Hidrográficas e Gestão dos Recursos Hídricos</a:t>
-            </a:r>
-          </a:p>
-        </p:txBody>
-      </p:sp>
-      <p:sp>
-        <p:nvSpPr>
-          <p:cNvPr id="155" name="Google Shape;159;g16475793bdd_0_97"/>
-          <p:cNvSpPr txBox="1"/>
-          <p:nvPr>
-            <p:ph type="body" idx="1"/>
-          </p:nvPr>
-        </p:nvSpPr>
-        <p:spPr>
-          <a:xfrm>
-            <a:off x="2976463" y="2136644"/>
-            <a:ext cx="8377202" cy="4351201"/>
-          </a:xfrm>
-          <a:prstGeom prst="rect">
-            <a:avLst/>
-          </a:prstGeom>
-        </p:spPr>
-        <p:txBody>
-          <a:bodyPr/>
-          <a:lstStyle/>
-          <a:p>
-            <a:pPr>
-              <a:lnSpc>
-                <a:spcPct val="200000"/>
-              </a:lnSpc>
-              <a:spcBef>
-                <a:spcPts val="0"/>
-              </a:spcBef>
-              <a:buSzPts val="1800"/>
-              <a:defRPr sz="1800"/>
-            </a:pPr>
-            <a:r>
-              <a:t>Uma bacia hidrográfica é a delimitação territorial ou região em que ocorre a coleta natural da água proveniente da precipitação, direcionando o fluxo para um único ponto de saída</a:t>
-            </a:r>
-          </a:p>
-          <a:p>
-            <a:pPr>
-              <a:lnSpc>
-                <a:spcPct val="200000"/>
-              </a:lnSpc>
-              <a:spcBef>
-                <a:spcPts val="0"/>
-              </a:spcBef>
-              <a:buSzPts val="1800"/>
-              <a:defRPr sz="1800"/>
-            </a:pPr>
-            <a:r>
-              <a:t>D</a:t>
-            </a:r>
-            <a:r>
-              <a:t>entro do território de uma bacia hidrográfica que as atividades humanas são realizadas e, em vista disso, se faz necessária a gestão adequada dos recursos hídricos nela contidos</a:t>
-            </a:r>
-            <a:r>
-              <a:rPr sz="1200">
-                <a:latin typeface="Times Roman"/>
-                <a:ea typeface="Times Roman"/>
-                <a:cs typeface="Times Roman"/>
-                <a:sym typeface="Times Roman"/>
-              </a:rPr>
-              <a:t> </a:t>
-            </a:r>
-          </a:p>
-        </p:txBody>
-      </p:sp>
-    </p:spTree>
-  </p:cSld>
-  <p:clrMapOvr>
-    <a:masterClrMapping/>
-  </p:clrMapOvr>
-  <p:transition xmlns:p14="http://schemas.microsoft.com/office/powerpoint/2010/main" spd="med" advClick="1"/>
-</p:sld>
-</file>
-
-<file path=ppt/slides/slide11.xml><?xml version="1.0" encoding="utf-8"?>
-<p:sld xmlns:a="http://schemas.openxmlformats.org/drawingml/2006/main" xmlns:r="http://schemas.openxmlformats.org/officeDocument/2006/relationships" xmlns:p="http://schemas.openxmlformats.org/presentationml/2006/main" xmlns:m="http://schemas.openxmlformats.org/officeDocument/2006/math" xmlns:a14="http://schemas.microsoft.com/office/drawing/2010/main" showMasterSp="1" showMasterPhAnim="1">
-  <p:cSld>
-    <p:bg>
-      <p:bgPr>
-        <a:blipFill rotWithShape="1">
-          <a:blip r:embed="rId2"/>
-          <a:srcRect l="0" t="0" r="0" b="0"/>
-          <a:stretch>
-            <a:fillRect/>
-          </a:stretch>
-        </a:blipFill>
-      </p:bgPr>
-    </p:bg>
-    <p:spTree>
-      <p:nvGrpSpPr>
-        <p:cNvPr id="1" name=""/>
-        <p:cNvGrpSpPr/>
-        <p:nvPr/>
-      </p:nvGrpSpPr>
-      <p:grpSpPr>
-        <a:xfrm>
-          <a:off x="0" y="0"/>
-          <a:ext cx="0" cy="0"/>
-          <a:chOff x="0" y="0"/>
-          <a:chExt cx="0" cy="0"/>
-        </a:xfrm>
-      </p:grpSpPr>
-      <p:sp>
-        <p:nvSpPr>
-          <p:cNvPr id="157" name="Google Shape;164;g16475793bdd_0_28"/>
-          <p:cNvSpPr txBox="1"/>
-          <p:nvPr>
-            <p:ph type="title"/>
-          </p:nvPr>
-        </p:nvSpPr>
-        <p:spPr>
-          <a:xfrm>
-            <a:off x="2976463" y="523745"/>
-            <a:ext cx="8377202" cy="1325701"/>
-          </a:xfrm>
-          <a:prstGeom prst="rect">
-            <a:avLst/>
-          </a:prstGeom>
-        </p:spPr>
-        <p:txBody>
-          <a:bodyPr/>
-          <a:lstStyle/>
-          <a:p>
-            <a:pPr/>
-            <a:r>
-              <a:t>Metodologia</a:t>
-            </a:r>
-          </a:p>
-        </p:txBody>
-      </p:sp>
-      <p:sp>
-        <p:nvSpPr>
-          <p:cNvPr id="158" name="Google Shape;165;g16475793bdd_0_28"/>
-          <p:cNvSpPr txBox="1"/>
-          <p:nvPr>
-            <p:ph type="body" idx="1"/>
-          </p:nvPr>
-        </p:nvSpPr>
-        <p:spPr>
-          <a:xfrm>
-            <a:off x="2976463" y="2136644"/>
-            <a:ext cx="8377202" cy="4351201"/>
-          </a:xfrm>
-          <a:prstGeom prst="rect">
-            <a:avLst/>
-          </a:prstGeom>
-        </p:spPr>
-        <p:txBody>
-          <a:bodyPr/>
-          <a:lstStyle/>
-          <a:p>
-            <a:pPr>
-              <a:lnSpc>
-                <a:spcPct val="160000"/>
-              </a:lnSpc>
-              <a:spcBef>
-                <a:spcPts val="0"/>
-              </a:spcBef>
-              <a:buSzPct val="108107"/>
-              <a:defRPr sz="1600"/>
-            </a:pPr>
-            <a:r>
-              <a:t>O estudo caracteriza-se como uma pesquisa exploratória devido à novidade do tema [11]. Esse tipo de pesquisa facilita a compreensão e divulgação do assunto [24] e é apropriado para investigar temas pouco explorados [23]</a:t>
-            </a:r>
-            <a:r>
-              <a:rPr sz="1200">
-                <a:latin typeface="Times Roman"/>
-                <a:ea typeface="Times Roman"/>
-                <a:cs typeface="Times Roman"/>
-                <a:sym typeface="Times Roman"/>
-              </a:rPr>
-              <a:t>.</a:t>
-            </a:r>
-            <a:endParaRPr sz="1800"/>
-          </a:p>
-          <a:p>
-            <a:pPr>
-              <a:lnSpc>
-                <a:spcPct val="160000"/>
-              </a:lnSpc>
-              <a:spcBef>
-                <a:spcPts val="0"/>
-              </a:spcBef>
-              <a:buSzPct val="108107"/>
-              <a:defRPr sz="1600"/>
-            </a:pPr>
-            <a:r>
-              <a:t>Dados qualitativos foram obtidos por pesquisa documental e bibliográfica, analisando conceitos e aplicações de cidades inteligentes, bacias hidrográficas e gestão de recursos hídricos. Essa abordagem é prescritiva, explorando formas de avaliar a integração de conceitos.</a:t>
-            </a:r>
-            <a:r>
-              <a:rPr sz="1200">
-                <a:latin typeface="Times Roman"/>
-                <a:ea typeface="Times Roman"/>
-                <a:cs typeface="Times Roman"/>
-                <a:sym typeface="Times Roman"/>
-              </a:rPr>
-              <a:t> </a:t>
-            </a:r>
-          </a:p>
-        </p:txBody>
-      </p:sp>
-    </p:spTree>
-  </p:cSld>
-  <p:clrMapOvr>
-    <a:masterClrMapping/>
-  </p:clrMapOvr>
-  <p:transition xmlns:p14="http://schemas.microsoft.com/office/powerpoint/2010/main" spd="med" advClick="1"/>
-</p:sld>
-</file>
-
-<file path=ppt/slides/slide12.xml><?xml version="1.0" encoding="utf-8"?>
-<p:sld xmlns:a="http://schemas.openxmlformats.org/drawingml/2006/main" xmlns:r="http://schemas.openxmlformats.org/officeDocument/2006/relationships" xmlns:p="http://schemas.openxmlformats.org/presentationml/2006/main" xmlns:m="http://schemas.openxmlformats.org/officeDocument/2006/math" xmlns:a14="http://schemas.microsoft.com/office/drawing/2010/main" showMasterSp="1" showMasterPhAnim="1">
-  <p:cSld>
-    <p:bg>
-      <p:bgPr>
-        <a:blipFill rotWithShape="1">
-          <a:blip r:embed="rId2"/>
-          <a:srcRect l="0" t="0" r="0" b="0"/>
-          <a:stretch>
-            <a:fillRect/>
-          </a:stretch>
-        </a:blipFill>
+        <a:effectLst/>
       </p:bgPr>
     </p:bg>
     <p:spTree>
@@ -3926,7 +3754,9 @@
       <p:sp>
         <p:nvSpPr>
           <p:cNvPr id="160" name="Google Shape;170;g16475793bdd_0_102"/>
-          <p:cNvSpPr txBox="1"/>
+          <p:cNvSpPr txBox="1">
+            <a:spLocks noGrp="1"/>
+          </p:cNvSpPr>
           <p:nvPr>
             <p:ph type="title"/>
           </p:nvPr>
@@ -3944,7 +3774,6 @@
           <a:bodyPr/>
           <a:lstStyle/>
           <a:p>
-            <a:pPr/>
             <a:r>
               <a:t>Bacias Hidrográficas Inteligentes e Sustentáveis</a:t>
             </a:r>
@@ -3954,7 +3783,9 @@
       <p:sp>
         <p:nvSpPr>
           <p:cNvPr id="161" name="Google Shape;171;g16475793bdd_0_102"/>
-          <p:cNvSpPr txBox="1"/>
+          <p:cNvSpPr txBox="1">
+            <a:spLocks noGrp="1"/>
+          </p:cNvSpPr>
           <p:nvPr>
             <p:ph type="body" idx="1"/>
           </p:nvPr>
@@ -3972,19 +3803,16 @@
           <a:bodyPr/>
           <a:lstStyle/>
           <a:p>
-            <a:pPr/>
             <a:r>
               <a:t>A água, insubstituível e essencial, torna a gestão hídrica fundamental para a sociedade, com impactos diretos na vida dos cidadãos quando bem executada</a:t>
             </a:r>
           </a:p>
           <a:p>
-            <a:pPr/>
             <a:r>
               <a:t>Assim como as TICs beneficiam cidades inteligentes, suas aplicações e adaptações são valiosas para coletar e analisar dados em bacias hidrográficas</a:t>
             </a:r>
           </a:p>
           <a:p>
-            <a:pPr/>
             <a:r>
               <a:t>Otimiza a gestão, planejamento e uso dos recursos hídricos, reforçando a segurança hídrica em regiões específicas</a:t>
             </a:r>
@@ -3996,22 +3824,23 @@
   <p:clrMapOvr>
     <a:masterClrMapping/>
   </p:clrMapOvr>
-  <p:transition xmlns:p14="http://schemas.microsoft.com/office/powerpoint/2010/main" spd="med" advClick="1"/>
+  <p:transition spd="med"/>
 </p:sld>
 </file>
 
-<file path=ppt/slides/slide13.xml><?xml version="1.0" encoding="utf-8"?>
-<p:sld xmlns:a="http://schemas.openxmlformats.org/drawingml/2006/main" xmlns:r="http://schemas.openxmlformats.org/officeDocument/2006/relationships" xmlns:p="http://schemas.openxmlformats.org/presentationml/2006/main" xmlns:m="http://schemas.openxmlformats.org/officeDocument/2006/math" xmlns:a14="http://schemas.microsoft.com/office/drawing/2010/main" showMasterSp="1" showMasterPhAnim="1">
+<file path=ppt/slides/slide11.xml><?xml version="1.0" encoding="utf-8"?>
+<p:sld xmlns:a="http://schemas.openxmlformats.org/drawingml/2006/main" xmlns:r="http://schemas.openxmlformats.org/officeDocument/2006/relationships" xmlns:p="http://schemas.openxmlformats.org/presentationml/2006/main">
   <p:cSld>
     <p:bg>
       <p:bgPr>
         <a:blipFill rotWithShape="1">
           <a:blip r:embed="rId2"/>
-          <a:srcRect l="0" t="0" r="0" b="0"/>
+          <a:srcRect/>
           <a:stretch>
             <a:fillRect/>
           </a:stretch>
         </a:blipFill>
+        <a:effectLst/>
       </p:bgPr>
     </p:bg>
     <p:spTree>
@@ -4031,7 +3860,9 @@
       <p:sp>
         <p:nvSpPr>
           <p:cNvPr id="163" name="Google Shape;177;g14bbad709fd_0_8"/>
-          <p:cNvSpPr txBox="1"/>
+          <p:cNvSpPr txBox="1">
+            <a:spLocks noGrp="1"/>
+          </p:cNvSpPr>
           <p:nvPr>
             <p:ph type="title"/>
           </p:nvPr>
@@ -4049,7 +3880,6 @@
           <a:bodyPr/>
           <a:lstStyle/>
           <a:p>
-            <a:pPr/>
             <a:r>
               <a:t>Bacias Hidrográficas Inteligentes e Sustentáveis</a:t>
             </a:r>
@@ -4059,7 +3889,9 @@
       <p:sp>
         <p:nvSpPr>
           <p:cNvPr id="164" name="Google Shape;178;g14bbad709fd_0_8"/>
-          <p:cNvSpPr txBox="1"/>
+          <p:cNvSpPr txBox="1">
+            <a:spLocks noGrp="1"/>
+          </p:cNvSpPr>
           <p:nvPr>
             <p:ph type="body" idx="1"/>
           </p:nvPr>
@@ -4077,25 +3909,22 @@
           <a:bodyPr/>
           <a:lstStyle/>
           <a:p>
-            <a:pPr/>
             <a:r>
               <a:t>Sabendo que TICs podem ser mecanismos utilizados como suporte à tomada de decisão na gestão dos recursos hídricos, a seguir serão apresentados algumas sugestões dessas aplicações.</a:t>
             </a:r>
           </a:p>
           <a:p>
-            <a:pPr/>
-          </a:p>
-          <a:p>
-            <a:pPr/>
+            <a:endParaRPr/>
+          </a:p>
+          <a:p>
             <a:r>
               <a:t>O Serviço Inteligente de Coleta de Lixo em Barcelona</a:t>
             </a:r>
           </a:p>
           <a:p>
-            <a:pPr/>
-          </a:p>
-          <a:p>
-            <a:pPr/>
+            <a:endParaRPr/>
+          </a:p>
+          <a:p>
             <a:r>
               <a:t>Centro Integrado de Comando (CEIC) em Porto Alegre </a:t>
             </a:r>
@@ -4107,22 +3936,23 @@
   <p:clrMapOvr>
     <a:masterClrMapping/>
   </p:clrMapOvr>
-  <p:transition xmlns:p14="http://schemas.microsoft.com/office/powerpoint/2010/main" spd="med" advClick="1"/>
+  <p:transition spd="med"/>
 </p:sld>
 </file>
 
-<file path=ppt/slides/slide14.xml><?xml version="1.0" encoding="utf-8"?>
-<p:sld xmlns:a="http://schemas.openxmlformats.org/drawingml/2006/main" xmlns:r="http://schemas.openxmlformats.org/officeDocument/2006/relationships" xmlns:p="http://schemas.openxmlformats.org/presentationml/2006/main" xmlns:m="http://schemas.openxmlformats.org/officeDocument/2006/math" xmlns:a14="http://schemas.microsoft.com/office/drawing/2010/main" showMasterSp="1" showMasterPhAnim="1">
+<file path=ppt/slides/slide12.xml><?xml version="1.0" encoding="utf-8"?>
+<p:sld xmlns:a="http://schemas.openxmlformats.org/drawingml/2006/main" xmlns:r="http://schemas.openxmlformats.org/officeDocument/2006/relationships" xmlns:p="http://schemas.openxmlformats.org/presentationml/2006/main">
   <p:cSld>
     <p:bg>
       <p:bgPr>
         <a:blipFill rotWithShape="1">
           <a:blip r:embed="rId2"/>
-          <a:srcRect l="0" t="0" r="0" b="0"/>
+          <a:srcRect/>
           <a:stretch>
             <a:fillRect/>
           </a:stretch>
         </a:blipFill>
+        <a:effectLst/>
       </p:bgPr>
     </p:bg>
     <p:spTree>
@@ -4142,7 +3972,9 @@
       <p:sp>
         <p:nvSpPr>
           <p:cNvPr id="166" name="Google Shape;183;g14bbad709fd_0_18"/>
-          <p:cNvSpPr txBox="1"/>
+          <p:cNvSpPr txBox="1">
+            <a:spLocks noGrp="1"/>
+          </p:cNvSpPr>
           <p:nvPr>
             <p:ph type="title"/>
           </p:nvPr>
@@ -4160,48 +3992,8 @@
           <a:bodyPr/>
           <a:lstStyle/>
           <a:p>
-            <a:pPr/>
             <a:r>
               <a:t>Bacias Hidrográficas Inteligentes e Sustentáveis</a:t>
-            </a:r>
-          </a:p>
-        </p:txBody>
-      </p:sp>
-      <p:sp>
-        <p:nvSpPr>
-          <p:cNvPr id="167" name="Google Shape;184;g14bbad709fd_0_18"/>
-          <p:cNvSpPr txBox="1"/>
-          <p:nvPr>
-            <p:ph type="body" idx="1"/>
-          </p:nvPr>
-        </p:nvSpPr>
-        <p:spPr>
-          <a:xfrm>
-            <a:off x="3178225" y="6330977"/>
-            <a:ext cx="8377202" cy="4351201"/>
-          </a:xfrm>
-          <a:prstGeom prst="rect">
-            <a:avLst/>
-          </a:prstGeom>
-        </p:spPr>
-        <p:txBody>
-          <a:bodyPr/>
-          <a:lstStyle>
-            <a:lvl1pPr>
-              <a:lnSpc>
-                <a:spcPct val="200000"/>
-              </a:lnSpc>
-              <a:spcBef>
-                <a:spcPts val="0"/>
-              </a:spcBef>
-              <a:buSzPts val="1800"/>
-              <a:defRPr sz="1800"/>
-            </a:lvl1pPr>
-          </a:lstStyle>
-          <a:p>
-            <a:pPr/>
-            <a:r>
-              <a:t>O processamento e a análise de dados seriam baseados em aplicações Big Data,</a:t>
             </a:r>
           </a:p>
         </p:txBody>
@@ -4225,13 +4017,13 @@
           </a:ln>
           <a:extLst>
             <a:ext uri="{C572A759-6A51-4108-AA02-DFA0A04FC94B}">
-              <ma14:wrappingTextBoxFlag xmlns:ma14="http://schemas.microsoft.com/office/mac/drawingml/2011/main" val="1"/>
+              <ma14:wrappingTextBoxFlag xmlns="" xmlns:m="http://schemas.openxmlformats.org/officeDocument/2006/math" xmlns:a14="http://schemas.microsoft.com/office/drawing/2010/main" xmlns:ma14="http://schemas.microsoft.com/office/mac/drawingml/2011/main" val="1"/>
             </a:ext>
           </a:extLst>
         </p:spPr>
         <p:txBody>
           <a:bodyPr lIns="45699" tIns="45699" rIns="45699" bIns="45699">
-            <a:normAutofit fontScale="100000" lnSpcReduction="0"/>
+            <a:normAutofit/>
           </a:bodyPr>
           <a:lstStyle/>
           <a:p>
@@ -4248,7 +4040,7 @@
               <a:buSzPts val="2800"/>
               <a:buFont typeface="Arial"/>
               <a:buChar char="•"/>
-              <a:defRPr b="1" sz="2800">
+              <a:defRPr sz="2800" b="1">
                 <a:latin typeface="Calibri"/>
                 <a:ea typeface="Calibri"/>
                 <a:cs typeface="Calibri"/>
@@ -4267,15 +4059,9 @@
               </a:rPr>
               <a:t> </a:t>
             </a:r>
-            <a:endParaRPr sz="1200">
-              <a:latin typeface="Times Roman"/>
-              <a:ea typeface="Times Roman"/>
-              <a:cs typeface="Times Roman"/>
-              <a:sym typeface="Times Roman"/>
-            </a:endParaRPr>
-          </a:p>
-          <a:p>
-            <a:pPr lvl="1" marL="914400" indent="-342900">
+          </a:p>
+          <a:p>
+            <a:pPr marL="914400" lvl="1" indent="-342900">
               <a:lnSpc>
                 <a:spcPct val="90000"/>
               </a:lnSpc>
@@ -4315,22 +4101,23 @@
   <p:clrMapOvr>
     <a:masterClrMapping/>
   </p:clrMapOvr>
-  <p:transition xmlns:p14="http://schemas.microsoft.com/office/powerpoint/2010/main" spd="med" advClick="1"/>
+  <p:transition spd="med"/>
 </p:sld>
 </file>
 
-<file path=ppt/slides/slide15.xml><?xml version="1.0" encoding="utf-8"?>
-<p:sld xmlns:a="http://schemas.openxmlformats.org/drawingml/2006/main" xmlns:r="http://schemas.openxmlformats.org/officeDocument/2006/relationships" xmlns:p="http://schemas.openxmlformats.org/presentationml/2006/main" xmlns:m="http://schemas.openxmlformats.org/officeDocument/2006/math" xmlns:a14="http://schemas.microsoft.com/office/drawing/2010/main" showMasterSp="1" showMasterPhAnim="1">
+<file path=ppt/slides/slide13.xml><?xml version="1.0" encoding="utf-8"?>
+<p:sld xmlns:a="http://schemas.openxmlformats.org/drawingml/2006/main" xmlns:r="http://schemas.openxmlformats.org/officeDocument/2006/relationships" xmlns:p="http://schemas.openxmlformats.org/presentationml/2006/main">
   <p:cSld>
     <p:bg>
       <p:bgPr>
         <a:blipFill rotWithShape="1">
           <a:blip r:embed="rId2"/>
-          <a:srcRect l="0" t="0" r="0" b="0"/>
+          <a:srcRect/>
           <a:stretch>
             <a:fillRect/>
           </a:stretch>
         </a:blipFill>
+        <a:effectLst/>
       </p:bgPr>
     </p:bg>
     <p:spTree>
@@ -4350,7 +4137,9 @@
       <p:sp>
         <p:nvSpPr>
           <p:cNvPr id="170" name="Google Shape;183;g14bbad709fd_0_18"/>
-          <p:cNvSpPr txBox="1"/>
+          <p:cNvSpPr txBox="1">
+            <a:spLocks noGrp="1"/>
+          </p:cNvSpPr>
           <p:nvPr>
             <p:ph type="title"/>
           </p:nvPr>
@@ -4368,49 +4157,35 @@
           <a:bodyPr/>
           <a:lstStyle/>
           <a:p>
-            <a:pPr/>
-            <a:r>
-              <a:t>Bacias Hidrográficas Inteligentes e Sustentáveis</a:t>
-            </a:r>
-          </a:p>
-        </p:txBody>
-      </p:sp>
-      <p:sp>
-        <p:nvSpPr>
-          <p:cNvPr id="171" name="Google Shape;184;g14bbad709fd_0_18"/>
-          <p:cNvSpPr txBox="1"/>
-          <p:nvPr>
-            <p:ph type="body" idx="1"/>
-          </p:nvPr>
-        </p:nvSpPr>
-        <p:spPr>
-          <a:xfrm>
-            <a:off x="3178225" y="6330977"/>
-            <a:ext cx="8377202" cy="4351201"/>
-          </a:xfrm>
-          <a:prstGeom prst="rect">
-            <a:avLst/>
-          </a:prstGeom>
-        </p:spPr>
-        <p:txBody>
-          <a:bodyPr/>
-          <a:lstStyle>
-            <a:lvl1pPr>
-              <a:lnSpc>
-                <a:spcPct val="200000"/>
-              </a:lnSpc>
-              <a:spcBef>
-                <a:spcPts val="0"/>
-              </a:spcBef>
-              <a:buSzPts val="1800"/>
-              <a:defRPr sz="1800"/>
-            </a:lvl1pPr>
-          </a:lstStyle>
-          <a:p>
-            <a:pPr/>
-            <a:r>
-              <a:t>O processamento e a análise de dados seriam baseados em aplicações Big Data,</a:t>
-            </a:r>
+            <a:r>
+              <a:rPr dirty="0" err="1"/>
+              <a:t>Bacias</a:t>
+            </a:r>
+            <a:r>
+              <a:rPr dirty="0"/>
+              <a:t> </a:t>
+            </a:r>
+            <a:r>
+              <a:rPr dirty="0" err="1"/>
+              <a:t>Hidrográficas</a:t>
+            </a:r>
+            <a:r>
+              <a:rPr dirty="0"/>
+              <a:t> </a:t>
+            </a:r>
+            <a:r>
+              <a:rPr dirty="0" err="1"/>
+              <a:t>Inteligentes</a:t>
+            </a:r>
+            <a:r>
+              <a:rPr dirty="0"/>
+              <a:t> e </a:t>
+            </a:r>
+            <a:r>
+              <a:rPr dirty="0" err="1"/>
+              <a:t>Sustentáveis</a:t>
+            </a:r>
+            <a:endParaRPr dirty="0"/>
           </a:p>
         </p:txBody>
       </p:sp>
@@ -4422,7 +4197,7 @@
         </p:nvSpPr>
         <p:spPr>
           <a:xfrm>
-            <a:off x="2976463" y="2136644"/>
+            <a:off x="2976476" y="2289044"/>
             <a:ext cx="8377202" cy="4351201"/>
           </a:xfrm>
           <a:prstGeom prst="rect">
@@ -4433,13 +4208,13 @@
           </a:ln>
           <a:extLst>
             <a:ext uri="{C572A759-6A51-4108-AA02-DFA0A04FC94B}">
-              <ma14:wrappingTextBoxFlag xmlns:ma14="http://schemas.microsoft.com/office/mac/drawingml/2011/main" val="1"/>
+              <ma14:wrappingTextBoxFlag xmlns="" xmlns:m="http://schemas.openxmlformats.org/officeDocument/2006/math" xmlns:a14="http://schemas.microsoft.com/office/drawing/2010/main" xmlns:ma14="http://schemas.microsoft.com/office/mac/drawingml/2011/main" val="1"/>
             </a:ext>
           </a:extLst>
         </p:spPr>
         <p:txBody>
           <a:bodyPr lIns="45699" tIns="45699" rIns="45699" bIns="45699">
-            <a:normAutofit fontScale="100000" lnSpcReduction="0"/>
+            <a:normAutofit/>
           </a:bodyPr>
           <a:lstStyle/>
           <a:p>
@@ -4464,9 +4239,43 @@
               </a:defRPr>
             </a:pPr>
             <a:r>
-              <a:t>Horizon Scanning Centre (HSC) no Reino Unido</a:t>
-            </a:r>
-            <a:endParaRPr sz="1200">
+              <a:rPr dirty="0"/>
+              <a:t>Horizon Scanning Centre (HSC) no </a:t>
+            </a:r>
+            <a:r>
+              <a:rPr dirty="0" err="1"/>
+              <a:t>Reino</a:t>
+            </a:r>
+            <a:r>
+              <a:rPr dirty="0"/>
+              <a:t> </a:t>
+            </a:r>
+            <a:r>
+              <a:rPr dirty="0" err="1"/>
+              <a:t>Unido</a:t>
+            </a:r>
+            <a:endParaRPr lang="pt-BR" dirty="0"/>
+          </a:p>
+          <a:p>
+            <a:pPr marL="114300">
+              <a:lnSpc>
+                <a:spcPct val="90000"/>
+              </a:lnSpc>
+              <a:spcBef>
+                <a:spcPts val="1000"/>
+              </a:spcBef>
+              <a:buClr>
+                <a:srgbClr val="000000"/>
+              </a:buClr>
+              <a:buSzPts val="2800"/>
+              <a:defRPr sz="2800">
+                <a:latin typeface="Calibri"/>
+                <a:ea typeface="Calibri"/>
+                <a:cs typeface="Calibri"/>
+                <a:sym typeface="Calibri"/>
+              </a:defRPr>
+            </a:pPr>
+            <a:endParaRPr sz="1200" dirty="0">
               <a:latin typeface="Times Roman"/>
               <a:ea typeface="Times Roman"/>
               <a:cs typeface="Times Roman"/>
@@ -4495,8 +4304,18 @@
               </a:defRPr>
             </a:pPr>
             <a:r>
-              <a:t>Risk Assessment and Horizon Scanning (RAHS) em Singapura</a:t>
-            </a:r>
+              <a:rPr dirty="0"/>
+              <a:t>Risk Assessment and Horizon Scanning (RAHS) </a:t>
+            </a:r>
+            <a:r>
+              <a:rPr dirty="0" err="1"/>
+              <a:t>em</a:t>
+            </a:r>
+            <a:r>
+              <a:rPr dirty="0"/>
+              <a:t> Singapura</a:t>
+            </a:r>
+            <a:endParaRPr lang="pt-BR" dirty="0"/>
           </a:p>
           <a:p>
             <a:pPr marL="457200" indent="-342900">
@@ -4519,9 +4338,7 @@
                 <a:sym typeface="Calibri"/>
               </a:defRPr>
             </a:pPr>
-            <a:r>
-              <a:t>NEdNet na Tailândia</a:t>
-            </a:r>
+            <a:endParaRPr dirty="0"/>
           </a:p>
           <a:p>
             <a:pPr marL="457200" indent="-342900">
@@ -4545,7 +4362,80 @@
               </a:defRPr>
             </a:pPr>
             <a:r>
-              <a:t>e-Noé </a:t>
+              <a:rPr dirty="0" err="1"/>
+              <a:t>NEdNet</a:t>
+            </a:r>
+            <a:r>
+              <a:rPr dirty="0"/>
+              <a:t> </a:t>
+            </a:r>
+            <a:r>
+              <a:rPr dirty="0" err="1"/>
+              <a:t>na</a:t>
+            </a:r>
+            <a:r>
+              <a:rPr dirty="0"/>
+              <a:t> </a:t>
+            </a:r>
+            <a:r>
+              <a:rPr dirty="0" err="1"/>
+              <a:t>Tailândia</a:t>
+            </a:r>
+            <a:endParaRPr lang="pt-BR" dirty="0"/>
+          </a:p>
+          <a:p>
+            <a:pPr marL="114300">
+              <a:lnSpc>
+                <a:spcPct val="90000"/>
+              </a:lnSpc>
+              <a:spcBef>
+                <a:spcPts val="1000"/>
+              </a:spcBef>
+              <a:buClr>
+                <a:srgbClr val="000000"/>
+              </a:buClr>
+              <a:buSzPts val="2800"/>
+              <a:defRPr sz="2800">
+                <a:latin typeface="Calibri"/>
+                <a:ea typeface="Calibri"/>
+                <a:cs typeface="Calibri"/>
+                <a:sym typeface="Calibri"/>
+              </a:defRPr>
+            </a:pPr>
+            <a:endParaRPr dirty="0"/>
+          </a:p>
+          <a:p>
+            <a:pPr marL="457200" indent="-342900">
+              <a:lnSpc>
+                <a:spcPct val="90000"/>
+              </a:lnSpc>
+              <a:spcBef>
+                <a:spcPts val="1000"/>
+              </a:spcBef>
+              <a:buClr>
+                <a:srgbClr val="000000"/>
+              </a:buClr>
+              <a:buSzPts val="2800"/>
+              <a:buFont typeface="Arial"/>
+              <a:buChar char="•"/>
+              <a:defRPr sz="2800">
+                <a:latin typeface="Calibri"/>
+                <a:ea typeface="Calibri"/>
+                <a:cs typeface="Calibri"/>
+                <a:sym typeface="Calibri"/>
+              </a:defRPr>
+            </a:pPr>
+            <a:r>
+              <a:rPr dirty="0"/>
+              <a:t>e-</a:t>
+            </a:r>
+            <a:r>
+              <a:rPr dirty="0" err="1"/>
+              <a:t>Noé</a:t>
+            </a:r>
+            <a:r>
+              <a:rPr dirty="0"/>
+              <a:t> </a:t>
             </a:r>
           </a:p>
         </p:txBody>
@@ -4555,22 +4445,23 @@
   <p:clrMapOvr>
     <a:masterClrMapping/>
   </p:clrMapOvr>
-  <p:transition xmlns:p14="http://schemas.microsoft.com/office/powerpoint/2010/main" spd="med" advClick="1"/>
+  <p:transition spd="med"/>
 </p:sld>
 </file>
 
-<file path=ppt/slides/slide16.xml><?xml version="1.0" encoding="utf-8"?>
-<p:sld xmlns:a="http://schemas.openxmlformats.org/drawingml/2006/main" xmlns:r="http://schemas.openxmlformats.org/officeDocument/2006/relationships" xmlns:p="http://schemas.openxmlformats.org/presentationml/2006/main" xmlns:m="http://schemas.openxmlformats.org/officeDocument/2006/math" xmlns:a14="http://schemas.microsoft.com/office/drawing/2010/main" showMasterSp="1" showMasterPhAnim="1">
+<file path=ppt/slides/slide14.xml><?xml version="1.0" encoding="utf-8"?>
+<p:sld xmlns:a="http://schemas.openxmlformats.org/drawingml/2006/main" xmlns:r="http://schemas.openxmlformats.org/officeDocument/2006/relationships" xmlns:p="http://schemas.openxmlformats.org/presentationml/2006/main">
   <p:cSld>
     <p:bg>
       <p:bgPr>
         <a:blipFill rotWithShape="1">
           <a:blip r:embed="rId2"/>
-          <a:srcRect l="0" t="0" r="0" b="0"/>
+          <a:srcRect/>
           <a:stretch>
             <a:fillRect/>
           </a:stretch>
         </a:blipFill>
+        <a:effectLst/>
       </p:bgPr>
     </p:bg>
     <p:spTree>
@@ -4590,7 +4481,9 @@
       <p:sp>
         <p:nvSpPr>
           <p:cNvPr id="174" name="Google Shape;189;g14c9cf1f4b7_0_11"/>
-          <p:cNvSpPr txBox="1"/>
+          <p:cNvSpPr txBox="1">
+            <a:spLocks noGrp="1"/>
+          </p:cNvSpPr>
           <p:nvPr>
             <p:ph type="title"/>
           </p:nvPr>
@@ -4608,7 +4501,6 @@
           <a:bodyPr/>
           <a:lstStyle/>
           <a:p>
-            <a:pPr/>
             <a:r>
               <a:t>Conclusão</a:t>
             </a:r>
@@ -4618,7 +4510,9 @@
       <p:sp>
         <p:nvSpPr>
           <p:cNvPr id="175" name="Google Shape;190;g14c9cf1f4b7_0_11"/>
-          <p:cNvSpPr txBox="1"/>
+          <p:cNvSpPr txBox="1">
+            <a:spLocks noGrp="1"/>
+          </p:cNvSpPr>
           <p:nvPr>
             <p:ph type="body" idx="1"/>
           </p:nvPr>
@@ -4648,10 +4542,87 @@
               <a:defRPr sz="1800"/>
             </a:pPr>
             <a:r>
-              <a:t>O estudo se propôs a explorar o uso de TICs para desenvolver o conceito de bacias hidrográficas inteligentes e sustentáveis</a:t>
-            </a:r>
-            <a:r>
-              <a:rPr sz="1200">
+              <a:rPr dirty="0"/>
+              <a:t>O </a:t>
+            </a:r>
+            <a:r>
+              <a:rPr dirty="0" err="1"/>
+              <a:t>estudo</a:t>
+            </a:r>
+            <a:r>
+              <a:rPr dirty="0"/>
+              <a:t> se </a:t>
+            </a:r>
+            <a:r>
+              <a:rPr dirty="0" err="1"/>
+              <a:t>propôs</a:t>
+            </a:r>
+            <a:r>
+              <a:rPr dirty="0"/>
+              <a:t> a </a:t>
+            </a:r>
+            <a:r>
+              <a:rPr dirty="0" err="1"/>
+              <a:t>explorar</a:t>
+            </a:r>
+            <a:r>
+              <a:rPr dirty="0"/>
+              <a:t> o </a:t>
+            </a:r>
+            <a:r>
+              <a:rPr dirty="0" err="1"/>
+              <a:t>uso</a:t>
+            </a:r>
+            <a:r>
+              <a:rPr dirty="0"/>
+              <a:t> de TICs para </a:t>
+            </a:r>
+            <a:r>
+              <a:rPr dirty="0" err="1"/>
+              <a:t>desenvolver</a:t>
+            </a:r>
+            <a:r>
+              <a:rPr dirty="0"/>
+              <a:t> o </a:t>
+            </a:r>
+            <a:r>
+              <a:rPr dirty="0" err="1"/>
+              <a:t>conceito</a:t>
+            </a:r>
+            <a:r>
+              <a:rPr dirty="0"/>
+              <a:t> de </a:t>
+            </a:r>
+            <a:r>
+              <a:rPr dirty="0" err="1"/>
+              <a:t>bacias</a:t>
+            </a:r>
+            <a:r>
+              <a:rPr dirty="0"/>
+              <a:t> </a:t>
+            </a:r>
+            <a:r>
+              <a:rPr dirty="0" err="1"/>
+              <a:t>hidrográficas</a:t>
+            </a:r>
+            <a:r>
+              <a:rPr dirty="0"/>
+              <a:t> </a:t>
+            </a:r>
+            <a:r>
+              <a:rPr dirty="0" err="1"/>
+              <a:t>inteligentes</a:t>
+            </a:r>
+            <a:r>
+              <a:rPr dirty="0"/>
+              <a:t> e </a:t>
+            </a:r>
+            <a:r>
+              <a:rPr dirty="0" err="1"/>
+              <a:t>sustentáveis</a:t>
+            </a:r>
+            <a:r>
+              <a:rPr sz="1200" dirty="0">
                 <a:latin typeface="Times Roman"/>
                 <a:ea typeface="Times Roman"/>
                 <a:cs typeface="Times Roman"/>
@@ -4660,7 +4631,92 @@
               <a:t>. </a:t>
             </a:r>
             <a:r>
-              <a:t>Baseando-se em conceitos e aplicações de cidades inteligentes, enfatizou-se a importância das TICs para a melhoria da qualidade de vida.</a:t>
+              <a:rPr dirty="0" err="1"/>
+              <a:t>Baseando</a:t>
+            </a:r>
+            <a:r>
+              <a:rPr dirty="0"/>
+              <a:t>-se </a:t>
+            </a:r>
+            <a:r>
+              <a:rPr dirty="0" err="1"/>
+              <a:t>em</a:t>
+            </a:r>
+            <a:r>
+              <a:rPr dirty="0"/>
+              <a:t> </a:t>
+            </a:r>
+            <a:r>
+              <a:rPr dirty="0" err="1"/>
+              <a:t>conceitos</a:t>
+            </a:r>
+            <a:r>
+              <a:rPr dirty="0"/>
+              <a:t> e </a:t>
+            </a:r>
+            <a:r>
+              <a:rPr dirty="0" err="1"/>
+              <a:t>aplicações</a:t>
+            </a:r>
+            <a:r>
+              <a:rPr dirty="0"/>
+              <a:t> de </a:t>
+            </a:r>
+            <a:r>
+              <a:rPr dirty="0" err="1"/>
+              <a:t>cidades</a:t>
+            </a:r>
+            <a:r>
+              <a:rPr dirty="0"/>
+              <a:t> </a:t>
+            </a:r>
+            <a:r>
+              <a:rPr dirty="0" err="1"/>
+              <a:t>inteligentes</a:t>
+            </a:r>
+            <a:r>
+              <a:rPr dirty="0"/>
+              <a:t>, </a:t>
+            </a:r>
+            <a:r>
+              <a:rPr dirty="0" err="1"/>
+              <a:t>enfatizou</a:t>
+            </a:r>
+            <a:r>
+              <a:rPr dirty="0"/>
+              <a:t>-se a </a:t>
+            </a:r>
+            <a:r>
+              <a:rPr dirty="0" err="1"/>
+              <a:t>importância</a:t>
+            </a:r>
+            <a:r>
+              <a:rPr dirty="0"/>
+              <a:t> das TICs para a </a:t>
+            </a:r>
+            <a:r>
+              <a:rPr dirty="0" err="1"/>
+              <a:t>melhoria</a:t>
+            </a:r>
+            <a:r>
+              <a:rPr dirty="0"/>
+              <a:t> da </a:t>
+            </a:r>
+            <a:r>
+              <a:rPr dirty="0" err="1"/>
+              <a:t>qualidade</a:t>
+            </a:r>
+            <a:r>
+              <a:rPr dirty="0"/>
+              <a:t> de </a:t>
+            </a:r>
+            <a:r>
+              <a:rPr dirty="0" err="1"/>
+              <a:t>vida</a:t>
+            </a:r>
+            <a:r>
+              <a:rPr dirty="0"/>
+              <a:t>.</a:t>
             </a:r>
           </a:p>
         </p:txBody>
@@ -4670,22 +4726,23 @@
   <p:clrMapOvr>
     <a:masterClrMapping/>
   </p:clrMapOvr>
-  <p:transition xmlns:p14="http://schemas.microsoft.com/office/powerpoint/2010/main" spd="med" advClick="1"/>
+  <p:transition spd="med"/>
 </p:sld>
 </file>
 
-<file path=ppt/slides/slide17.xml><?xml version="1.0" encoding="utf-8"?>
-<p:sld xmlns:a="http://schemas.openxmlformats.org/drawingml/2006/main" xmlns:r="http://schemas.openxmlformats.org/officeDocument/2006/relationships" xmlns:p="http://schemas.openxmlformats.org/presentationml/2006/main" xmlns:m="http://schemas.openxmlformats.org/officeDocument/2006/math" xmlns:a14="http://schemas.microsoft.com/office/drawing/2010/main" showMasterSp="1" showMasterPhAnim="1">
+<file path=ppt/slides/slide15.xml><?xml version="1.0" encoding="utf-8"?>
+<p:sld xmlns:a="http://schemas.openxmlformats.org/drawingml/2006/main" xmlns:r="http://schemas.openxmlformats.org/officeDocument/2006/relationships" xmlns:p="http://schemas.openxmlformats.org/presentationml/2006/main">
   <p:cSld>
     <p:bg>
       <p:bgPr>
         <a:blipFill rotWithShape="1">
           <a:blip r:embed="rId2"/>
-          <a:srcRect l="0" t="0" r="0" b="0"/>
+          <a:srcRect/>
           <a:stretch>
             <a:fillRect/>
           </a:stretch>
         </a:blipFill>
+        <a:effectLst/>
       </p:bgPr>
     </p:bg>
     <p:spTree>
@@ -4705,7 +4762,9 @@
       <p:sp>
         <p:nvSpPr>
           <p:cNvPr id="177" name="Google Shape;195;g16475793bdd_0_121"/>
-          <p:cNvSpPr txBox="1"/>
+          <p:cNvSpPr txBox="1">
+            <a:spLocks noGrp="1"/>
+          </p:cNvSpPr>
           <p:nvPr>
             <p:ph type="title"/>
           </p:nvPr>
@@ -4723,7 +4782,6 @@
           <a:bodyPr/>
           <a:lstStyle/>
           <a:p>
-            <a:pPr/>
             <a:r>
               <a:t>Conclusão</a:t>
             </a:r>
@@ -4733,7 +4791,9 @@
       <p:sp>
         <p:nvSpPr>
           <p:cNvPr id="178" name="Google Shape;196;g16475793bdd_0_121"/>
-          <p:cNvSpPr txBox="1"/>
+          <p:cNvSpPr txBox="1">
+            <a:spLocks noGrp="1"/>
+          </p:cNvSpPr>
           <p:nvPr>
             <p:ph type="body" idx="1"/>
           </p:nvPr>
@@ -4794,22 +4854,23 @@
   <p:clrMapOvr>
     <a:masterClrMapping/>
   </p:clrMapOvr>
-  <p:transition xmlns:p14="http://schemas.microsoft.com/office/powerpoint/2010/main" spd="med" advClick="1"/>
+  <p:transition spd="med"/>
 </p:sld>
 </file>
 
-<file path=ppt/slides/slide18.xml><?xml version="1.0" encoding="utf-8"?>
-<p:sld xmlns:a="http://schemas.openxmlformats.org/drawingml/2006/main" xmlns:r="http://schemas.openxmlformats.org/officeDocument/2006/relationships" xmlns:p="http://schemas.openxmlformats.org/presentationml/2006/main" xmlns:m="http://schemas.openxmlformats.org/officeDocument/2006/math" xmlns:a14="http://schemas.microsoft.com/office/drawing/2010/main" showMasterSp="1" showMasterPhAnim="1">
+<file path=ppt/slides/slide16.xml><?xml version="1.0" encoding="utf-8"?>
+<p:sld xmlns:a="http://schemas.openxmlformats.org/drawingml/2006/main" xmlns:r="http://schemas.openxmlformats.org/officeDocument/2006/relationships" xmlns:p="http://schemas.openxmlformats.org/presentationml/2006/main">
   <p:cSld>
     <p:bg>
       <p:bgPr>
         <a:blipFill rotWithShape="1">
           <a:blip r:embed="rId2"/>
-          <a:srcRect l="0" t="0" r="0" b="0"/>
+          <a:srcRect/>
           <a:stretch>
             <a:fillRect/>
           </a:stretch>
         </a:blipFill>
+        <a:effectLst/>
       </p:bgPr>
     </p:bg>
     <p:spTree>
@@ -4829,7 +4890,9 @@
       <p:sp>
         <p:nvSpPr>
           <p:cNvPr id="180" name="Google Shape;201;g16475793bdd_0_111"/>
-          <p:cNvSpPr txBox="1"/>
+          <p:cNvSpPr txBox="1">
+            <a:spLocks noGrp="1"/>
+          </p:cNvSpPr>
           <p:nvPr>
             <p:ph type="title"/>
           </p:nvPr>
@@ -4847,7 +4910,6 @@
           <a:bodyPr/>
           <a:lstStyle/>
           <a:p>
-            <a:pPr/>
             <a:r>
               <a:t>Agradecimento</a:t>
             </a:r>
@@ -4857,7 +4919,9 @@
       <p:sp>
         <p:nvSpPr>
           <p:cNvPr id="181" name="Google Shape;202;g16475793bdd_0_111"/>
-          <p:cNvSpPr txBox="1"/>
+          <p:cNvSpPr txBox="1">
+            <a:spLocks noGrp="1"/>
+          </p:cNvSpPr>
           <p:nvPr>
             <p:ph type="body" idx="1"/>
           </p:nvPr>
@@ -4887,7 +4951,6 @@
             </a:lvl1pPr>
           </a:lstStyle>
           <a:p>
-            <a:pPr/>
             <a:r>
               <a:t>Os autores agradecem ao CNPq e à Pontifícia Universidade Católica de Campinas pela oportunidade e incentivo de desenvolver pesquisa no país e pela bolsa PIBIC recebida.</a:t>
             </a:r>
@@ -4905,22 +4968,23 @@
   <p:clrMapOvr>
     <a:masterClrMapping/>
   </p:clrMapOvr>
-  <p:transition xmlns:p14="http://schemas.microsoft.com/office/powerpoint/2010/main" spd="med" advClick="1"/>
+  <p:transition spd="med"/>
 </p:sld>
 </file>
 
-<file path=ppt/slides/slide19.xml><?xml version="1.0" encoding="utf-8"?>
-<p:sld xmlns:a="http://schemas.openxmlformats.org/drawingml/2006/main" xmlns:r="http://schemas.openxmlformats.org/officeDocument/2006/relationships" xmlns:p="http://schemas.openxmlformats.org/presentationml/2006/main" xmlns:m="http://schemas.openxmlformats.org/officeDocument/2006/math" xmlns:a14="http://schemas.microsoft.com/office/drawing/2010/main" showMasterSp="1" showMasterPhAnim="1">
+<file path=ppt/slides/slide17.xml><?xml version="1.0" encoding="utf-8"?>
+<p:sld xmlns:a="http://schemas.openxmlformats.org/drawingml/2006/main" xmlns:r="http://schemas.openxmlformats.org/officeDocument/2006/relationships" xmlns:p="http://schemas.openxmlformats.org/presentationml/2006/main">
   <p:cSld>
     <p:bg>
       <p:bgPr>
         <a:blipFill rotWithShape="1">
           <a:blip r:embed="rId2"/>
-          <a:srcRect l="0" t="0" r="0" b="0"/>
+          <a:srcRect/>
           <a:stretch>
             <a:fillRect/>
           </a:stretch>
         </a:blipFill>
+        <a:effectLst/>
       </p:bgPr>
     </p:bg>
     <p:spTree>
@@ -4940,7 +5004,9 @@
       <p:sp>
         <p:nvSpPr>
           <p:cNvPr id="183" name="Google Shape;207;g16475793bdd_0_87"/>
-          <p:cNvSpPr txBox="1"/>
+          <p:cNvSpPr txBox="1">
+            <a:spLocks noGrp="1"/>
+          </p:cNvSpPr>
           <p:nvPr>
             <p:ph type="title"/>
           </p:nvPr>
@@ -4958,7 +5024,6 @@
           <a:bodyPr/>
           <a:lstStyle/>
           <a:p>
-            <a:pPr/>
             <a:r>
               <a:t>Referências</a:t>
             </a:r>
@@ -4968,7 +5033,9 @@
       <p:sp>
         <p:nvSpPr>
           <p:cNvPr id="184" name="Google Shape;208;g16475793bdd_0_87"/>
-          <p:cNvSpPr txBox="1"/>
+          <p:cNvSpPr txBox="1">
+            <a:spLocks noGrp="1"/>
+          </p:cNvSpPr>
           <p:nvPr>
             <p:ph type="body" idx="1"/>
           </p:nvPr>
@@ -5217,22 +5284,625 @@
   <p:clrMapOvr>
     <a:masterClrMapping/>
   </p:clrMapOvr>
-  <p:transition xmlns:p14="http://schemas.microsoft.com/office/powerpoint/2010/main" spd="med" advClick="1"/>
+  <p:transition spd="med"/>
 </p:sld>
 </file>
 
-<file path=ppt/slides/slide2.xml><?xml version="1.0" encoding="utf-8"?>
-<p:sld xmlns:a="http://schemas.openxmlformats.org/drawingml/2006/main" xmlns:r="http://schemas.openxmlformats.org/officeDocument/2006/relationships" xmlns:p="http://schemas.openxmlformats.org/presentationml/2006/main" xmlns:m="http://schemas.openxmlformats.org/officeDocument/2006/math" xmlns:a14="http://schemas.microsoft.com/office/drawing/2010/main" showMasterSp="1" showMasterPhAnim="1">
+<file path=ppt/slides/slide18.xml><?xml version="1.0" encoding="utf-8"?>
+<p:sld xmlns:a="http://schemas.openxmlformats.org/drawingml/2006/main" xmlns:r="http://schemas.openxmlformats.org/officeDocument/2006/relationships" xmlns:p="http://schemas.openxmlformats.org/presentationml/2006/main">
   <p:cSld>
     <p:bg>
       <p:bgPr>
         <a:blipFill rotWithShape="1">
           <a:blip r:embed="rId2"/>
-          <a:srcRect l="0" t="0" r="0" b="0"/>
+          <a:srcRect/>
           <a:stretch>
             <a:fillRect/>
           </a:stretch>
         </a:blipFill>
+        <a:effectLst/>
+      </p:bgPr>
+    </p:bg>
+    <p:spTree>
+      <p:nvGrpSpPr>
+        <p:cNvPr id="1" name=""/>
+        <p:cNvGrpSpPr/>
+        <p:nvPr/>
+      </p:nvGrpSpPr>
+      <p:grpSpPr>
+        <a:xfrm>
+          <a:off x="0" y="0"/>
+          <a:ext cx="0" cy="0"/>
+          <a:chOff x="0" y="0"/>
+          <a:chExt cx="0" cy="0"/>
+        </a:xfrm>
+      </p:grpSpPr>
+      <p:sp>
+        <p:nvSpPr>
+          <p:cNvPr id="186" name="Google Shape;213;g16475793bdd_0_139"/>
+          <p:cNvSpPr txBox="1">
+            <a:spLocks noGrp="1"/>
+          </p:cNvSpPr>
+          <p:nvPr>
+            <p:ph type="title"/>
+          </p:nvPr>
+        </p:nvSpPr>
+        <p:spPr>
+          <a:xfrm>
+            <a:off x="2976476" y="523750"/>
+            <a:ext cx="8780700" cy="1325700"/>
+          </a:xfrm>
+          <a:prstGeom prst="rect">
+            <a:avLst/>
+          </a:prstGeom>
+        </p:spPr>
+        <p:txBody>
+          <a:bodyPr/>
+          <a:lstStyle/>
+          <a:p>
+            <a:r>
+              <a:t>Referências</a:t>
+            </a:r>
+          </a:p>
+        </p:txBody>
+      </p:sp>
+      <p:sp>
+        <p:nvSpPr>
+          <p:cNvPr id="187" name="Google Shape;214;g16475793bdd_0_139"/>
+          <p:cNvSpPr txBox="1">
+            <a:spLocks noGrp="1"/>
+          </p:cNvSpPr>
+          <p:nvPr>
+            <p:ph type="body" idx="1"/>
+          </p:nvPr>
+        </p:nvSpPr>
+        <p:spPr>
+          <a:xfrm>
+            <a:off x="2964626" y="1580662"/>
+            <a:ext cx="8377201" cy="5276401"/>
+          </a:xfrm>
+          <a:prstGeom prst="rect">
+            <a:avLst/>
+          </a:prstGeom>
+        </p:spPr>
+        <p:txBody>
+          <a:bodyPr/>
+          <a:lstStyle/>
+          <a:p>
+            <a:pPr indent="-292100">
+              <a:lnSpc>
+                <a:spcPct val="200000"/>
+              </a:lnSpc>
+              <a:spcBef>
+                <a:spcPts val="0"/>
+              </a:spcBef>
+              <a:buSzPts val="1000"/>
+              <a:defRPr sz="1000"/>
+            </a:pPr>
+            <a:r>
+              <a:t>Gleick, P.; Iceland, C. Water, Security, and Conflict. Issue Brief. World Resource Institute and Pacific Institute, p. 1–16, ago. 2018.</a:t>
+            </a:r>
+            <a:endParaRPr sz="1200">
+              <a:latin typeface="Times New Roman"/>
+              <a:ea typeface="Times New Roman"/>
+              <a:cs typeface="Times New Roman"/>
+              <a:sym typeface="Times New Roman"/>
+            </a:endParaRPr>
+          </a:p>
+          <a:p>
+            <a:pPr indent="-292100">
+              <a:lnSpc>
+                <a:spcPct val="200000"/>
+              </a:lnSpc>
+              <a:spcBef>
+                <a:spcPts val="0"/>
+              </a:spcBef>
+              <a:buSzPts val="1000"/>
+              <a:defRPr sz="1000"/>
+            </a:pPr>
+            <a:r>
+              <a:t>Gomes, D. dos S. Inteligência Artificial: conceitos e aplicações. Olhar Científico. v1, n. 2, p. 234-246, 2010.</a:t>
+            </a:r>
+            <a:endParaRPr sz="1200">
+              <a:latin typeface="Times New Roman"/>
+              <a:ea typeface="Times New Roman"/>
+              <a:cs typeface="Times New Roman"/>
+              <a:sym typeface="Times New Roman"/>
+            </a:endParaRPr>
+          </a:p>
+          <a:p>
+            <a:pPr indent="-292100">
+              <a:lnSpc>
+                <a:spcPct val="200000"/>
+              </a:lnSpc>
+              <a:spcBef>
+                <a:spcPts val="0"/>
+              </a:spcBef>
+              <a:buSzPts val="1000"/>
+              <a:defRPr sz="1000"/>
+            </a:pPr>
+            <a:r>
+              <a:t>João, Belmiro do Nascimento; Souza, Crisomar Lobo de; Serralvo, Francisco Antonio. Revisão sistemática de cidades inteligentes e internet das coisas como tópico de pesquisa. Cadernos Ebape. br, v. 17, p. 1115-1130, 2020.</a:t>
+            </a:r>
+            <a:endParaRPr sz="1200">
+              <a:latin typeface="Times New Roman"/>
+              <a:ea typeface="Times New Roman"/>
+              <a:cs typeface="Times New Roman"/>
+              <a:sym typeface="Times New Roman"/>
+            </a:endParaRPr>
+          </a:p>
+          <a:p>
+            <a:pPr indent="-292100">
+              <a:lnSpc>
+                <a:spcPct val="200000"/>
+              </a:lnSpc>
+              <a:spcBef>
+                <a:spcPts val="0"/>
+              </a:spcBef>
+              <a:buSzPts val="1000"/>
+              <a:defRPr sz="1000"/>
+            </a:pPr>
+            <a:r>
+              <a:t>Johnsson, Rosa Maria Formiga; Melo, Marilia Carvalho de. O conceito emergente de segurança hídrica. Sustentare, v. 1, n. 1, p. 72-92, 2018.</a:t>
+            </a:r>
+            <a:endParaRPr sz="1200">
+              <a:latin typeface="Times New Roman"/>
+              <a:ea typeface="Times New Roman"/>
+              <a:cs typeface="Times New Roman"/>
+              <a:sym typeface="Times New Roman"/>
+            </a:endParaRPr>
+          </a:p>
+          <a:p>
+            <a:pPr indent="-292100">
+              <a:lnSpc>
+                <a:spcPct val="200000"/>
+              </a:lnSpc>
+              <a:spcBef>
+                <a:spcPts val="0"/>
+              </a:spcBef>
+              <a:buSzPts val="1000"/>
+              <a:defRPr sz="1000"/>
+            </a:pPr>
+            <a:r>
+              <a:t>Kaufman, Dora. A inteligência artificial irá suplantar a inteligência humana? ESTAÇÃO DAS LETRAS E CORES EDI, 2019.</a:t>
+            </a:r>
+            <a:endParaRPr sz="1200">
+              <a:latin typeface="Times New Roman"/>
+              <a:ea typeface="Times New Roman"/>
+              <a:cs typeface="Times New Roman"/>
+              <a:sym typeface="Times New Roman"/>
+            </a:endParaRPr>
+          </a:p>
+          <a:p>
+            <a:pPr indent="-292100">
+              <a:lnSpc>
+                <a:spcPct val="200000"/>
+              </a:lnSpc>
+              <a:spcBef>
+                <a:spcPts val="0"/>
+              </a:spcBef>
+              <a:buSzPts val="1000"/>
+              <a:defRPr sz="1000"/>
+            </a:pPr>
+            <a:r>
+              <a:t>Kon, Fabio; Santana, Eduardo Felipe Zambom. Cidades Inteligentes: Conceitos, plataformas e desafios. Jornadas de atualização em informática, v. 17, 2016.</a:t>
+            </a:r>
+            <a:endParaRPr sz="1200">
+              <a:latin typeface="Times New Roman"/>
+              <a:ea typeface="Times New Roman"/>
+              <a:cs typeface="Times New Roman"/>
+              <a:sym typeface="Times New Roman"/>
+            </a:endParaRPr>
+          </a:p>
+          <a:p>
+            <a:pPr indent="-292100">
+              <a:lnSpc>
+                <a:spcPct val="200000"/>
+              </a:lnSpc>
+              <a:spcBef>
+                <a:spcPts val="0"/>
+              </a:spcBef>
+              <a:buSzPts val="1000"/>
+              <a:defRPr sz="1000"/>
+            </a:pPr>
+            <a:r>
+              <a:t>Krishnamachari, Bhaskar; Power, Jerry; Kim, Seon Ho; Shahabi, Cyrus. I3: An IoT marketplace for smart communities. In: Proceedings of the 16th Annual International Conference on Mobile Systems, Applications, and Services. 2018. p. 498-499. </a:t>
+            </a:r>
+            <a:endParaRPr sz="1200">
+              <a:latin typeface="Times New Roman"/>
+              <a:ea typeface="Times New Roman"/>
+              <a:cs typeface="Times New Roman"/>
+              <a:sym typeface="Times New Roman"/>
+            </a:endParaRPr>
+          </a:p>
+          <a:p>
+            <a:pPr indent="-292100">
+              <a:lnSpc>
+                <a:spcPct val="200000"/>
+              </a:lnSpc>
+              <a:spcBef>
+                <a:spcPts val="0"/>
+              </a:spcBef>
+              <a:buSzPts val="1000"/>
+              <a:defRPr sz="1000"/>
+            </a:pPr>
+            <a:r>
+              <a:t>Lemos, André; De que forma as novas tecnologias - como a computação em nuvem, o Big Data e a internet Das coisas - podem melhorar a condição de vida nos espaços urbanos?. Revista GV-EXECUTIVO - Fundação Getúlio Vargas, v. 12 n. 2, 2013.</a:t>
+            </a:r>
+            <a:endParaRPr sz="1200">
+              <a:latin typeface="Times New Roman"/>
+              <a:ea typeface="Times New Roman"/>
+              <a:cs typeface="Times New Roman"/>
+              <a:sym typeface="Times New Roman"/>
+            </a:endParaRPr>
+          </a:p>
+          <a:p>
+            <a:pPr marL="437716" indent="-272616">
+              <a:lnSpc>
+                <a:spcPct val="200000"/>
+              </a:lnSpc>
+              <a:spcBef>
+                <a:spcPts val="0"/>
+              </a:spcBef>
+              <a:buSzPts val="900"/>
+              <a:defRPr sz="1000"/>
+            </a:pPr>
+            <a:r>
+              <a:rPr sz="933">
+                <a:latin typeface="Times New Roman"/>
+                <a:ea typeface="Times New Roman"/>
+                <a:cs typeface="Times New Roman"/>
+                <a:sym typeface="Times New Roman"/>
+              </a:rPr>
+              <a:t> </a:t>
+            </a:r>
+            <a:r>
+              <a:t>Nam, T.; Pardo, T.A. Conceptualizing smart city with dimensions of technology, people and institutions. In: ANNUAL INTERNATIONAL CONFERENCE ON DIGITAL, 2011.</a:t>
+            </a:r>
+          </a:p>
+        </p:txBody>
+      </p:sp>
+    </p:spTree>
+  </p:cSld>
+  <p:clrMapOvr>
+    <a:masterClrMapping/>
+  </p:clrMapOvr>
+  <p:transition spd="med"/>
+</p:sld>
+</file>
+
+<file path=ppt/slides/slide19.xml><?xml version="1.0" encoding="utf-8"?>
+<p:sld xmlns:a="http://schemas.openxmlformats.org/drawingml/2006/main" xmlns:r="http://schemas.openxmlformats.org/officeDocument/2006/relationships" xmlns:p="http://schemas.openxmlformats.org/presentationml/2006/main">
+  <p:cSld>
+    <p:bg>
+      <p:bgPr>
+        <a:blipFill rotWithShape="1">
+          <a:blip r:embed="rId2"/>
+          <a:srcRect/>
+          <a:stretch>
+            <a:fillRect/>
+          </a:stretch>
+        </a:blipFill>
+        <a:effectLst/>
+      </p:bgPr>
+    </p:bg>
+    <p:spTree>
+      <p:nvGrpSpPr>
+        <p:cNvPr id="1" name=""/>
+        <p:cNvGrpSpPr/>
+        <p:nvPr/>
+      </p:nvGrpSpPr>
+      <p:grpSpPr>
+        <a:xfrm>
+          <a:off x="0" y="0"/>
+          <a:ext cx="0" cy="0"/>
+          <a:chOff x="0" y="0"/>
+          <a:chExt cx="0" cy="0"/>
+        </a:xfrm>
+      </p:grpSpPr>
+      <p:sp>
+        <p:nvSpPr>
+          <p:cNvPr id="189" name="Google Shape;219;g16475793bdd_0_152"/>
+          <p:cNvSpPr txBox="1">
+            <a:spLocks noGrp="1"/>
+          </p:cNvSpPr>
+          <p:nvPr>
+            <p:ph type="title"/>
+          </p:nvPr>
+        </p:nvSpPr>
+        <p:spPr>
+          <a:xfrm>
+            <a:off x="2976476" y="523750"/>
+            <a:ext cx="8780700" cy="1325700"/>
+          </a:xfrm>
+          <a:prstGeom prst="rect">
+            <a:avLst/>
+          </a:prstGeom>
+        </p:spPr>
+        <p:txBody>
+          <a:bodyPr/>
+          <a:lstStyle/>
+          <a:p>
+            <a:r>
+              <a:t>Referências</a:t>
+            </a:r>
+          </a:p>
+        </p:txBody>
+      </p:sp>
+      <p:sp>
+        <p:nvSpPr>
+          <p:cNvPr id="190" name="Google Shape;220;g16475793bdd_0_152"/>
+          <p:cNvSpPr txBox="1">
+            <a:spLocks noGrp="1"/>
+          </p:cNvSpPr>
+          <p:nvPr>
+            <p:ph type="body" idx="1"/>
+          </p:nvPr>
+        </p:nvSpPr>
+        <p:spPr>
+          <a:xfrm>
+            <a:off x="2976474" y="1485875"/>
+            <a:ext cx="8377202" cy="5276401"/>
+          </a:xfrm>
+          <a:prstGeom prst="rect">
+            <a:avLst/>
+          </a:prstGeom>
+        </p:spPr>
+        <p:txBody>
+          <a:bodyPr/>
+          <a:lstStyle/>
+          <a:p>
+            <a:pPr indent="-292100">
+              <a:lnSpc>
+                <a:spcPct val="200000"/>
+              </a:lnSpc>
+              <a:spcBef>
+                <a:spcPts val="0"/>
+              </a:spcBef>
+              <a:buSzPts val="1000"/>
+              <a:defRPr sz="1000"/>
+            </a:pPr>
+            <a:r>
+              <a:t>Pedrosa, Paulo Hc; Nogueira, Tiago. Computação em nuvem. Acesso em, v. 6, 2011.</a:t>
+            </a:r>
+            <a:endParaRPr sz="1200">
+              <a:latin typeface="Times New Roman"/>
+              <a:ea typeface="Times New Roman"/>
+              <a:cs typeface="Times New Roman"/>
+              <a:sym typeface="Times New Roman"/>
+            </a:endParaRPr>
+          </a:p>
+          <a:p>
+            <a:pPr indent="-292100">
+              <a:lnSpc>
+                <a:spcPct val="200000"/>
+              </a:lnSpc>
+              <a:spcBef>
+                <a:spcPts val="0"/>
+              </a:spcBef>
+              <a:buSzPts val="1000"/>
+              <a:defRPr sz="1000"/>
+            </a:pPr>
+            <a:r>
+              <a:t>Russell, Stuart; Norvig, Peter. Inteligência Artificial. 2. Ed. Rio de Janeiro: Campos, 2004.</a:t>
+            </a:r>
+            <a:endParaRPr sz="1200">
+              <a:latin typeface="Times New Roman"/>
+              <a:ea typeface="Times New Roman"/>
+              <a:cs typeface="Times New Roman"/>
+              <a:sym typeface="Times New Roman"/>
+            </a:endParaRPr>
+          </a:p>
+          <a:p>
+            <a:pPr indent="-292100">
+              <a:lnSpc>
+                <a:spcPct val="200000"/>
+              </a:lnSpc>
+              <a:spcBef>
+                <a:spcPts val="0"/>
+              </a:spcBef>
+              <a:buSzPts val="1000"/>
+              <a:defRPr sz="1000"/>
+            </a:pPr>
+            <a:r>
+              <a:t>Sampieri, Roberto Hernandez; Collado, Carlos Fernadez; Lucio, Pilar Batista Otros Metodología de la Investigación, v. 3, 1991.</a:t>
+            </a:r>
+            <a:endParaRPr sz="1200">
+              <a:latin typeface="Times New Roman"/>
+              <a:ea typeface="Times New Roman"/>
+              <a:cs typeface="Times New Roman"/>
+              <a:sym typeface="Times New Roman"/>
+            </a:endParaRPr>
+          </a:p>
+          <a:p>
+            <a:pPr indent="-292100">
+              <a:lnSpc>
+                <a:spcPct val="200000"/>
+              </a:lnSpc>
+              <a:spcBef>
+                <a:spcPts val="0"/>
+              </a:spcBef>
+              <a:buSzPts val="1000"/>
+              <a:defRPr sz="1000"/>
+            </a:pPr>
+            <a:r>
+              <a:t>Silveira, D. T.; Córdova, F. P. A pesquisa científica. In: Gerharddt, T. E. e Silveira, D. T. (org.). Métodos de Pesquisa. Porto Alegre: Editora de UFRGS, P. 31-42, 2009.</a:t>
+            </a:r>
+            <a:endParaRPr sz="1200">
+              <a:latin typeface="Times New Roman"/>
+              <a:ea typeface="Times New Roman"/>
+              <a:cs typeface="Times New Roman"/>
+              <a:sym typeface="Times New Roman"/>
+            </a:endParaRPr>
+          </a:p>
+          <a:p>
+            <a:pPr indent="-292100">
+              <a:lnSpc>
+                <a:spcPct val="200000"/>
+              </a:lnSpc>
+              <a:spcBef>
+                <a:spcPts val="0"/>
+              </a:spcBef>
+              <a:buSzPts val="1000"/>
+              <a:defRPr sz="1000"/>
+            </a:pPr>
+            <a:r>
+              <a:t>Sousa, Flávio RC; Moreira, Leonardo O.; Machado, Javam C. Computação em nuvem: Conceitos, tecnologias, aplicações e desafios. II Escola Regional de Computação Ceará, Maranhão e Piauí (ERCEMAPI), p. 150-175, 2009.</a:t>
+            </a:r>
+            <a:endParaRPr sz="1200">
+              <a:latin typeface="Times New Roman"/>
+              <a:ea typeface="Times New Roman"/>
+              <a:cs typeface="Times New Roman"/>
+              <a:sym typeface="Times New Roman"/>
+            </a:endParaRPr>
+          </a:p>
+          <a:p>
+            <a:pPr indent="-292100">
+              <a:lnSpc>
+                <a:spcPct val="200000"/>
+              </a:lnSpc>
+              <a:spcBef>
+                <a:spcPts val="0"/>
+              </a:spcBef>
+              <a:buSzPts val="1000"/>
+              <a:defRPr sz="1000"/>
+            </a:pPr>
+            <a:r>
+              <a:t>Taurion, Cezar. Cloud computing-computação em nuvem. Brasport, 2009.</a:t>
+            </a:r>
+          </a:p>
+          <a:p>
+            <a:pPr indent="-292100">
+              <a:lnSpc>
+                <a:spcPct val="200000"/>
+              </a:lnSpc>
+              <a:spcBef>
+                <a:spcPts val="0"/>
+              </a:spcBef>
+              <a:buSzPts val="1000"/>
+              <a:defRPr sz="1000"/>
+            </a:pPr>
+            <a:r>
+              <a:t>Toppeta, D. The smart city vision: how innovation and ICT can build smart, “livable”, sustainable cities. The Innovation Knowledge Foundation, 2010.</a:t>
+            </a:r>
+            <a:endParaRPr sz="1200">
+              <a:latin typeface="Times New Roman"/>
+              <a:ea typeface="Times New Roman"/>
+              <a:cs typeface="Times New Roman"/>
+              <a:sym typeface="Times New Roman"/>
+            </a:endParaRPr>
+          </a:p>
+          <a:p>
+            <a:pPr indent="-292100">
+              <a:lnSpc>
+                <a:spcPct val="200000"/>
+              </a:lnSpc>
+              <a:spcBef>
+                <a:spcPts val="0"/>
+              </a:spcBef>
+              <a:buSzPts val="1000"/>
+              <a:defRPr sz="1000"/>
+            </a:pPr>
+            <a:r>
+              <a:t>Tucci, Carlos EM. Hidrologia: ciência e aplicação.; 2. reimpr. Porto Alegre: Ed. Universidade/UFRGS: ABRH, 2001.</a:t>
+            </a:r>
+            <a:endParaRPr sz="1200">
+              <a:latin typeface="Times New Roman"/>
+              <a:ea typeface="Times New Roman"/>
+              <a:cs typeface="Times New Roman"/>
+              <a:sym typeface="Times New Roman"/>
+            </a:endParaRPr>
+          </a:p>
+          <a:p>
+            <a:pPr indent="-292100">
+              <a:lnSpc>
+                <a:spcPct val="200000"/>
+              </a:lnSpc>
+              <a:spcBef>
+                <a:spcPts val="0"/>
+              </a:spcBef>
+              <a:buSzPts val="1000"/>
+              <a:defRPr sz="1000"/>
+            </a:pPr>
+            <a:r>
+              <a:t>Tundisi, José Galizia. Água no século XXI: enfrentando a escassez. 2003.</a:t>
+            </a:r>
+            <a:endParaRPr sz="1200">
+              <a:latin typeface="Times New Roman"/>
+              <a:ea typeface="Times New Roman"/>
+              <a:cs typeface="Times New Roman"/>
+              <a:sym typeface="Times New Roman"/>
+            </a:endParaRPr>
+          </a:p>
+          <a:p>
+            <a:pPr indent="-292100">
+              <a:lnSpc>
+                <a:spcPct val="200000"/>
+              </a:lnSpc>
+              <a:spcBef>
+                <a:spcPts val="0"/>
+              </a:spcBef>
+              <a:buSzPts val="1000"/>
+              <a:defRPr sz="1000"/>
+            </a:pPr>
+            <a:r>
+              <a:t>Ward, Jonathan Stuart; BARKER, Adam. Undefined by data: a survey of big data definitions. arXiv preprint arXiv:1309.5821, 2013. </a:t>
+            </a:r>
+            <a:endParaRPr sz="1200">
+              <a:latin typeface="Times New Roman"/>
+              <a:ea typeface="Times New Roman"/>
+              <a:cs typeface="Times New Roman"/>
+              <a:sym typeface="Times New Roman"/>
+            </a:endParaRPr>
+          </a:p>
+          <a:p>
+            <a:pPr indent="-292100">
+              <a:lnSpc>
+                <a:spcPct val="200000"/>
+              </a:lnSpc>
+              <a:spcBef>
+                <a:spcPts val="0"/>
+              </a:spcBef>
+              <a:buSzPts val="1000"/>
+              <a:defRPr sz="1000"/>
+            </a:pPr>
+            <a:r>
+              <a:t>Yigitcanlar, T.; Kamruzzaman, M.; Buys, L.; Ioppolo, G.; Sabatini-Marques, J., da Costa, M.; Yun, J. J. Understanding ‘smart cities’: Intertwining development drivers with desired outcomes in a multidimensional framework. Cities, v. 81, p. 145-160, 2018.</a:t>
+            </a:r>
+            <a:r>
+              <a:rPr sz="1200">
+                <a:latin typeface="Times Roman"/>
+                <a:ea typeface="Times Roman"/>
+                <a:cs typeface="Times Roman"/>
+                <a:sym typeface="Times Roman"/>
+              </a:rPr>
+              <a:t> </a:t>
+            </a:r>
+          </a:p>
+        </p:txBody>
+      </p:sp>
+    </p:spTree>
+  </p:cSld>
+  <p:clrMapOvr>
+    <a:masterClrMapping/>
+  </p:clrMapOvr>
+  <p:transition spd="med"/>
+</p:sld>
+</file>
+
+<file path=ppt/slides/slide2.xml><?xml version="1.0" encoding="utf-8"?>
+<p:sld xmlns:a="http://schemas.openxmlformats.org/drawingml/2006/main" xmlns:r="http://schemas.openxmlformats.org/officeDocument/2006/relationships" xmlns:p="http://schemas.openxmlformats.org/presentationml/2006/main">
+  <p:cSld>
+    <p:bg>
+      <p:bgPr>
+        <a:blipFill rotWithShape="1">
+          <a:blip r:embed="rId2"/>
+          <a:srcRect/>
+          <a:stretch>
+            <a:fillRect/>
+          </a:stretch>
+        </a:blipFill>
+        <a:effectLst/>
       </p:bgPr>
     </p:bg>
     <p:spTree>
@@ -5252,7 +5922,9 @@
       <p:sp>
         <p:nvSpPr>
           <p:cNvPr id="128" name="Google Shape;100;g16475793bdd_0_13"/>
-          <p:cNvSpPr txBox="1"/>
+          <p:cNvSpPr txBox="1">
+            <a:spLocks noGrp="1"/>
+          </p:cNvSpPr>
           <p:nvPr>
             <p:ph type="title"/>
           </p:nvPr>
@@ -5274,7 +5946,6 @@
             </a:lvl1pPr>
           </a:lstStyle>
           <a:p>
-            <a:pPr/>
             <a:r>
               <a:t>Bacias hidrográficas inteligentes e sustentáveis: uma proposta a partir do estudo de conceitos e aplicações sobre cidades inteligentes</a:t>
             </a:r>
@@ -5300,13 +5971,13 @@
           </a:ln>
           <a:extLst>
             <a:ext uri="{C572A759-6A51-4108-AA02-DFA0A04FC94B}">
-              <ma14:wrappingTextBoxFlag xmlns:ma14="http://schemas.microsoft.com/office/mac/drawingml/2011/main" val="1"/>
+              <ma14:wrappingTextBoxFlag xmlns="" xmlns:m="http://schemas.openxmlformats.org/officeDocument/2006/math" xmlns:a14="http://schemas.microsoft.com/office/drawing/2010/main" xmlns:ma14="http://schemas.microsoft.com/office/mac/drawingml/2011/main" val="1"/>
             </a:ext>
           </a:extLst>
         </p:spPr>
         <p:txBody>
           <a:bodyPr lIns="45699" tIns="45699" rIns="45699" bIns="45699" anchor="b">
-            <a:normAutofit fontScale="100000" lnSpcReduction="0"/>
+            <a:normAutofit/>
           </a:bodyPr>
           <a:lstStyle/>
           <a:p>
@@ -5314,7 +5985,7 @@
               <a:lnSpc>
                 <a:spcPct val="68000"/>
               </a:lnSpc>
-              <a:defRPr b="1" sz="576">
+              <a:defRPr sz="576" b="1">
                 <a:solidFill>
                   <a:srgbClr val="FFFFFF"/>
                 </a:solidFill>
@@ -5341,13 +6012,14 @@
                 <a:sym typeface="Calibri"/>
               </a:defRPr>
             </a:pPr>
+            <a:endParaRPr sz="1792"/>
           </a:p>
           <a:p>
             <a:pPr lvl="3" algn="ctr" defTabSz="585215">
               <a:lnSpc>
                 <a:spcPct val="80000"/>
               </a:lnSpc>
-              <a:defRPr b="1" sz="1088">
+              <a:defRPr sz="1088" b="1">
                 <a:latin typeface="Calibri"/>
                 <a:ea typeface="Calibri"/>
                 <a:cs typeface="Calibri"/>
@@ -5422,6 +6094,7 @@
                 <a:sym typeface="Century Schoolbook"/>
               </a:defRPr>
             </a:pPr>
+            <a:endParaRPr sz="3520"/>
           </a:p>
           <a:p>
             <a:pPr algn="ctr" defTabSz="585215">
@@ -5458,7 +6131,7 @@
           </a:ln>
           <a:extLst>
             <a:ext uri="{C572A759-6A51-4108-AA02-DFA0A04FC94B}">
-              <ma14:wrappingTextBoxFlag xmlns:ma14="http://schemas.microsoft.com/office/mac/drawingml/2011/main" val="1"/>
+              <ma14:wrappingTextBoxFlag xmlns="" xmlns:m="http://schemas.openxmlformats.org/officeDocument/2006/math" xmlns:a14="http://schemas.microsoft.com/office/drawing/2010/main" xmlns:ma14="http://schemas.microsoft.com/office/mac/drawingml/2011/main" val="1"/>
             </a:ext>
           </a:extLst>
         </p:spPr>
@@ -5526,6 +6199,12 @@
                 <a:sym typeface="Helvetica Neue"/>
               </a:defRPr>
             </a:pPr>
+            <a:endParaRPr>
+              <a:latin typeface="Century Schoolbook"/>
+              <a:ea typeface="Century Schoolbook"/>
+              <a:cs typeface="Century Schoolbook"/>
+              <a:sym typeface="Century Schoolbook"/>
+            </a:endParaRPr>
           </a:p>
           <a:p>
             <a:pPr algn="ctr">
@@ -5547,616 +6226,23 @@
   <p:clrMapOvr>
     <a:masterClrMapping/>
   </p:clrMapOvr>
-  <p:transition xmlns:p14="http://schemas.microsoft.com/office/powerpoint/2010/main" spd="med" advClick="1"/>
+  <p:transition spd="med"/>
 </p:sld>
 </file>
 
 <file path=ppt/slides/slide20.xml><?xml version="1.0" encoding="utf-8"?>
-<p:sld xmlns:a="http://schemas.openxmlformats.org/drawingml/2006/main" xmlns:r="http://schemas.openxmlformats.org/officeDocument/2006/relationships" xmlns:p="http://schemas.openxmlformats.org/presentationml/2006/main" xmlns:m="http://schemas.openxmlformats.org/officeDocument/2006/math" xmlns:a14="http://schemas.microsoft.com/office/drawing/2010/main" showMasterSp="1" showMasterPhAnim="1">
+<p:sld xmlns:a="http://schemas.openxmlformats.org/drawingml/2006/main" xmlns:r="http://schemas.openxmlformats.org/officeDocument/2006/relationships" xmlns:p="http://schemas.openxmlformats.org/presentationml/2006/main">
   <p:cSld>
     <p:bg>
       <p:bgPr>
         <a:blipFill rotWithShape="1">
           <a:blip r:embed="rId2"/>
-          <a:srcRect l="0" t="0" r="0" b="0"/>
+          <a:srcRect/>
           <a:stretch>
             <a:fillRect/>
           </a:stretch>
         </a:blipFill>
-      </p:bgPr>
-    </p:bg>
-    <p:spTree>
-      <p:nvGrpSpPr>
-        <p:cNvPr id="1" name=""/>
-        <p:cNvGrpSpPr/>
-        <p:nvPr/>
-      </p:nvGrpSpPr>
-      <p:grpSpPr>
-        <a:xfrm>
-          <a:off x="0" y="0"/>
-          <a:ext cx="0" cy="0"/>
-          <a:chOff x="0" y="0"/>
-          <a:chExt cx="0" cy="0"/>
-        </a:xfrm>
-      </p:grpSpPr>
-      <p:sp>
-        <p:nvSpPr>
-          <p:cNvPr id="186" name="Google Shape;213;g16475793bdd_0_139"/>
-          <p:cNvSpPr txBox="1"/>
-          <p:nvPr>
-            <p:ph type="title"/>
-          </p:nvPr>
-        </p:nvSpPr>
-        <p:spPr>
-          <a:xfrm>
-            <a:off x="2976476" y="523750"/>
-            <a:ext cx="8780700" cy="1325700"/>
-          </a:xfrm>
-          <a:prstGeom prst="rect">
-            <a:avLst/>
-          </a:prstGeom>
-        </p:spPr>
-        <p:txBody>
-          <a:bodyPr/>
-          <a:lstStyle/>
-          <a:p>
-            <a:pPr/>
-            <a:r>
-              <a:t>Referências</a:t>
-            </a:r>
-          </a:p>
-        </p:txBody>
-      </p:sp>
-      <p:sp>
-        <p:nvSpPr>
-          <p:cNvPr id="187" name="Google Shape;214;g16475793bdd_0_139"/>
-          <p:cNvSpPr txBox="1"/>
-          <p:nvPr>
-            <p:ph type="body" idx="1"/>
-          </p:nvPr>
-        </p:nvSpPr>
-        <p:spPr>
-          <a:xfrm>
-            <a:off x="2964626" y="1580662"/>
-            <a:ext cx="8377201" cy="5276401"/>
-          </a:xfrm>
-          <a:prstGeom prst="rect">
-            <a:avLst/>
-          </a:prstGeom>
-        </p:spPr>
-        <p:txBody>
-          <a:bodyPr/>
-          <a:lstStyle/>
-          <a:p>
-            <a:pPr indent="-292100">
-              <a:lnSpc>
-                <a:spcPct val="200000"/>
-              </a:lnSpc>
-              <a:spcBef>
-                <a:spcPts val="0"/>
-              </a:spcBef>
-              <a:buSzPts val="1000"/>
-              <a:defRPr sz="1000"/>
-            </a:pPr>
-            <a:r>
-              <a:t>Gleick, P.; Iceland, C. Water, Security, and Conflict. Issue Brief. World Resource Institute and Pacific Institute, p. 1–16, ago. 2018.</a:t>
-            </a:r>
-            <a:endParaRPr sz="1200">
-              <a:latin typeface="Times New Roman"/>
-              <a:ea typeface="Times New Roman"/>
-              <a:cs typeface="Times New Roman"/>
-              <a:sym typeface="Times New Roman"/>
-            </a:endParaRPr>
-          </a:p>
-          <a:p>
-            <a:pPr indent="-292100">
-              <a:lnSpc>
-                <a:spcPct val="200000"/>
-              </a:lnSpc>
-              <a:spcBef>
-                <a:spcPts val="0"/>
-              </a:spcBef>
-              <a:buSzPts val="1000"/>
-              <a:defRPr sz="1000"/>
-            </a:pPr>
-            <a:r>
-              <a:t>Gomes, D. dos S. Inteligência Artificial: conceitos e aplicações. Olhar Científico. v1, n. 2, p. 234-246, 2010.</a:t>
-            </a:r>
-            <a:endParaRPr sz="1200">
-              <a:latin typeface="Times New Roman"/>
-              <a:ea typeface="Times New Roman"/>
-              <a:cs typeface="Times New Roman"/>
-              <a:sym typeface="Times New Roman"/>
-            </a:endParaRPr>
-          </a:p>
-          <a:p>
-            <a:pPr indent="-292100">
-              <a:lnSpc>
-                <a:spcPct val="200000"/>
-              </a:lnSpc>
-              <a:spcBef>
-                <a:spcPts val="0"/>
-              </a:spcBef>
-              <a:buSzPts val="1000"/>
-              <a:defRPr sz="1000"/>
-            </a:pPr>
-            <a:r>
-              <a:t>João, Belmiro do Nascimento; Souza, Crisomar Lobo de; Serralvo, Francisco Antonio. Revisão sistemática de cidades inteligentes e internet das coisas como tópico de pesquisa. Cadernos Ebape. br, v. 17, p. 1115-1130, 2020.</a:t>
-            </a:r>
-            <a:endParaRPr sz="1200">
-              <a:latin typeface="Times New Roman"/>
-              <a:ea typeface="Times New Roman"/>
-              <a:cs typeface="Times New Roman"/>
-              <a:sym typeface="Times New Roman"/>
-            </a:endParaRPr>
-          </a:p>
-          <a:p>
-            <a:pPr indent="-292100">
-              <a:lnSpc>
-                <a:spcPct val="200000"/>
-              </a:lnSpc>
-              <a:spcBef>
-                <a:spcPts val="0"/>
-              </a:spcBef>
-              <a:buSzPts val="1000"/>
-              <a:defRPr sz="1000"/>
-            </a:pPr>
-            <a:r>
-              <a:t>Johnsson, Rosa Maria Formiga; Melo, Marilia Carvalho de. O conceito emergente de segurança hídrica. Sustentare, v. 1, n. 1, p. 72-92, 2018.</a:t>
-            </a:r>
-            <a:endParaRPr sz="1200">
-              <a:latin typeface="Times New Roman"/>
-              <a:ea typeface="Times New Roman"/>
-              <a:cs typeface="Times New Roman"/>
-              <a:sym typeface="Times New Roman"/>
-            </a:endParaRPr>
-          </a:p>
-          <a:p>
-            <a:pPr indent="-292100">
-              <a:lnSpc>
-                <a:spcPct val="200000"/>
-              </a:lnSpc>
-              <a:spcBef>
-                <a:spcPts val="0"/>
-              </a:spcBef>
-              <a:buSzPts val="1000"/>
-              <a:defRPr sz="1000"/>
-            </a:pPr>
-            <a:r>
-              <a:t>Kaufman, Dora. A inteligência artificial irá suplantar a inteligência humana? ESTAÇÃO DAS LETRAS E CORES EDI, 2019.</a:t>
-            </a:r>
-            <a:endParaRPr sz="1200">
-              <a:latin typeface="Times New Roman"/>
-              <a:ea typeface="Times New Roman"/>
-              <a:cs typeface="Times New Roman"/>
-              <a:sym typeface="Times New Roman"/>
-            </a:endParaRPr>
-          </a:p>
-          <a:p>
-            <a:pPr indent="-292100">
-              <a:lnSpc>
-                <a:spcPct val="200000"/>
-              </a:lnSpc>
-              <a:spcBef>
-                <a:spcPts val="0"/>
-              </a:spcBef>
-              <a:buSzPts val="1000"/>
-              <a:defRPr sz="1000"/>
-            </a:pPr>
-            <a:r>
-              <a:t>Kon, Fabio; Santana, Eduardo Felipe Zambom. Cidades Inteligentes: Conceitos, plataformas e desafios. Jornadas de atualização em informática, v. 17, 2016.</a:t>
-            </a:r>
-            <a:endParaRPr sz="1200">
-              <a:latin typeface="Times New Roman"/>
-              <a:ea typeface="Times New Roman"/>
-              <a:cs typeface="Times New Roman"/>
-              <a:sym typeface="Times New Roman"/>
-            </a:endParaRPr>
-          </a:p>
-          <a:p>
-            <a:pPr indent="-292100">
-              <a:lnSpc>
-                <a:spcPct val="200000"/>
-              </a:lnSpc>
-              <a:spcBef>
-                <a:spcPts val="0"/>
-              </a:spcBef>
-              <a:buSzPts val="1000"/>
-              <a:defRPr sz="1000"/>
-            </a:pPr>
-            <a:r>
-              <a:t>Krishnamachari, Bhaskar; Power, Jerry; Kim, Seon Ho; Shahabi, Cyrus. I3: An IoT marketplace for smart communities. In: Proceedings of the 16th Annual International Conference on Mobile Systems, Applications, and Services. 2018. p. 498-499. </a:t>
-            </a:r>
-            <a:endParaRPr sz="1200">
-              <a:latin typeface="Times New Roman"/>
-              <a:ea typeface="Times New Roman"/>
-              <a:cs typeface="Times New Roman"/>
-              <a:sym typeface="Times New Roman"/>
-            </a:endParaRPr>
-          </a:p>
-          <a:p>
-            <a:pPr indent="-292100">
-              <a:lnSpc>
-                <a:spcPct val="200000"/>
-              </a:lnSpc>
-              <a:spcBef>
-                <a:spcPts val="0"/>
-              </a:spcBef>
-              <a:buSzPts val="1000"/>
-              <a:defRPr sz="1000"/>
-            </a:pPr>
-            <a:r>
-              <a:t>Lemos, André; De que forma as novas tecnologias - como a computação em nuvem, o Big Data e a internet Das coisas - podem melhorar a condição de vida nos espaços urbanos?. Revista GV-EXECUTIVO - Fundação Getúlio Vargas, v. 12 n. 2, 2013.</a:t>
-            </a:r>
-            <a:endParaRPr sz="1200">
-              <a:latin typeface="Times New Roman"/>
-              <a:ea typeface="Times New Roman"/>
-              <a:cs typeface="Times New Roman"/>
-              <a:sym typeface="Times New Roman"/>
-            </a:endParaRPr>
-          </a:p>
-          <a:p>
-            <a:pPr marL="437716" indent="-272616">
-              <a:lnSpc>
-                <a:spcPct val="200000"/>
-              </a:lnSpc>
-              <a:spcBef>
-                <a:spcPts val="0"/>
-              </a:spcBef>
-              <a:buSzPts val="900"/>
-              <a:defRPr sz="1000"/>
-            </a:pPr>
-            <a:r>
-              <a:rPr sz="933">
-                <a:latin typeface="Times New Roman"/>
-                <a:ea typeface="Times New Roman"/>
-                <a:cs typeface="Times New Roman"/>
-                <a:sym typeface="Times New Roman"/>
-              </a:rPr>
-              <a:t> </a:t>
-            </a:r>
-            <a:r>
-              <a:t>Nam, T.; Pardo, T.A. Conceptualizing smart city with dimensions of technology, people and institutions. In: ANNUAL INTERNATIONAL CONFERENCE ON DIGITAL, 2011.</a:t>
-            </a:r>
-          </a:p>
-        </p:txBody>
-      </p:sp>
-    </p:spTree>
-  </p:cSld>
-  <p:clrMapOvr>
-    <a:masterClrMapping/>
-  </p:clrMapOvr>
-  <p:transition xmlns:p14="http://schemas.microsoft.com/office/powerpoint/2010/main" spd="med" advClick="1"/>
-</p:sld>
-</file>
-
-<file path=ppt/slides/slide21.xml><?xml version="1.0" encoding="utf-8"?>
-<p:sld xmlns:a="http://schemas.openxmlformats.org/drawingml/2006/main" xmlns:r="http://schemas.openxmlformats.org/officeDocument/2006/relationships" xmlns:p="http://schemas.openxmlformats.org/presentationml/2006/main" xmlns:m="http://schemas.openxmlformats.org/officeDocument/2006/math" xmlns:a14="http://schemas.microsoft.com/office/drawing/2010/main" showMasterSp="1" showMasterPhAnim="1">
-  <p:cSld>
-    <p:bg>
-      <p:bgPr>
-        <a:blipFill rotWithShape="1">
-          <a:blip r:embed="rId2"/>
-          <a:srcRect l="0" t="0" r="0" b="0"/>
-          <a:stretch>
-            <a:fillRect/>
-          </a:stretch>
-        </a:blipFill>
-      </p:bgPr>
-    </p:bg>
-    <p:spTree>
-      <p:nvGrpSpPr>
-        <p:cNvPr id="1" name=""/>
-        <p:cNvGrpSpPr/>
-        <p:nvPr/>
-      </p:nvGrpSpPr>
-      <p:grpSpPr>
-        <a:xfrm>
-          <a:off x="0" y="0"/>
-          <a:ext cx="0" cy="0"/>
-          <a:chOff x="0" y="0"/>
-          <a:chExt cx="0" cy="0"/>
-        </a:xfrm>
-      </p:grpSpPr>
-      <p:sp>
-        <p:nvSpPr>
-          <p:cNvPr id="189" name="Google Shape;219;g16475793bdd_0_152"/>
-          <p:cNvSpPr txBox="1"/>
-          <p:nvPr>
-            <p:ph type="title"/>
-          </p:nvPr>
-        </p:nvSpPr>
-        <p:spPr>
-          <a:xfrm>
-            <a:off x="2976476" y="523750"/>
-            <a:ext cx="8780700" cy="1325700"/>
-          </a:xfrm>
-          <a:prstGeom prst="rect">
-            <a:avLst/>
-          </a:prstGeom>
-        </p:spPr>
-        <p:txBody>
-          <a:bodyPr/>
-          <a:lstStyle/>
-          <a:p>
-            <a:pPr/>
-            <a:r>
-              <a:t>Referências</a:t>
-            </a:r>
-          </a:p>
-        </p:txBody>
-      </p:sp>
-      <p:sp>
-        <p:nvSpPr>
-          <p:cNvPr id="190" name="Google Shape;220;g16475793bdd_0_152"/>
-          <p:cNvSpPr txBox="1"/>
-          <p:nvPr>
-            <p:ph type="body" idx="1"/>
-          </p:nvPr>
-        </p:nvSpPr>
-        <p:spPr>
-          <a:xfrm>
-            <a:off x="2976474" y="1485875"/>
-            <a:ext cx="8377202" cy="5276401"/>
-          </a:xfrm>
-          <a:prstGeom prst="rect">
-            <a:avLst/>
-          </a:prstGeom>
-        </p:spPr>
-        <p:txBody>
-          <a:bodyPr/>
-          <a:lstStyle/>
-          <a:p>
-            <a:pPr indent="-292100">
-              <a:lnSpc>
-                <a:spcPct val="200000"/>
-              </a:lnSpc>
-              <a:spcBef>
-                <a:spcPts val="0"/>
-              </a:spcBef>
-              <a:buSzPts val="1000"/>
-              <a:defRPr sz="1000"/>
-            </a:pPr>
-            <a:r>
-              <a:t>Pedrosa, Paulo Hc; Nogueira, Tiago. Computação em nuvem. Acesso em, v. 6, 2011.</a:t>
-            </a:r>
-            <a:endParaRPr sz="1200">
-              <a:latin typeface="Times New Roman"/>
-              <a:ea typeface="Times New Roman"/>
-              <a:cs typeface="Times New Roman"/>
-              <a:sym typeface="Times New Roman"/>
-            </a:endParaRPr>
-          </a:p>
-          <a:p>
-            <a:pPr indent="-292100">
-              <a:lnSpc>
-                <a:spcPct val="200000"/>
-              </a:lnSpc>
-              <a:spcBef>
-                <a:spcPts val="0"/>
-              </a:spcBef>
-              <a:buSzPts val="1000"/>
-              <a:defRPr sz="1000"/>
-            </a:pPr>
-            <a:r>
-              <a:t>Russell, Stuart; Norvig, Peter. Inteligência Artificial. 2. Ed. Rio de Janeiro: Campos, 2004.</a:t>
-            </a:r>
-            <a:endParaRPr sz="1200">
-              <a:latin typeface="Times New Roman"/>
-              <a:ea typeface="Times New Roman"/>
-              <a:cs typeface="Times New Roman"/>
-              <a:sym typeface="Times New Roman"/>
-            </a:endParaRPr>
-          </a:p>
-          <a:p>
-            <a:pPr indent="-292100">
-              <a:lnSpc>
-                <a:spcPct val="200000"/>
-              </a:lnSpc>
-              <a:spcBef>
-                <a:spcPts val="0"/>
-              </a:spcBef>
-              <a:buSzPts val="1000"/>
-              <a:defRPr sz="1000"/>
-            </a:pPr>
-            <a:r>
-              <a:t>Sampieri, Roberto Hernandez; Collado, Carlos Fernadez; Lucio, Pilar Batista Otros Metodología de la Investigación, v. 3, 1991.</a:t>
-            </a:r>
-            <a:endParaRPr sz="1200">
-              <a:latin typeface="Times New Roman"/>
-              <a:ea typeface="Times New Roman"/>
-              <a:cs typeface="Times New Roman"/>
-              <a:sym typeface="Times New Roman"/>
-            </a:endParaRPr>
-          </a:p>
-          <a:p>
-            <a:pPr indent="-292100">
-              <a:lnSpc>
-                <a:spcPct val="200000"/>
-              </a:lnSpc>
-              <a:spcBef>
-                <a:spcPts val="0"/>
-              </a:spcBef>
-              <a:buSzPts val="1000"/>
-              <a:defRPr sz="1000"/>
-            </a:pPr>
-            <a:r>
-              <a:t>Silveira, D. T.; Córdova, F. P. A pesquisa científica. In: Gerharddt, T. E. e Silveira, D. T. (org.). Métodos de Pesquisa. Porto Alegre: Editora de UFRGS, P. 31-42, 2009.</a:t>
-            </a:r>
-            <a:endParaRPr sz="1200">
-              <a:latin typeface="Times New Roman"/>
-              <a:ea typeface="Times New Roman"/>
-              <a:cs typeface="Times New Roman"/>
-              <a:sym typeface="Times New Roman"/>
-            </a:endParaRPr>
-          </a:p>
-          <a:p>
-            <a:pPr indent="-292100">
-              <a:lnSpc>
-                <a:spcPct val="200000"/>
-              </a:lnSpc>
-              <a:spcBef>
-                <a:spcPts val="0"/>
-              </a:spcBef>
-              <a:buSzPts val="1000"/>
-              <a:defRPr sz="1000"/>
-            </a:pPr>
-            <a:r>
-              <a:t>Sousa, Flávio RC; Moreira, Leonardo O.; Machado, Javam C. Computação em nuvem: Conceitos, tecnologias, aplicações e desafios. II Escola Regional de Computação Ceará, Maranhão e Piauí (ERCEMAPI), p. 150-175, 2009.</a:t>
-            </a:r>
-            <a:endParaRPr sz="1200">
-              <a:latin typeface="Times New Roman"/>
-              <a:ea typeface="Times New Roman"/>
-              <a:cs typeface="Times New Roman"/>
-              <a:sym typeface="Times New Roman"/>
-            </a:endParaRPr>
-          </a:p>
-          <a:p>
-            <a:pPr indent="-292100">
-              <a:lnSpc>
-                <a:spcPct val="200000"/>
-              </a:lnSpc>
-              <a:spcBef>
-                <a:spcPts val="0"/>
-              </a:spcBef>
-              <a:buSzPts val="1000"/>
-              <a:defRPr sz="1000"/>
-            </a:pPr>
-            <a:r>
-              <a:t>Taurion, Cezar. Cloud computing-computação em nuvem. Brasport, 2009.</a:t>
-            </a:r>
-          </a:p>
-          <a:p>
-            <a:pPr indent="-292100">
-              <a:lnSpc>
-                <a:spcPct val="200000"/>
-              </a:lnSpc>
-              <a:spcBef>
-                <a:spcPts val="0"/>
-              </a:spcBef>
-              <a:buSzPts val="1000"/>
-              <a:defRPr sz="1000"/>
-            </a:pPr>
-            <a:r>
-              <a:t>Toppeta, D. The smart city vision: how innovation and ICT can build smart, “livable”, sustainable cities. The Innovation Knowledge Foundation, 2010.</a:t>
-            </a:r>
-            <a:endParaRPr sz="1200">
-              <a:latin typeface="Times New Roman"/>
-              <a:ea typeface="Times New Roman"/>
-              <a:cs typeface="Times New Roman"/>
-              <a:sym typeface="Times New Roman"/>
-            </a:endParaRPr>
-          </a:p>
-          <a:p>
-            <a:pPr indent="-292100">
-              <a:lnSpc>
-                <a:spcPct val="200000"/>
-              </a:lnSpc>
-              <a:spcBef>
-                <a:spcPts val="0"/>
-              </a:spcBef>
-              <a:buSzPts val="1000"/>
-              <a:defRPr sz="1000"/>
-            </a:pPr>
-            <a:r>
-              <a:t>Tucci, Carlos EM. Hidrologia: ciência e aplicação.; 2. reimpr. Porto Alegre: Ed. Universidade/UFRGS: ABRH, 2001.</a:t>
-            </a:r>
-            <a:endParaRPr sz="1200">
-              <a:latin typeface="Times New Roman"/>
-              <a:ea typeface="Times New Roman"/>
-              <a:cs typeface="Times New Roman"/>
-              <a:sym typeface="Times New Roman"/>
-            </a:endParaRPr>
-          </a:p>
-          <a:p>
-            <a:pPr indent="-292100">
-              <a:lnSpc>
-                <a:spcPct val="200000"/>
-              </a:lnSpc>
-              <a:spcBef>
-                <a:spcPts val="0"/>
-              </a:spcBef>
-              <a:buSzPts val="1000"/>
-              <a:defRPr sz="1000"/>
-            </a:pPr>
-            <a:r>
-              <a:t>Tundisi, José Galizia. Água no século XXI: enfrentando a escassez. 2003.</a:t>
-            </a:r>
-            <a:endParaRPr sz="1200">
-              <a:latin typeface="Times New Roman"/>
-              <a:ea typeface="Times New Roman"/>
-              <a:cs typeface="Times New Roman"/>
-              <a:sym typeface="Times New Roman"/>
-            </a:endParaRPr>
-          </a:p>
-          <a:p>
-            <a:pPr indent="-292100">
-              <a:lnSpc>
-                <a:spcPct val="200000"/>
-              </a:lnSpc>
-              <a:spcBef>
-                <a:spcPts val="0"/>
-              </a:spcBef>
-              <a:buSzPts val="1000"/>
-              <a:defRPr sz="1000"/>
-            </a:pPr>
-            <a:r>
-              <a:t>Ward, Jonathan Stuart; BARKER, Adam. Undefined by data: a survey of big data definitions. arXiv preprint arXiv:1309.5821, 2013. </a:t>
-            </a:r>
-            <a:endParaRPr sz="1200">
-              <a:latin typeface="Times New Roman"/>
-              <a:ea typeface="Times New Roman"/>
-              <a:cs typeface="Times New Roman"/>
-              <a:sym typeface="Times New Roman"/>
-            </a:endParaRPr>
-          </a:p>
-          <a:p>
-            <a:pPr indent="-292100">
-              <a:lnSpc>
-                <a:spcPct val="200000"/>
-              </a:lnSpc>
-              <a:spcBef>
-                <a:spcPts val="0"/>
-              </a:spcBef>
-              <a:buSzPts val="1000"/>
-              <a:defRPr sz="1000"/>
-            </a:pPr>
-            <a:r>
-              <a:t>Yigitcanlar, T.; Kamruzzaman, M.; Buys, L.; Ioppolo, G.; Sabatini-Marques, J., da Costa, M.; Yun, J. J. Understanding ‘smart cities’: Intertwining development drivers with desired outcomes in a multidimensional framework. Cities, v. 81, p. 145-160, 2018.</a:t>
-            </a:r>
-            <a:r>
-              <a:rPr sz="1200">
-                <a:latin typeface="Times Roman"/>
-                <a:ea typeface="Times Roman"/>
-                <a:cs typeface="Times Roman"/>
-                <a:sym typeface="Times Roman"/>
-              </a:rPr>
-              <a:t> </a:t>
-            </a:r>
-          </a:p>
-        </p:txBody>
-      </p:sp>
-    </p:spTree>
-  </p:cSld>
-  <p:clrMapOvr>
-    <a:masterClrMapping/>
-  </p:clrMapOvr>
-  <p:transition xmlns:p14="http://schemas.microsoft.com/office/powerpoint/2010/main" spd="med" advClick="1"/>
-</p:sld>
-</file>
-
-<file path=ppt/slides/slide22.xml><?xml version="1.0" encoding="utf-8"?>
-<p:sld xmlns:a="http://schemas.openxmlformats.org/drawingml/2006/main" xmlns:r="http://schemas.openxmlformats.org/officeDocument/2006/relationships" xmlns:p="http://schemas.openxmlformats.org/presentationml/2006/main" xmlns:m="http://schemas.openxmlformats.org/officeDocument/2006/math" xmlns:a14="http://schemas.microsoft.com/office/drawing/2010/main" showMasterSp="1" showMasterPhAnim="1">
-  <p:cSld>
-    <p:bg>
-      <p:bgPr>
-        <a:blipFill rotWithShape="1">
-          <a:blip r:embed="rId2"/>
-          <a:srcRect l="0" t="0" r="0" b="0"/>
-          <a:stretch>
-            <a:fillRect/>
-          </a:stretch>
-        </a:blipFill>
+        <a:effectLst/>
       </p:bgPr>
     </p:bg>
     <p:spTree>
@@ -6176,7 +6262,9 @@
       <p:sp>
         <p:nvSpPr>
           <p:cNvPr id="192" name="Google Shape;243;g14c9cf1f4b7_0_5"/>
-          <p:cNvSpPr txBox="1"/>
+          <p:cNvSpPr txBox="1">
+            <a:spLocks noGrp="1"/>
+          </p:cNvSpPr>
           <p:nvPr>
             <p:ph type="title"/>
           </p:nvPr>
@@ -6194,7 +6282,6 @@
           <a:bodyPr/>
           <a:lstStyle/>
           <a:p>
-            <a:pPr/>
             <a:r>
               <a:t>Obrigado!</a:t>
             </a:r>
@@ -6206,22 +6293,23 @@
   <p:clrMapOvr>
     <a:masterClrMapping/>
   </p:clrMapOvr>
-  <p:transition xmlns:p14="http://schemas.microsoft.com/office/powerpoint/2010/main" spd="med" advClick="1"/>
+  <p:transition spd="med"/>
 </p:sld>
 </file>
 
 <file path=ppt/slides/slide3.xml><?xml version="1.0" encoding="utf-8"?>
-<p:sld xmlns:a="http://schemas.openxmlformats.org/drawingml/2006/main" xmlns:r="http://schemas.openxmlformats.org/officeDocument/2006/relationships" xmlns:p="http://schemas.openxmlformats.org/presentationml/2006/main" xmlns:m="http://schemas.openxmlformats.org/officeDocument/2006/math" xmlns:a14="http://schemas.microsoft.com/office/drawing/2010/main" showMasterSp="1" showMasterPhAnim="1">
+<p:sld xmlns:a="http://schemas.openxmlformats.org/drawingml/2006/main" xmlns:r="http://schemas.openxmlformats.org/officeDocument/2006/relationships" xmlns:p="http://schemas.openxmlformats.org/presentationml/2006/main">
   <p:cSld>
     <p:bg>
       <p:bgPr>
         <a:blipFill rotWithShape="1">
           <a:blip r:embed="rId2"/>
-          <a:srcRect l="0" t="0" r="0" b="0"/>
+          <a:srcRect/>
           <a:stretch>
             <a:fillRect/>
           </a:stretch>
         </a:blipFill>
+        <a:effectLst/>
       </p:bgPr>
     </p:bg>
     <p:spTree>
@@ -6241,7 +6329,9 @@
       <p:sp>
         <p:nvSpPr>
           <p:cNvPr id="132" name="Google Shape;107;p2"/>
-          <p:cNvSpPr txBox="1"/>
+          <p:cNvSpPr txBox="1">
+            <a:spLocks noGrp="1"/>
+          </p:cNvSpPr>
           <p:nvPr>
             <p:ph type="title"/>
           </p:nvPr>
@@ -6259,7 +6349,6 @@
           <a:bodyPr/>
           <a:lstStyle/>
           <a:p>
-            <a:pPr/>
             <a:r>
               <a:t>Introdução</a:t>
             </a:r>
@@ -6269,7 +6358,9 @@
       <p:sp>
         <p:nvSpPr>
           <p:cNvPr id="133" name="Google Shape;108;p2"/>
-          <p:cNvSpPr txBox="1"/>
+          <p:cNvSpPr txBox="1">
+            <a:spLocks noGrp="1"/>
+          </p:cNvSpPr>
           <p:nvPr>
             <p:ph type="body" idx="1"/>
           </p:nvPr>
@@ -6298,8 +6389,58 @@
               <a:defRPr sz="1800"/>
             </a:pPr>
             <a:r>
-              <a:t>Cidades inteligentes, soluções inovadoras para serviços urbanos melhores</a:t>
-            </a:r>
+              <a:rPr dirty="0" err="1"/>
+              <a:t>Cidades</a:t>
+            </a:r>
+            <a:r>
+              <a:rPr dirty="0"/>
+              <a:t> </a:t>
+            </a:r>
+            <a:r>
+              <a:rPr dirty="0" err="1"/>
+              <a:t>inteligentes</a:t>
+            </a:r>
+            <a:r>
+              <a:rPr dirty="0"/>
+              <a:t>, </a:t>
+            </a:r>
+            <a:r>
+              <a:rPr dirty="0" err="1"/>
+              <a:t>soluções</a:t>
+            </a:r>
+            <a:r>
+              <a:rPr dirty="0"/>
+              <a:t> </a:t>
+            </a:r>
+            <a:r>
+              <a:rPr dirty="0" err="1"/>
+              <a:t>inovadoras</a:t>
+            </a:r>
+            <a:r>
+              <a:rPr dirty="0"/>
+              <a:t> para </a:t>
+            </a:r>
+            <a:r>
+              <a:rPr dirty="0" err="1"/>
+              <a:t>serviços</a:t>
+            </a:r>
+            <a:r>
+              <a:rPr dirty="0"/>
+              <a:t> </a:t>
+            </a:r>
+            <a:r>
+              <a:rPr dirty="0" err="1"/>
+              <a:t>urbanos</a:t>
+            </a:r>
+            <a:r>
+              <a:rPr dirty="0"/>
+              <a:t> </a:t>
+            </a:r>
+            <a:r>
+              <a:rPr dirty="0" err="1"/>
+              <a:t>melhores</a:t>
+            </a:r>
+            <a:endParaRPr dirty="0"/>
           </a:p>
           <a:p>
             <a:pPr>
@@ -6313,7 +6454,28 @@
               <a:defRPr sz="1800"/>
             </a:pPr>
             <a:r>
-              <a:t>Tecnologias da Informação e Comunicação (TIC) </a:t>
+              <a:rPr dirty="0" err="1"/>
+              <a:t>Tecnologias</a:t>
+            </a:r>
+            <a:r>
+              <a:rPr dirty="0"/>
+              <a:t> da </a:t>
+            </a:r>
+            <a:r>
+              <a:rPr dirty="0" err="1"/>
+              <a:t>Informação</a:t>
+            </a:r>
+            <a:r>
+              <a:rPr dirty="0"/>
+              <a:t> e </a:t>
+            </a:r>
+            <a:r>
+              <a:rPr dirty="0" err="1"/>
+              <a:t>Comunicação</a:t>
+            </a:r>
+            <a:r>
+              <a:rPr dirty="0"/>
+              <a:t> (TIC) </a:t>
             </a:r>
           </a:p>
           <a:p>
@@ -6328,8 +6490,22 @@
               <a:defRPr sz="1800"/>
             </a:pPr>
             <a:r>
-              <a:t>Crises hídricas e gestão desafiadora da água</a:t>
-            </a:r>
+              <a:rPr lang="pt-BR" dirty="0"/>
+              <a:t>Gestão </a:t>
+            </a:r>
+            <a:r>
+              <a:rPr dirty="0" err="1"/>
+              <a:t>desafiadora</a:t>
+            </a:r>
+            <a:r>
+              <a:rPr dirty="0"/>
+              <a:t> da </a:t>
+            </a:r>
+            <a:r>
+              <a:rPr dirty="0" err="1"/>
+              <a:t>água</a:t>
+            </a:r>
+            <a:endParaRPr dirty="0"/>
           </a:p>
           <a:p>
             <a:pPr>
@@ -6343,8 +6519,10 @@
               <a:defRPr sz="1800"/>
             </a:pPr>
             <a:r>
-              <a:t>Segurança hídrica e bacias hidrográficas</a:t>
-            </a:r>
+              <a:rPr lang="pt-BR" dirty="0"/>
+              <a:t>Bacias hidrográficas e segurança hídrica</a:t>
+            </a:r>
+            <a:endParaRPr dirty="0"/>
           </a:p>
           <a:p>
             <a:pPr>
@@ -6358,8 +6536,34 @@
               <a:defRPr sz="1800"/>
             </a:pPr>
             <a:r>
-              <a:t>Utilização do conceito de cidades inteligentes</a:t>
-            </a:r>
+              <a:rPr dirty="0" err="1"/>
+              <a:t>Utilização</a:t>
+            </a:r>
+            <a:r>
+              <a:rPr dirty="0"/>
+              <a:t> do </a:t>
+            </a:r>
+            <a:r>
+              <a:rPr dirty="0" err="1"/>
+              <a:t>conceito</a:t>
+            </a:r>
+            <a:r>
+              <a:rPr dirty="0"/>
+              <a:t> de </a:t>
+            </a:r>
+            <a:r>
+              <a:rPr dirty="0" err="1"/>
+              <a:t>cidades</a:t>
+            </a:r>
+            <a:r>
+              <a:rPr dirty="0"/>
+              <a:t> </a:t>
+            </a:r>
+            <a:r>
+              <a:rPr dirty="0" err="1"/>
+              <a:t>inteligentes</a:t>
+            </a:r>
+            <a:endParaRPr dirty="0"/>
           </a:p>
           <a:p>
             <a:pPr>
@@ -6373,8 +6577,34 @@
               <a:defRPr sz="1800"/>
             </a:pPr>
             <a:r>
-              <a:t>Bacias hidrográficas inteligentes e sustentáveis</a:t>
-            </a:r>
+              <a:rPr dirty="0" err="1"/>
+              <a:t>Bacias</a:t>
+            </a:r>
+            <a:r>
+              <a:rPr dirty="0"/>
+              <a:t> </a:t>
+            </a:r>
+            <a:r>
+              <a:rPr dirty="0" err="1"/>
+              <a:t>hidrográficas</a:t>
+            </a:r>
+            <a:r>
+              <a:rPr dirty="0"/>
+              <a:t> </a:t>
+            </a:r>
+            <a:r>
+              <a:rPr dirty="0" err="1"/>
+              <a:t>inteligentes</a:t>
+            </a:r>
+            <a:r>
+              <a:rPr dirty="0"/>
+              <a:t> e </a:t>
+            </a:r>
+            <a:r>
+              <a:rPr dirty="0" err="1"/>
+              <a:t>sustentáveis</a:t>
+            </a:r>
+            <a:endParaRPr dirty="0"/>
           </a:p>
         </p:txBody>
       </p:sp>
@@ -6383,22 +6613,23 @@
   <p:clrMapOvr>
     <a:masterClrMapping/>
   </p:clrMapOvr>
-  <p:transition xmlns:p14="http://schemas.microsoft.com/office/powerpoint/2010/main" spd="med" advClick="1"/>
+  <p:transition spd="med"/>
 </p:sld>
 </file>
 
 <file path=ppt/slides/slide4.xml><?xml version="1.0" encoding="utf-8"?>
-<p:sld xmlns:a="http://schemas.openxmlformats.org/drawingml/2006/main" xmlns:r="http://schemas.openxmlformats.org/officeDocument/2006/relationships" xmlns:p="http://schemas.openxmlformats.org/presentationml/2006/main" xmlns:m="http://schemas.openxmlformats.org/officeDocument/2006/math" xmlns:a14="http://schemas.microsoft.com/office/drawing/2010/main" showMasterSp="1" showMasterPhAnim="1">
+<p:sld xmlns:a="http://schemas.openxmlformats.org/drawingml/2006/main" xmlns:r="http://schemas.openxmlformats.org/officeDocument/2006/relationships" xmlns:p="http://schemas.openxmlformats.org/presentationml/2006/main">
   <p:cSld>
     <p:bg>
       <p:bgPr>
         <a:blipFill rotWithShape="1">
           <a:blip r:embed="rId2"/>
-          <a:srcRect l="0" t="0" r="0" b="0"/>
+          <a:srcRect/>
           <a:stretch>
             <a:fillRect/>
           </a:stretch>
         </a:blipFill>
+        <a:effectLst/>
       </p:bgPr>
     </p:bg>
     <p:spTree>
@@ -6418,7 +6649,9 @@
       <p:sp>
         <p:nvSpPr>
           <p:cNvPr id="135" name="Google Shape;113;g16475793bdd_0_22"/>
-          <p:cNvSpPr txBox="1"/>
+          <p:cNvSpPr txBox="1">
+            <a:spLocks noGrp="1"/>
+          </p:cNvSpPr>
           <p:nvPr>
             <p:ph type="title"/>
           </p:nvPr>
@@ -6436,7 +6669,6 @@
           <a:bodyPr/>
           <a:lstStyle/>
           <a:p>
-            <a:pPr/>
             <a:r>
               <a:t>Objetivo</a:t>
             </a:r>
@@ -6446,7 +6678,9 @@
       <p:sp>
         <p:nvSpPr>
           <p:cNvPr id="136" name="Google Shape;114;g16475793bdd_0_22"/>
-          <p:cNvSpPr txBox="1"/>
+          <p:cNvSpPr txBox="1">
+            <a:spLocks noGrp="1"/>
+          </p:cNvSpPr>
           <p:nvPr>
             <p:ph type="body" idx="1"/>
           </p:nvPr>
@@ -6472,7 +6706,6 @@
             </a:lvl1pPr>
           </a:lstStyle>
           <a:p>
-            <a:pPr/>
             <a:r>
               <a:t>Esse trabalho tem como objetivo relacionar alguns conceitos e aplicações de cidades inteligentes que podem ser aplicados em bacias hidrográficas para se obter uma melhor gestão de recursos hídricos e, com a utilização de TIC, conceituar Bacias Hidrográficas Inteligentes e Sustentáveis. </a:t>
             </a:r>
@@ -6484,22 +6717,23 @@
   <p:clrMapOvr>
     <a:masterClrMapping/>
   </p:clrMapOvr>
-  <p:transition xmlns:p14="http://schemas.microsoft.com/office/powerpoint/2010/main" spd="med" advClick="1"/>
+  <p:transition spd="med"/>
 </p:sld>
 </file>
 
 <file path=ppt/slides/slide5.xml><?xml version="1.0" encoding="utf-8"?>
-<p:sld xmlns:a="http://schemas.openxmlformats.org/drawingml/2006/main" xmlns:r="http://schemas.openxmlformats.org/officeDocument/2006/relationships" xmlns:p="http://schemas.openxmlformats.org/presentationml/2006/main" xmlns:m="http://schemas.openxmlformats.org/officeDocument/2006/math" xmlns:a14="http://schemas.microsoft.com/office/drawing/2010/main" showMasterSp="1" showMasterPhAnim="1">
+<p:sld xmlns:a="http://schemas.openxmlformats.org/drawingml/2006/main" xmlns:r="http://schemas.openxmlformats.org/officeDocument/2006/relationships" xmlns:p="http://schemas.openxmlformats.org/presentationml/2006/main">
   <p:cSld>
     <p:bg>
       <p:bgPr>
         <a:blipFill rotWithShape="1">
           <a:blip r:embed="rId2"/>
-          <a:srcRect l="0" t="0" r="0" b="0"/>
+          <a:srcRect/>
           <a:stretch>
             <a:fillRect/>
           </a:stretch>
         </a:blipFill>
+        <a:effectLst/>
       </p:bgPr>
     </p:bg>
     <p:spTree>
@@ -6519,7 +6753,9 @@
       <p:sp>
         <p:nvSpPr>
           <p:cNvPr id="138" name="Google Shape;119;g16475793bdd_0_33"/>
-          <p:cNvSpPr txBox="1"/>
+          <p:cNvSpPr txBox="1">
+            <a:spLocks noGrp="1"/>
+          </p:cNvSpPr>
           <p:nvPr>
             <p:ph type="title"/>
           </p:nvPr>
@@ -6537,7 +6773,6 @@
           <a:bodyPr/>
           <a:lstStyle/>
           <a:p>
-            <a:pPr/>
             <a:r>
               <a:t>Fundamentação Teórica</a:t>
             </a:r>
@@ -6547,7 +6782,9 @@
       <p:sp>
         <p:nvSpPr>
           <p:cNvPr id="139" name="Google Shape;120;g16475793bdd_0_33"/>
-          <p:cNvSpPr txBox="1"/>
+          <p:cNvSpPr txBox="1">
+            <a:spLocks noGrp="1"/>
+          </p:cNvSpPr>
           <p:nvPr>
             <p:ph type="body" idx="1"/>
           </p:nvPr>
@@ -6562,7 +6799,9 @@
           </a:prstGeom>
         </p:spPr>
         <p:txBody>
-          <a:bodyPr/>
+          <a:bodyPr>
+            <a:normAutofit lnSpcReduction="10000"/>
+          </a:bodyPr>
           <a:lstStyle/>
           <a:p>
             <a:pPr>
@@ -6576,11 +6815,45 @@
               <a:defRPr sz="1800"/>
             </a:pPr>
             <a:r>
-              <a:t>Cidades Inteligentes, conceitos, tecnologias e aplicações</a:t>
-            </a:r>
-          </a:p>
-          <a:p>
-            <a:pPr lvl="1" marL="914400" indent="-342900">
+              <a:rPr dirty="0" err="1"/>
+              <a:t>Cidades</a:t>
+            </a:r>
+            <a:r>
+              <a:rPr dirty="0"/>
+              <a:t> </a:t>
+            </a:r>
+            <a:r>
+              <a:rPr dirty="0" err="1"/>
+              <a:t>Inteligentes</a:t>
+            </a:r>
+            <a:r>
+              <a:rPr dirty="0"/>
+              <a:t>, </a:t>
+            </a:r>
+            <a:r>
+              <a:rPr dirty="0" err="1"/>
+              <a:t>conceitos</a:t>
+            </a:r>
+            <a:r>
+              <a:rPr dirty="0"/>
+              <a:t>, </a:t>
+            </a:r>
+            <a:r>
+              <a:rPr dirty="0" err="1"/>
+              <a:t>tecnologias</a:t>
+            </a:r>
+            <a:r>
+              <a:rPr dirty="0"/>
+              <a:t> e </a:t>
+            </a:r>
+            <a:r>
+              <a:rPr dirty="0" err="1"/>
+              <a:t>aplicações</a:t>
+            </a:r>
+            <a:endParaRPr dirty="0"/>
+          </a:p>
+          <a:p>
+            <a:pPr marL="914400" lvl="1" indent="-342900">
               <a:lnSpc>
                 <a:spcPct val="200000"/>
               </a:lnSpc>
@@ -6591,11 +6864,36 @@
               <a:defRPr sz="1800"/>
             </a:pPr>
             <a:r>
-              <a:t>Internet of Things (IoT)</a:t>
-            </a:r>
-          </a:p>
-          <a:p>
-            <a:pPr lvl="1" marL="914400" indent="-342900">
+              <a:rPr lang="pt-BR" dirty="0"/>
+              <a:t>Internet </a:t>
+            </a:r>
+            <a:r>
+              <a:rPr lang="pt-BR" dirty="0" err="1"/>
+              <a:t>of</a:t>
+            </a:r>
+            <a:r>
+              <a:rPr lang="pt-BR" dirty="0"/>
+              <a:t> </a:t>
+            </a:r>
+            <a:r>
+              <a:rPr lang="pt-BR" dirty="0" err="1"/>
+              <a:t>Things</a:t>
+            </a:r>
+            <a:r>
+              <a:rPr lang="pt-BR" dirty="0"/>
+              <a:t> (</a:t>
+            </a:r>
+            <a:r>
+              <a:rPr lang="pt-BR" dirty="0" err="1"/>
+              <a:t>IoT</a:t>
+            </a:r>
+            <a:r>
+              <a:rPr lang="pt-BR" dirty="0"/>
+              <a:t>)</a:t>
+            </a:r>
+          </a:p>
+          <a:p>
+            <a:pPr marL="914400" lvl="1" indent="-342900">
               <a:lnSpc>
                 <a:spcPct val="200000"/>
               </a:lnSpc>
@@ -6606,11 +6904,12 @@
               <a:defRPr sz="1800"/>
             </a:pPr>
             <a:r>
-              <a:t>BigData</a:t>
-            </a:r>
-          </a:p>
-          <a:p>
-            <a:pPr lvl="1" marL="914400" indent="-342900">
+              <a:rPr lang="pt-BR" dirty="0"/>
+              <a:t>Big Data</a:t>
+            </a:r>
+          </a:p>
+          <a:p>
+            <a:pPr marL="914400" lvl="1" indent="-342900">
               <a:lnSpc>
                 <a:spcPct val="200000"/>
               </a:lnSpc>
@@ -6621,11 +6920,12 @@
               <a:defRPr sz="1800"/>
             </a:pPr>
             <a:r>
+              <a:rPr lang="pt-BR" dirty="0"/>
               <a:t>Computação em Nuvem</a:t>
             </a:r>
           </a:p>
           <a:p>
-            <a:pPr lvl="1" marL="914400" indent="-342900">
+            <a:pPr marL="914400" lvl="1" indent="-342900">
               <a:lnSpc>
                 <a:spcPct val="200000"/>
               </a:lnSpc>
@@ -6636,6 +6936,7 @@
               <a:defRPr sz="1800"/>
             </a:pPr>
             <a:r>
+              <a:rPr lang="pt-BR" dirty="0"/>
               <a:t>Inteligência Artificial</a:t>
             </a:r>
           </a:p>
@@ -6651,11 +6952,45 @@
               <a:defRPr sz="1800"/>
             </a:pPr>
             <a:r>
-              <a:t>Bacias Hidrográficas e gestão dos recursos hídricos</a:t>
-            </a:r>
-          </a:p>
-          <a:p>
-            <a:pPr lvl="1" marL="914400" indent="-342900">
+              <a:rPr dirty="0" err="1"/>
+              <a:t>Bacias</a:t>
+            </a:r>
+            <a:r>
+              <a:rPr dirty="0"/>
+              <a:t> </a:t>
+            </a:r>
+            <a:r>
+              <a:rPr dirty="0" err="1"/>
+              <a:t>Hidrográficas</a:t>
+            </a:r>
+            <a:r>
+              <a:rPr dirty="0"/>
+              <a:t> e </a:t>
+            </a:r>
+            <a:r>
+              <a:rPr dirty="0" err="1"/>
+              <a:t>gestão</a:t>
+            </a:r>
+            <a:r>
+              <a:rPr dirty="0"/>
+              <a:t> dos </a:t>
+            </a:r>
+            <a:r>
+              <a:rPr dirty="0" err="1"/>
+              <a:t>recursos</a:t>
+            </a:r>
+            <a:r>
+              <a:rPr dirty="0"/>
+              <a:t> </a:t>
+            </a:r>
+            <a:r>
+              <a:rPr dirty="0" err="1"/>
+              <a:t>hídricos</a:t>
+            </a:r>
+            <a:endParaRPr dirty="0"/>
+          </a:p>
+          <a:p>
+            <a:pPr marL="914400" lvl="1" indent="-342900">
               <a:lnSpc>
                 <a:spcPct val="200000"/>
               </a:lnSpc>
@@ -6666,11 +7001,24 @@
               <a:defRPr sz="1800"/>
             </a:pPr>
             <a:r>
-              <a:t>Gestão hídrica </a:t>
-            </a:r>
-          </a:p>
-          <a:p>
-            <a:pPr lvl="1" marL="914400" indent="-342900">
+              <a:rPr dirty="0" err="1"/>
+              <a:t>Gestão</a:t>
+            </a:r>
+            <a:r>
+              <a:rPr dirty="0"/>
+              <a:t> </a:t>
+            </a:r>
+            <a:r>
+              <a:rPr dirty="0" err="1"/>
+              <a:t>hídrica</a:t>
+            </a:r>
+            <a:r>
+              <a:rPr dirty="0"/>
+              <a:t> </a:t>
+            </a:r>
+          </a:p>
+          <a:p>
+            <a:pPr marL="914400" lvl="1" indent="-342900">
               <a:lnSpc>
                 <a:spcPct val="200000"/>
               </a:lnSpc>
@@ -6681,8 +7029,18 @@
               <a:defRPr sz="1800"/>
             </a:pPr>
             <a:r>
-              <a:t>Segurança Hídrica</a:t>
-            </a:r>
+              <a:rPr dirty="0" err="1"/>
+              <a:t>Segurança</a:t>
+            </a:r>
+            <a:r>
+              <a:rPr dirty="0"/>
+              <a:t> </a:t>
+            </a:r>
+            <a:r>
+              <a:rPr dirty="0" err="1"/>
+              <a:t>Hídrica</a:t>
+            </a:r>
+            <a:endParaRPr dirty="0"/>
           </a:p>
         </p:txBody>
       </p:sp>
@@ -6691,22 +7049,23 @@
   <p:clrMapOvr>
     <a:masterClrMapping/>
   </p:clrMapOvr>
-  <p:transition xmlns:p14="http://schemas.microsoft.com/office/powerpoint/2010/main" spd="med" advClick="1"/>
+  <p:transition spd="med"/>
 </p:sld>
 </file>
 
 <file path=ppt/slides/slide6.xml><?xml version="1.0" encoding="utf-8"?>
-<p:sld xmlns:a="http://schemas.openxmlformats.org/drawingml/2006/main" xmlns:r="http://schemas.openxmlformats.org/officeDocument/2006/relationships" xmlns:p="http://schemas.openxmlformats.org/presentationml/2006/main" xmlns:m="http://schemas.openxmlformats.org/officeDocument/2006/math" xmlns:a14="http://schemas.microsoft.com/office/drawing/2010/main" showMasterSp="1" showMasterPhAnim="1">
+<p:sld xmlns:a="http://schemas.openxmlformats.org/drawingml/2006/main" xmlns:r="http://schemas.openxmlformats.org/officeDocument/2006/relationships" xmlns:p="http://schemas.openxmlformats.org/presentationml/2006/main">
   <p:cSld>
     <p:bg>
       <p:bgPr>
         <a:blipFill rotWithShape="1">
           <a:blip r:embed="rId2"/>
-          <a:srcRect l="0" t="0" r="0" b="0"/>
+          <a:srcRect/>
           <a:stretch>
             <a:fillRect/>
           </a:stretch>
         </a:blipFill>
+        <a:effectLst/>
       </p:bgPr>
     </p:bg>
     <p:spTree>
@@ -6726,7 +7085,9 @@
       <p:sp>
         <p:nvSpPr>
           <p:cNvPr id="141" name="Google Shape;125;g16475793bdd_0_41"/>
-          <p:cNvSpPr txBox="1"/>
+          <p:cNvSpPr txBox="1">
+            <a:spLocks noGrp="1"/>
+          </p:cNvSpPr>
           <p:nvPr>
             <p:ph type="title"/>
           </p:nvPr>
@@ -6744,7 +7105,6 @@
           <a:bodyPr/>
           <a:lstStyle/>
           <a:p>
-            <a:pPr/>
             <a:r>
               <a:t>Cidades Inteligentes, conceitos, tecnologias e aplicações</a:t>
             </a:r>
@@ -6754,7 +7114,9 @@
       <p:sp>
         <p:nvSpPr>
           <p:cNvPr id="142" name="Google Shape;126;g16475793bdd_0_41"/>
-          <p:cNvSpPr txBox="1"/>
+          <p:cNvSpPr txBox="1">
+            <a:spLocks noGrp="1"/>
+          </p:cNvSpPr>
           <p:nvPr>
             <p:ph type="body" idx="1"/>
           </p:nvPr>
@@ -6783,7 +7145,108 @@
               <a:defRPr sz="1800"/>
             </a:pPr>
             <a:r>
-              <a:t>Cidades inteligentes possuem uma base estrutural tecnológica, esta estrutura envolve dispositivos eletrônicos para coleta, processamento e transmissão de dados.</a:t>
+              <a:rPr dirty="0" err="1"/>
+              <a:t>Cidades</a:t>
+            </a:r>
+            <a:r>
+              <a:rPr dirty="0"/>
+              <a:t> </a:t>
+            </a:r>
+            <a:r>
+              <a:rPr dirty="0" err="1"/>
+              <a:t>inteligentes</a:t>
+            </a:r>
+            <a:r>
+              <a:rPr dirty="0"/>
+              <a:t> </a:t>
+            </a:r>
+            <a:r>
+              <a:rPr dirty="0" err="1"/>
+              <a:t>possuem</a:t>
+            </a:r>
+            <a:r>
+              <a:rPr dirty="0"/>
+              <a:t> </a:t>
+            </a:r>
+            <a:r>
+              <a:rPr dirty="0" err="1"/>
+              <a:t>uma</a:t>
+            </a:r>
+            <a:r>
+              <a:rPr dirty="0"/>
+              <a:t> base </a:t>
+            </a:r>
+            <a:r>
+              <a:rPr dirty="0" err="1"/>
+              <a:t>estrutural</a:t>
+            </a:r>
+            <a:r>
+              <a:rPr dirty="0"/>
+              <a:t> </a:t>
+            </a:r>
+            <a:r>
+              <a:rPr dirty="0" err="1"/>
+              <a:t>tecnológica</a:t>
+            </a:r>
+            <a:r>
+              <a:rPr dirty="0"/>
+              <a:t>, </a:t>
+            </a:r>
+            <a:r>
+              <a:rPr dirty="0" err="1"/>
+              <a:t>esta</a:t>
+            </a:r>
+            <a:r>
+              <a:rPr dirty="0"/>
+              <a:t> </a:t>
+            </a:r>
+            <a:r>
+              <a:rPr dirty="0" err="1"/>
+              <a:t>estrutura</a:t>
+            </a:r>
+            <a:r>
+              <a:rPr dirty="0"/>
+              <a:t> </a:t>
+            </a:r>
+            <a:r>
+              <a:rPr dirty="0" err="1"/>
+              <a:t>envolve</a:t>
+            </a:r>
+            <a:r>
+              <a:rPr dirty="0"/>
+              <a:t> </a:t>
+            </a:r>
+            <a:r>
+              <a:rPr dirty="0" err="1"/>
+              <a:t>dispositivos</a:t>
+            </a:r>
+            <a:r>
+              <a:rPr dirty="0"/>
+              <a:t> </a:t>
+            </a:r>
+            <a:r>
+              <a:rPr dirty="0" err="1"/>
+              <a:t>eletrônicos</a:t>
+            </a:r>
+            <a:r>
+              <a:rPr dirty="0"/>
+              <a:t> para coleta, </a:t>
+            </a:r>
+            <a:r>
+              <a:rPr dirty="0" err="1"/>
+              <a:t>processamento</a:t>
+            </a:r>
+            <a:r>
+              <a:rPr dirty="0"/>
+              <a:t> e </a:t>
+            </a:r>
+            <a:r>
+              <a:rPr dirty="0" err="1"/>
+              <a:t>transmissão</a:t>
+            </a:r>
+            <a:r>
+              <a:rPr dirty="0"/>
+              <a:t> de dados.</a:t>
             </a:r>
           </a:p>
           <a:p>
@@ -6798,7 +7261,100 @@
               <a:defRPr sz="1800"/>
             </a:pPr>
             <a:r>
-              <a:t>Objetivo: estimular inovações, promover transparência, inclusão e eficiência nas esferas governamentais, empresariais e sociais.</a:t>
+              <a:rPr dirty="0" err="1"/>
+              <a:t>Objetivo</a:t>
+            </a:r>
+            <a:r>
+              <a:rPr dirty="0"/>
+              <a:t>: </a:t>
+            </a:r>
+            <a:r>
+              <a:rPr dirty="0" err="1"/>
+              <a:t>estimular</a:t>
+            </a:r>
+            <a:r>
+              <a:rPr dirty="0"/>
+              <a:t> </a:t>
+            </a:r>
+            <a:r>
+              <a:rPr dirty="0" err="1"/>
+              <a:t>inovações</a:t>
+            </a:r>
+            <a:r>
+              <a:rPr dirty="0"/>
+              <a:t>, </a:t>
+            </a:r>
+            <a:r>
+              <a:rPr dirty="0" err="1"/>
+              <a:t>promover</a:t>
+            </a:r>
+            <a:r>
+              <a:rPr dirty="0"/>
+              <a:t> </a:t>
+            </a:r>
+            <a:r>
+              <a:rPr dirty="0" err="1"/>
+              <a:t>transparência</a:t>
+            </a:r>
+            <a:r>
+              <a:rPr dirty="0"/>
+              <a:t>, </a:t>
+            </a:r>
+            <a:r>
+              <a:rPr dirty="0" err="1"/>
+              <a:t>inclusão</a:t>
+            </a:r>
+            <a:r>
+              <a:rPr dirty="0"/>
+              <a:t> e </a:t>
+            </a:r>
+            <a:r>
+              <a:rPr dirty="0" err="1"/>
+              <a:t>eficiência</a:t>
+            </a:r>
+            <a:r>
+              <a:rPr dirty="0"/>
+              <a:t> </a:t>
+            </a:r>
+            <a:r>
+              <a:rPr dirty="0" err="1"/>
+              <a:t>nas</a:t>
+            </a:r>
+            <a:r>
+              <a:rPr dirty="0"/>
+              <a:t> </a:t>
+            </a:r>
+            <a:r>
+              <a:rPr dirty="0" err="1"/>
+              <a:t>esferas</a:t>
+            </a:r>
+            <a:r>
+              <a:rPr dirty="0"/>
+              <a:t> </a:t>
+            </a:r>
+            <a:r>
+              <a:rPr dirty="0" err="1"/>
+              <a:t>governamentais</a:t>
+            </a:r>
+            <a:r>
+              <a:rPr dirty="0"/>
+              <a:t>, </a:t>
+            </a:r>
+            <a:r>
+              <a:rPr dirty="0" err="1"/>
+              <a:t>empresariais</a:t>
+            </a:r>
+            <a:r>
+              <a:rPr dirty="0"/>
+              <a:t> e </a:t>
+            </a:r>
+            <a:r>
+              <a:rPr dirty="0" err="1"/>
+              <a:t>sociais</a:t>
+            </a:r>
+            <a:r>
+              <a:rPr dirty="0"/>
+              <a:t>.</a:t>
             </a:r>
           </a:p>
           <a:p>
@@ -6813,7 +7369,52 @@
               <a:defRPr sz="1800"/>
             </a:pPr>
             <a:r>
-              <a:t>Tecnologias-chave: Internet das Coisas (IoT), Big Data, Computação em Nuvem e Inteligência Artificial (IA).</a:t>
+              <a:rPr dirty="0" err="1"/>
+              <a:t>Tecnologias-chave</a:t>
+            </a:r>
+            <a:r>
+              <a:rPr dirty="0"/>
+              <a:t>: Internet das </a:t>
+            </a:r>
+            <a:r>
+              <a:rPr dirty="0" err="1"/>
+              <a:t>Coisas</a:t>
+            </a:r>
+            <a:r>
+              <a:rPr dirty="0"/>
+              <a:t> (IoT), Big Data, </a:t>
+            </a:r>
+            <a:r>
+              <a:rPr dirty="0" err="1"/>
+              <a:t>Computação</a:t>
+            </a:r>
+            <a:r>
+              <a:rPr dirty="0"/>
+              <a:t> </a:t>
+            </a:r>
+            <a:r>
+              <a:rPr dirty="0" err="1"/>
+              <a:t>em</a:t>
+            </a:r>
+            <a:r>
+              <a:rPr dirty="0"/>
+              <a:t> </a:t>
+            </a:r>
+            <a:r>
+              <a:rPr dirty="0" err="1"/>
+              <a:t>Nuvem</a:t>
+            </a:r>
+            <a:r>
+              <a:rPr dirty="0"/>
+              <a:t> e </a:t>
+            </a:r>
+            <a:r>
+              <a:rPr dirty="0" err="1"/>
+              <a:t>Inteligência</a:t>
+            </a:r>
+            <a:r>
+              <a:rPr dirty="0"/>
+              <a:t> Artificial (IA).</a:t>
             </a:r>
           </a:p>
         </p:txBody>
@@ -6823,256 +7424,23 @@
   <p:clrMapOvr>
     <a:masterClrMapping/>
   </p:clrMapOvr>
-  <p:transition xmlns:p14="http://schemas.microsoft.com/office/powerpoint/2010/main" spd="med" advClick="1"/>
+  <p:transition spd="med"/>
 </p:sld>
 </file>
 
 <file path=ppt/slides/slide7.xml><?xml version="1.0" encoding="utf-8"?>
-<p:sld xmlns:a="http://schemas.openxmlformats.org/drawingml/2006/main" xmlns:r="http://schemas.openxmlformats.org/officeDocument/2006/relationships" xmlns:p="http://schemas.openxmlformats.org/presentationml/2006/main" xmlns:m="http://schemas.openxmlformats.org/officeDocument/2006/math" xmlns:a14="http://schemas.microsoft.com/office/drawing/2010/main" showMasterSp="1" showMasterPhAnim="1">
+<p:sld xmlns:a="http://schemas.openxmlformats.org/drawingml/2006/main" xmlns:r="http://schemas.openxmlformats.org/officeDocument/2006/relationships" xmlns:p="http://schemas.openxmlformats.org/presentationml/2006/main">
   <p:cSld>
     <p:bg>
       <p:bgPr>
         <a:blipFill rotWithShape="1">
           <a:blip r:embed="rId2"/>
-          <a:srcRect l="0" t="0" r="0" b="0"/>
+          <a:srcRect/>
           <a:stretch>
             <a:fillRect/>
           </a:stretch>
         </a:blipFill>
-      </p:bgPr>
-    </p:bg>
-    <p:spTree>
-      <p:nvGrpSpPr>
-        <p:cNvPr id="1" name=""/>
-        <p:cNvGrpSpPr/>
-        <p:nvPr/>
-      </p:nvGrpSpPr>
-      <p:grpSpPr>
-        <a:xfrm>
-          <a:off x="0" y="0"/>
-          <a:ext cx="0" cy="0"/>
-          <a:chOff x="0" y="0"/>
-          <a:chExt cx="0" cy="0"/>
-        </a:xfrm>
-      </p:grpSpPr>
-      <p:sp>
-        <p:nvSpPr>
-          <p:cNvPr id="144" name="Google Shape;131;g16475793bdd_0_47"/>
-          <p:cNvSpPr txBox="1"/>
-          <p:nvPr>
-            <p:ph type="title"/>
-          </p:nvPr>
-        </p:nvSpPr>
-        <p:spPr>
-          <a:xfrm>
-            <a:off x="2976463" y="523745"/>
-            <a:ext cx="8377202" cy="1325701"/>
-          </a:xfrm>
-          <a:prstGeom prst="rect">
-            <a:avLst/>
-          </a:prstGeom>
-        </p:spPr>
-        <p:txBody>
-          <a:bodyPr/>
-          <a:lstStyle/>
-          <a:p>
-            <a:pPr/>
-            <a:r>
-              <a:t>Cidades Inteligentes, conceitos, tecnologias e aplicações</a:t>
-            </a:r>
-          </a:p>
-        </p:txBody>
-      </p:sp>
-      <p:sp>
-        <p:nvSpPr>
-          <p:cNvPr id="145" name="Google Shape;132;g16475793bdd_0_47"/>
-          <p:cNvSpPr txBox="1"/>
-          <p:nvPr>
-            <p:ph type="body" idx="1"/>
-          </p:nvPr>
-        </p:nvSpPr>
-        <p:spPr>
-          <a:xfrm>
-            <a:off x="2976463" y="2136644"/>
-            <a:ext cx="8377202" cy="4351201"/>
-          </a:xfrm>
-          <a:prstGeom prst="rect">
-            <a:avLst/>
-          </a:prstGeom>
-        </p:spPr>
-        <p:txBody>
-          <a:bodyPr/>
-          <a:lstStyle/>
-          <a:p>
-            <a:pPr>
-              <a:lnSpc>
-                <a:spcPct val="200000"/>
-              </a:lnSpc>
-              <a:spcBef>
-                <a:spcPts val="0"/>
-              </a:spcBef>
-              <a:buSzPts val="1800"/>
-              <a:defRPr sz="1800"/>
-            </a:pPr>
-            <a:r>
-              <a:t>Internet of Things: </a:t>
-            </a:r>
-          </a:p>
-          <a:p>
-            <a:pPr>
-              <a:lnSpc>
-                <a:spcPct val="200000"/>
-              </a:lnSpc>
-              <a:spcBef>
-                <a:spcPts val="0"/>
-              </a:spcBef>
-              <a:buSzPts val="1800"/>
-              <a:defRPr sz="1800"/>
-            </a:pPr>
-            <a:r>
-              <a:t>Big Data:</a:t>
-            </a:r>
-          </a:p>
-        </p:txBody>
-      </p:sp>
-    </p:spTree>
-  </p:cSld>
-  <p:clrMapOvr>
-    <a:masterClrMapping/>
-  </p:clrMapOvr>
-  <p:transition xmlns:p14="http://schemas.microsoft.com/office/powerpoint/2010/main" spd="med" advClick="1"/>
-</p:sld>
-</file>
-
-<file path=ppt/slides/slide8.xml><?xml version="1.0" encoding="utf-8"?>
-<p:sld xmlns:a="http://schemas.openxmlformats.org/drawingml/2006/main" xmlns:r="http://schemas.openxmlformats.org/officeDocument/2006/relationships" xmlns:p="http://schemas.openxmlformats.org/presentationml/2006/main" xmlns:m="http://schemas.openxmlformats.org/officeDocument/2006/math" xmlns:a14="http://schemas.microsoft.com/office/drawing/2010/main" showMasterSp="1" showMasterPhAnim="1">
-  <p:cSld>
-    <p:bg>
-      <p:bgPr>
-        <a:blipFill rotWithShape="1">
-          <a:blip r:embed="rId2"/>
-          <a:srcRect l="0" t="0" r="0" b="0"/>
-          <a:stretch>
-            <a:fillRect/>
-          </a:stretch>
-        </a:blipFill>
-      </p:bgPr>
-    </p:bg>
-    <p:spTree>
-      <p:nvGrpSpPr>
-        <p:cNvPr id="1" name=""/>
-        <p:cNvGrpSpPr/>
-        <p:nvPr/>
-      </p:nvGrpSpPr>
-      <p:grpSpPr>
-        <a:xfrm>
-          <a:off x="0" y="0"/>
-          <a:ext cx="0" cy="0"/>
-          <a:chOff x="0" y="0"/>
-          <a:chExt cx="0" cy="0"/>
-        </a:xfrm>
-      </p:grpSpPr>
-      <p:sp>
-        <p:nvSpPr>
-          <p:cNvPr id="147" name="Google Shape;131;g16475793bdd_0_47"/>
-          <p:cNvSpPr txBox="1"/>
-          <p:nvPr>
-            <p:ph type="title"/>
-          </p:nvPr>
-        </p:nvSpPr>
-        <p:spPr>
-          <a:xfrm>
-            <a:off x="2976463" y="523745"/>
-            <a:ext cx="8377202" cy="1325701"/>
-          </a:xfrm>
-          <a:prstGeom prst="rect">
-            <a:avLst/>
-          </a:prstGeom>
-        </p:spPr>
-        <p:txBody>
-          <a:bodyPr/>
-          <a:lstStyle/>
-          <a:p>
-            <a:pPr/>
-            <a:r>
-              <a:t>Cidades Inteligentes, conceitos, tecnologias e aplicações</a:t>
-            </a:r>
-          </a:p>
-        </p:txBody>
-      </p:sp>
-      <p:sp>
-        <p:nvSpPr>
-          <p:cNvPr id="148" name="Google Shape;132;g16475793bdd_0_47"/>
-          <p:cNvSpPr txBox="1"/>
-          <p:nvPr>
-            <p:ph type="body" idx="1"/>
-          </p:nvPr>
-        </p:nvSpPr>
-        <p:spPr>
-          <a:xfrm>
-            <a:off x="2976463" y="2136644"/>
-            <a:ext cx="8377202" cy="4351201"/>
-          </a:xfrm>
-          <a:prstGeom prst="rect">
-            <a:avLst/>
-          </a:prstGeom>
-        </p:spPr>
-        <p:txBody>
-          <a:bodyPr/>
-          <a:lstStyle/>
-          <a:p>
-            <a:pPr>
-              <a:lnSpc>
-                <a:spcPct val="200000"/>
-              </a:lnSpc>
-              <a:spcBef>
-                <a:spcPts val="0"/>
-              </a:spcBef>
-              <a:buSzPts val="1800"/>
-              <a:defRPr sz="1800"/>
-            </a:pPr>
-            <a:r>
-              <a:t>Computação em Nuvem:</a:t>
-            </a:r>
-          </a:p>
-          <a:p>
-            <a:pPr>
-              <a:lnSpc>
-                <a:spcPct val="200000"/>
-              </a:lnSpc>
-              <a:spcBef>
-                <a:spcPts val="0"/>
-              </a:spcBef>
-              <a:buSzPts val="1800"/>
-              <a:defRPr sz="1800"/>
-            </a:pPr>
-            <a:r>
-              <a:t>Inteligência Artificial:</a:t>
-            </a:r>
-          </a:p>
-        </p:txBody>
-      </p:sp>
-    </p:spTree>
-  </p:cSld>
-  <p:clrMapOvr>
-    <a:masterClrMapping/>
-  </p:clrMapOvr>
-  <p:transition xmlns:p14="http://schemas.microsoft.com/office/powerpoint/2010/main" spd="med" advClick="1"/>
-</p:sld>
-</file>
-
-<file path=ppt/slides/slide9.xml><?xml version="1.0" encoding="utf-8"?>
-<p:sld xmlns:a="http://schemas.openxmlformats.org/drawingml/2006/main" xmlns:r="http://schemas.openxmlformats.org/officeDocument/2006/relationships" xmlns:p="http://schemas.openxmlformats.org/presentationml/2006/main" xmlns:m="http://schemas.openxmlformats.org/officeDocument/2006/math" xmlns:a14="http://schemas.microsoft.com/office/drawing/2010/main" showMasterSp="1" showMasterPhAnim="1">
-  <p:cSld>
-    <p:bg>
-      <p:bgPr>
-        <a:blipFill rotWithShape="1">
-          <a:blip r:embed="rId2"/>
-          <a:srcRect l="0" t="0" r="0" b="0"/>
-          <a:stretch>
-            <a:fillRect/>
-          </a:stretch>
-        </a:blipFill>
+        <a:effectLst/>
       </p:bgPr>
     </p:bg>
     <p:spTree>
@@ -7092,7 +7460,9 @@
       <p:sp>
         <p:nvSpPr>
           <p:cNvPr id="150" name="Google Shape;144;g16475793bdd_0_78"/>
-          <p:cNvSpPr txBox="1"/>
+          <p:cNvSpPr txBox="1">
+            <a:spLocks noGrp="1"/>
+          </p:cNvSpPr>
           <p:nvPr>
             <p:ph type="title"/>
           </p:nvPr>
@@ -7110,7 +7480,6 @@
           <a:bodyPr/>
           <a:lstStyle/>
           <a:p>
-            <a:pPr/>
             <a:r>
               <a:t>Cidades Inteligentes, conceitos, tecnologias e aplicações</a:t>
             </a:r>
@@ -7120,7 +7489,9 @@
       <p:sp>
         <p:nvSpPr>
           <p:cNvPr id="151" name="Google Shape;145;g16475793bdd_0_78"/>
-          <p:cNvSpPr txBox="1"/>
+          <p:cNvSpPr txBox="1">
+            <a:spLocks noGrp="1"/>
+          </p:cNvSpPr>
           <p:nvPr>
             <p:ph type="body" idx="1"/>
           </p:nvPr>
@@ -7149,7 +7520,6 @@
             </a:lvl1pPr>
           </a:lstStyle>
           <a:p>
-            <a:pPr/>
             <a:r>
               <a:t>Tabela 1 - Aplicações de Cidades Inteligentes</a:t>
             </a:r>
@@ -7164,18 +7534,36 @@
         </p:nvGraphicFramePr>
         <p:xfrm>
           <a:off x="3522741" y="2977054"/>
-          <a:ext cx="6705151" cy="3134701"/>
+          <a:ext cx="7688169" cy="3104134"/>
         </p:xfrm>
-        <a:graphic xmlns:a="http://schemas.openxmlformats.org/drawingml/2006/main">
+        <a:graphic>
           <a:graphicData uri="http://schemas.openxmlformats.org/drawingml/2006/table">
             <a:tbl>
-              <a:tblPr firstCol="0" firstRow="0" lastCol="0" lastRow="0" bandCol="0" bandRow="0" rtl="0">
+              <a:tblPr>
                 <a:tableStyleId>{4C3C2611-4C71-4FC5-86AE-919BDF0F9419}</a:tableStyleId>
               </a:tblPr>
               <a:tblGrid>
-                <a:gridCol w="1554501"/>
-                <a:gridCol w="4499729"/>
-                <a:gridCol w="1633939"/>
+                <a:gridCol w="1554501">
+                  <a:extLst>
+                    <a:ext uri="{9D8B030D-6E8A-4147-A177-3AD203B41FA5}">
+                      <a16:colId xmlns:a16="http://schemas.microsoft.com/office/drawing/2014/main" val="20000"/>
+                    </a:ext>
+                  </a:extLst>
+                </a:gridCol>
+                <a:gridCol w="4499729">
+                  <a:extLst>
+                    <a:ext uri="{9D8B030D-6E8A-4147-A177-3AD203B41FA5}">
+                      <a16:colId xmlns:a16="http://schemas.microsoft.com/office/drawing/2014/main" val="20001"/>
+                    </a:ext>
+                  </a:extLst>
+                </a:gridCol>
+                <a:gridCol w="1633939">
+                  <a:extLst>
+                    <a:ext uri="{9D8B030D-6E8A-4147-A177-3AD203B41FA5}">
+                      <a16:colId xmlns:a16="http://schemas.microsoft.com/office/drawing/2014/main" val="20002"/>
+                    </a:ext>
+                  </a:extLst>
+                </a:gridCol>
               </a:tblGrid>
               <a:tr h="569925">
                 <a:tc>
@@ -7200,7 +7588,7 @@
                       </a:r>
                     </a:p>
                   </a:txBody>
-                  <a:tcPr marL="0" marR="0" marT="0" marB="0" anchor="ctr" anchorCtr="0" horzOverflow="overflow"/>
+                  <a:tcPr marL="0" marR="0" marT="0" marB="0" anchor="ctr" horzOverflow="overflow"/>
                 </a:tc>
                 <a:tc>
                   <a:txBody>
@@ -7224,7 +7612,7 @@
                       </a:r>
                     </a:p>
                   </a:txBody>
-                  <a:tcPr marL="0" marR="0" marT="0" marB="0" anchor="ctr" anchorCtr="0" horzOverflow="overflow"/>
+                  <a:tcPr marL="0" marR="0" marT="0" marB="0" anchor="ctr" horzOverflow="overflow"/>
                 </a:tc>
                 <a:tc>
                   <a:txBody>
@@ -7248,8 +7636,13 @@
                       </a:r>
                     </a:p>
                   </a:txBody>
-                  <a:tcPr marL="0" marR="0" marT="0" marB="0" anchor="ctr" anchorCtr="0" horzOverflow="overflow"/>
+                  <a:tcPr marL="0" marR="0" marT="0" marB="0" anchor="ctr" horzOverflow="overflow"/>
                 </a:tc>
+                <a:extLst>
+                  <a:ext uri="{0D108BD9-81ED-4DB2-BD59-A6C34878D82A}">
+                    <a16:rowId xmlns:a16="http://schemas.microsoft.com/office/drawing/2014/main" val="10000"/>
+                  </a:ext>
+                </a:extLst>
               </a:tr>
               <a:tr h="284975">
                 <a:tc>
@@ -7275,7 +7668,7 @@
                       </a:r>
                     </a:p>
                   </a:txBody>
-                  <a:tcPr marL="0" marR="0" marT="0" marB="0" anchor="ctr" anchorCtr="0" horzOverflow="overflow"/>
+                  <a:tcPr marL="0" marR="0" marT="0" marB="0" anchor="ctr" horzOverflow="overflow"/>
                 </a:tc>
                 <a:tc>
                   <a:txBody>
@@ -7300,7 +7693,7 @@
                       </a:r>
                     </a:p>
                   </a:txBody>
-                  <a:tcPr marL="0" marR="0" marT="0" marB="0" anchor="ctr" anchorCtr="0" horzOverflow="overflow"/>
+                  <a:tcPr marL="0" marR="0" marT="0" marB="0" anchor="ctr" horzOverflow="overflow"/>
                 </a:tc>
                 <a:tc>
                   <a:txBody>
@@ -7324,8 +7717,13 @@
                       </a:r>
                     </a:p>
                   </a:txBody>
-                  <a:tcPr marL="0" marR="0" marT="0" marB="0" anchor="ctr" anchorCtr="0" horzOverflow="overflow"/>
+                  <a:tcPr marL="0" marR="0" marT="0" marB="0" anchor="ctr" horzOverflow="overflow"/>
                 </a:tc>
+                <a:extLst>
+                  <a:ext uri="{0D108BD9-81ED-4DB2-BD59-A6C34878D82A}">
+                    <a16:rowId xmlns:a16="http://schemas.microsoft.com/office/drawing/2014/main" val="10001"/>
+                  </a:ext>
+                </a:extLst>
               </a:tr>
             </a:tbl>
           </a:graphicData>
@@ -7336,12 +7734,545 @@
   <p:clrMapOvr>
     <a:masterClrMapping/>
   </p:clrMapOvr>
-  <p:transition xmlns:p14="http://schemas.microsoft.com/office/powerpoint/2010/main" spd="med" advClick="1"/>
+  <p:transition spd="med"/>
+</p:sld>
+</file>
+
+<file path=ppt/slides/slide8.xml><?xml version="1.0" encoding="utf-8"?>
+<p:sld xmlns:a="http://schemas.openxmlformats.org/drawingml/2006/main" xmlns:r="http://schemas.openxmlformats.org/officeDocument/2006/relationships" xmlns:p="http://schemas.openxmlformats.org/presentationml/2006/main">
+  <p:cSld>
+    <p:bg>
+      <p:bgPr>
+        <a:blipFill rotWithShape="1">
+          <a:blip r:embed="rId2"/>
+          <a:srcRect/>
+          <a:stretch>
+            <a:fillRect/>
+          </a:stretch>
+        </a:blipFill>
+        <a:effectLst/>
+      </p:bgPr>
+    </p:bg>
+    <p:spTree>
+      <p:nvGrpSpPr>
+        <p:cNvPr id="1" name=""/>
+        <p:cNvGrpSpPr/>
+        <p:nvPr/>
+      </p:nvGrpSpPr>
+      <p:grpSpPr>
+        <a:xfrm>
+          <a:off x="0" y="0"/>
+          <a:ext cx="0" cy="0"/>
+          <a:chOff x="0" y="0"/>
+          <a:chExt cx="0" cy="0"/>
+        </a:xfrm>
+      </p:grpSpPr>
+      <p:sp>
+        <p:nvSpPr>
+          <p:cNvPr id="154" name="Google Shape;158;g16475793bdd_0_97"/>
+          <p:cNvSpPr txBox="1">
+            <a:spLocks noGrp="1"/>
+          </p:cNvSpPr>
+          <p:nvPr>
+            <p:ph type="title"/>
+          </p:nvPr>
+        </p:nvSpPr>
+        <p:spPr>
+          <a:xfrm>
+            <a:off x="2976476" y="523750"/>
+            <a:ext cx="8780700" cy="1325700"/>
+          </a:xfrm>
+          <a:prstGeom prst="rect">
+            <a:avLst/>
+          </a:prstGeom>
+        </p:spPr>
+        <p:txBody>
+          <a:bodyPr/>
+          <a:lstStyle/>
+          <a:p>
+            <a:r>
+              <a:t>Bacias Hidrográficas e Gestão dos Recursos Hídricos</a:t>
+            </a:r>
+          </a:p>
+        </p:txBody>
+      </p:sp>
+      <p:sp>
+        <p:nvSpPr>
+          <p:cNvPr id="155" name="Google Shape;159;g16475793bdd_0_97"/>
+          <p:cNvSpPr txBox="1">
+            <a:spLocks noGrp="1"/>
+          </p:cNvSpPr>
+          <p:nvPr>
+            <p:ph type="body" idx="1"/>
+          </p:nvPr>
+        </p:nvSpPr>
+        <p:spPr>
+          <a:xfrm>
+            <a:off x="2976463" y="2136644"/>
+            <a:ext cx="8377202" cy="4351201"/>
+          </a:xfrm>
+          <a:prstGeom prst="rect">
+            <a:avLst/>
+          </a:prstGeom>
+        </p:spPr>
+        <p:txBody>
+          <a:bodyPr/>
+          <a:lstStyle/>
+          <a:p>
+            <a:pPr>
+              <a:lnSpc>
+                <a:spcPct val="200000"/>
+              </a:lnSpc>
+              <a:spcBef>
+                <a:spcPts val="0"/>
+              </a:spcBef>
+              <a:buSzPts val="1800"/>
+              <a:defRPr sz="1800"/>
+            </a:pPr>
+            <a:r>
+              <a:rPr dirty="0"/>
+              <a:t>Uma </a:t>
+            </a:r>
+            <a:r>
+              <a:rPr dirty="0" err="1"/>
+              <a:t>bacia</a:t>
+            </a:r>
+            <a:r>
+              <a:rPr dirty="0"/>
+              <a:t> </a:t>
+            </a:r>
+            <a:r>
+              <a:rPr dirty="0" err="1"/>
+              <a:t>hidrográfica</a:t>
+            </a:r>
+            <a:r>
+              <a:rPr dirty="0"/>
+              <a:t> é a </a:t>
+            </a:r>
+            <a:r>
+              <a:rPr dirty="0" err="1"/>
+              <a:t>delimitação</a:t>
+            </a:r>
+            <a:r>
+              <a:rPr dirty="0"/>
+              <a:t> territorial </a:t>
+            </a:r>
+            <a:r>
+              <a:rPr dirty="0" err="1"/>
+              <a:t>ou</a:t>
+            </a:r>
+            <a:r>
+              <a:rPr dirty="0"/>
+              <a:t> </a:t>
+            </a:r>
+            <a:r>
+              <a:rPr dirty="0" err="1"/>
+              <a:t>região</a:t>
+            </a:r>
+            <a:r>
+              <a:rPr dirty="0"/>
+              <a:t> </a:t>
+            </a:r>
+            <a:r>
+              <a:rPr dirty="0" err="1"/>
+              <a:t>em</a:t>
+            </a:r>
+            <a:r>
+              <a:rPr dirty="0"/>
+              <a:t> que </a:t>
+            </a:r>
+            <a:r>
+              <a:rPr dirty="0" err="1"/>
+              <a:t>ocorre</a:t>
+            </a:r>
+            <a:r>
+              <a:rPr dirty="0"/>
+              <a:t> a coleta natural da </a:t>
+            </a:r>
+            <a:r>
+              <a:rPr dirty="0" err="1"/>
+              <a:t>água</a:t>
+            </a:r>
+            <a:r>
+              <a:rPr dirty="0"/>
+              <a:t> </a:t>
+            </a:r>
+            <a:r>
+              <a:rPr dirty="0" err="1"/>
+              <a:t>proveniente</a:t>
+            </a:r>
+            <a:r>
+              <a:rPr dirty="0"/>
+              <a:t> da </a:t>
+            </a:r>
+            <a:r>
+              <a:rPr dirty="0" err="1"/>
+              <a:t>precipitação</a:t>
+            </a:r>
+            <a:r>
+              <a:rPr dirty="0"/>
+              <a:t>, </a:t>
+            </a:r>
+            <a:r>
+              <a:rPr dirty="0" err="1"/>
+              <a:t>direcionando</a:t>
+            </a:r>
+            <a:r>
+              <a:rPr dirty="0"/>
+              <a:t> o </a:t>
+            </a:r>
+            <a:r>
+              <a:rPr dirty="0" err="1"/>
+              <a:t>fluxo</a:t>
+            </a:r>
+            <a:r>
+              <a:rPr dirty="0"/>
+              <a:t> para um </a:t>
+            </a:r>
+            <a:r>
+              <a:rPr dirty="0" err="1"/>
+              <a:t>único</a:t>
+            </a:r>
+            <a:r>
+              <a:rPr dirty="0"/>
+              <a:t> </a:t>
+            </a:r>
+            <a:r>
+              <a:rPr dirty="0" err="1"/>
+              <a:t>ponto</a:t>
+            </a:r>
+            <a:r>
+              <a:rPr dirty="0"/>
+              <a:t> de </a:t>
+            </a:r>
+            <a:r>
+              <a:rPr dirty="0" err="1"/>
+              <a:t>saída</a:t>
+            </a:r>
+            <a:endParaRPr dirty="0"/>
+          </a:p>
+          <a:p>
+            <a:pPr>
+              <a:lnSpc>
+                <a:spcPct val="200000"/>
+              </a:lnSpc>
+              <a:spcBef>
+                <a:spcPts val="0"/>
+              </a:spcBef>
+              <a:buSzPts val="1800"/>
+              <a:defRPr sz="1800"/>
+            </a:pPr>
+            <a:r>
+              <a:rPr dirty="0" err="1"/>
+              <a:t>Dentro</a:t>
+            </a:r>
+            <a:r>
+              <a:rPr dirty="0"/>
+              <a:t> do </a:t>
+            </a:r>
+            <a:r>
+              <a:rPr dirty="0" err="1"/>
+              <a:t>território</a:t>
+            </a:r>
+            <a:r>
+              <a:rPr dirty="0"/>
+              <a:t> de </a:t>
+            </a:r>
+            <a:r>
+              <a:rPr dirty="0" err="1"/>
+              <a:t>uma</a:t>
+            </a:r>
+            <a:r>
+              <a:rPr dirty="0"/>
+              <a:t> </a:t>
+            </a:r>
+            <a:r>
+              <a:rPr dirty="0" err="1"/>
+              <a:t>bacia</a:t>
+            </a:r>
+            <a:r>
+              <a:rPr dirty="0"/>
+              <a:t> </a:t>
+            </a:r>
+            <a:r>
+              <a:rPr dirty="0" err="1"/>
+              <a:t>hidrográfica</a:t>
+            </a:r>
+            <a:r>
+              <a:rPr dirty="0"/>
+              <a:t> que as </a:t>
+            </a:r>
+            <a:r>
+              <a:rPr dirty="0" err="1"/>
+              <a:t>atividades</a:t>
+            </a:r>
+            <a:r>
+              <a:rPr dirty="0"/>
+              <a:t> </a:t>
+            </a:r>
+            <a:r>
+              <a:rPr dirty="0" err="1"/>
+              <a:t>humanas</a:t>
+            </a:r>
+            <a:r>
+              <a:rPr dirty="0"/>
+              <a:t> </a:t>
+            </a:r>
+            <a:r>
+              <a:rPr dirty="0" err="1"/>
+              <a:t>são</a:t>
+            </a:r>
+            <a:r>
+              <a:rPr dirty="0"/>
+              <a:t> </a:t>
+            </a:r>
+            <a:r>
+              <a:rPr dirty="0" err="1"/>
+              <a:t>realizadas</a:t>
+            </a:r>
+            <a:r>
+              <a:rPr dirty="0"/>
+              <a:t> e, </a:t>
+            </a:r>
+            <a:r>
+              <a:rPr dirty="0" err="1"/>
+              <a:t>em</a:t>
+            </a:r>
+            <a:r>
+              <a:rPr dirty="0"/>
+              <a:t> vista </a:t>
+            </a:r>
+            <a:r>
+              <a:rPr dirty="0" err="1"/>
+              <a:t>disso</a:t>
+            </a:r>
+            <a:r>
+              <a:rPr dirty="0"/>
+              <a:t>, se </a:t>
+            </a:r>
+            <a:r>
+              <a:rPr dirty="0" err="1"/>
+              <a:t>faz</a:t>
+            </a:r>
+            <a:r>
+              <a:rPr dirty="0"/>
+              <a:t> </a:t>
+            </a:r>
+            <a:r>
+              <a:rPr dirty="0" err="1"/>
+              <a:t>necessária</a:t>
+            </a:r>
+            <a:r>
+              <a:rPr dirty="0"/>
+              <a:t> a </a:t>
+            </a:r>
+            <a:r>
+              <a:rPr dirty="0" err="1"/>
+              <a:t>gestão</a:t>
+            </a:r>
+            <a:r>
+              <a:rPr dirty="0"/>
+              <a:t> </a:t>
+            </a:r>
+            <a:r>
+              <a:rPr dirty="0" err="1"/>
+              <a:t>adequada</a:t>
+            </a:r>
+            <a:r>
+              <a:rPr dirty="0"/>
+              <a:t> dos </a:t>
+            </a:r>
+            <a:r>
+              <a:rPr dirty="0" err="1"/>
+              <a:t>recursos</a:t>
+            </a:r>
+            <a:r>
+              <a:rPr dirty="0"/>
+              <a:t> </a:t>
+            </a:r>
+            <a:r>
+              <a:rPr dirty="0" err="1"/>
+              <a:t>hídricos</a:t>
+            </a:r>
+            <a:r>
+              <a:rPr dirty="0"/>
+              <a:t> </a:t>
+            </a:r>
+            <a:r>
+              <a:rPr dirty="0" err="1"/>
+              <a:t>nela</a:t>
+            </a:r>
+            <a:r>
+              <a:rPr dirty="0"/>
+              <a:t> </a:t>
+            </a:r>
+            <a:r>
+              <a:rPr dirty="0" err="1"/>
+              <a:t>contidos</a:t>
+            </a:r>
+            <a:r>
+              <a:rPr sz="1200" dirty="0">
+                <a:latin typeface="Times Roman"/>
+                <a:ea typeface="Times Roman"/>
+                <a:cs typeface="Times Roman"/>
+                <a:sym typeface="Times Roman"/>
+              </a:rPr>
+              <a:t> </a:t>
+            </a:r>
+          </a:p>
+        </p:txBody>
+      </p:sp>
+    </p:spTree>
+  </p:cSld>
+  <p:clrMapOvr>
+    <a:masterClrMapping/>
+  </p:clrMapOvr>
+  <p:transition spd="med"/>
+</p:sld>
+</file>
+
+<file path=ppt/slides/slide9.xml><?xml version="1.0" encoding="utf-8"?>
+<p:sld xmlns:a="http://schemas.openxmlformats.org/drawingml/2006/main" xmlns:r="http://schemas.openxmlformats.org/officeDocument/2006/relationships" xmlns:p="http://schemas.openxmlformats.org/presentationml/2006/main">
+  <p:cSld>
+    <p:bg>
+      <p:bgPr>
+        <a:blipFill rotWithShape="1">
+          <a:blip r:embed="rId2"/>
+          <a:srcRect/>
+          <a:stretch>
+            <a:fillRect/>
+          </a:stretch>
+        </a:blipFill>
+        <a:effectLst/>
+      </p:bgPr>
+    </p:bg>
+    <p:spTree>
+      <p:nvGrpSpPr>
+        <p:cNvPr id="1" name=""/>
+        <p:cNvGrpSpPr/>
+        <p:nvPr/>
+      </p:nvGrpSpPr>
+      <p:grpSpPr>
+        <a:xfrm>
+          <a:off x="0" y="0"/>
+          <a:ext cx="0" cy="0"/>
+          <a:chOff x="0" y="0"/>
+          <a:chExt cx="0" cy="0"/>
+        </a:xfrm>
+      </p:grpSpPr>
+      <p:sp>
+        <p:nvSpPr>
+          <p:cNvPr id="157" name="Google Shape;164;g16475793bdd_0_28"/>
+          <p:cNvSpPr txBox="1">
+            <a:spLocks noGrp="1"/>
+          </p:cNvSpPr>
+          <p:nvPr>
+            <p:ph type="title"/>
+          </p:nvPr>
+        </p:nvSpPr>
+        <p:spPr>
+          <a:xfrm>
+            <a:off x="2976463" y="523745"/>
+            <a:ext cx="8377202" cy="1325701"/>
+          </a:xfrm>
+          <a:prstGeom prst="rect">
+            <a:avLst/>
+          </a:prstGeom>
+        </p:spPr>
+        <p:txBody>
+          <a:bodyPr/>
+          <a:lstStyle/>
+          <a:p>
+            <a:r>
+              <a:t>Metodologia</a:t>
+            </a:r>
+          </a:p>
+        </p:txBody>
+      </p:sp>
+      <p:sp>
+        <p:nvSpPr>
+          <p:cNvPr id="158" name="Google Shape;165;g16475793bdd_0_28"/>
+          <p:cNvSpPr txBox="1">
+            <a:spLocks noGrp="1"/>
+          </p:cNvSpPr>
+          <p:nvPr>
+            <p:ph type="body" idx="1"/>
+          </p:nvPr>
+        </p:nvSpPr>
+        <p:spPr>
+          <a:xfrm>
+            <a:off x="2976463" y="2136644"/>
+            <a:ext cx="8377202" cy="4351201"/>
+          </a:xfrm>
+          <a:prstGeom prst="rect">
+            <a:avLst/>
+          </a:prstGeom>
+        </p:spPr>
+        <p:txBody>
+          <a:bodyPr/>
+          <a:lstStyle/>
+          <a:p>
+            <a:pPr>
+              <a:lnSpc>
+                <a:spcPct val="160000"/>
+              </a:lnSpc>
+              <a:spcBef>
+                <a:spcPts val="0"/>
+              </a:spcBef>
+              <a:buSzPct val="108107"/>
+              <a:defRPr sz="1600"/>
+            </a:pPr>
+            <a:r>
+              <a:t>O estudo caracteriza-se como uma pesquisa exploratória devido à novidade do tema [11]. Esse tipo de pesquisa facilita a compreensão e divulgação do assunto [24] e é apropriado para investigar temas pouco explorados [23]</a:t>
+            </a:r>
+            <a:r>
+              <a:rPr sz="1200">
+                <a:latin typeface="Times Roman"/>
+                <a:ea typeface="Times Roman"/>
+                <a:cs typeface="Times Roman"/>
+                <a:sym typeface="Times Roman"/>
+              </a:rPr>
+              <a:t>.</a:t>
+            </a:r>
+            <a:endParaRPr sz="1800"/>
+          </a:p>
+          <a:p>
+            <a:pPr>
+              <a:lnSpc>
+                <a:spcPct val="160000"/>
+              </a:lnSpc>
+              <a:spcBef>
+                <a:spcPts val="0"/>
+              </a:spcBef>
+              <a:buSzPct val="108107"/>
+              <a:defRPr sz="1600"/>
+            </a:pPr>
+            <a:r>
+              <a:t>Dados qualitativos foram obtidos por pesquisa documental e bibliográfica, analisando conceitos e aplicações de cidades inteligentes, bacias hidrográficas e gestão de recursos hídricos. Essa abordagem é prescritiva, explorando formas de avaliar a integração de conceitos.</a:t>
+            </a:r>
+            <a:r>
+              <a:rPr sz="1200">
+                <a:latin typeface="Times Roman"/>
+                <a:ea typeface="Times Roman"/>
+                <a:cs typeface="Times Roman"/>
+                <a:sym typeface="Times Roman"/>
+              </a:rPr>
+              <a:t> </a:t>
+            </a:r>
+          </a:p>
+        </p:txBody>
+      </p:sp>
+    </p:spTree>
+  </p:cSld>
+  <p:clrMapOvr>
+    <a:masterClrMapping/>
+  </p:clrMapOvr>
+  <p:transition spd="med"/>
 </p:sld>
 </file>
 
 <file path=ppt/theme/theme1.xml><?xml version="1.0" encoding="utf-8"?>
-<a:theme xmlns:a="http://schemas.openxmlformats.org/drawingml/2006/main" xmlns:r="http://schemas.openxmlformats.org/officeDocument/2006/relationships" name="Tema do Office">
+<a:theme xmlns:a="http://schemas.openxmlformats.org/drawingml/2006/main" name="Tema do Office">
   <a:themeElements>
     <a:clrScheme name="Tema do Office">
       <a:dk1>
@@ -7467,7 +8398,7 @@
       <a:effectStyleLst>
         <a:effectStyle>
           <a:effectLst>
-            <a:outerShdw sx="100000" sy="100000" kx="0" ky="0" algn="b" rotWithShape="0" blurRad="38100" dist="23000" dir="5400000">
+            <a:outerShdw blurRad="38100" dist="23000" dir="5400000" rotWithShape="0">
               <a:srgbClr val="000000">
                 <a:alpha val="35000"/>
               </a:srgbClr>
@@ -7476,7 +8407,7 @@
         </a:effectStyle>
         <a:effectStyle>
           <a:effectLst>
-            <a:outerShdw sx="100000" sy="100000" kx="0" ky="0" algn="b" rotWithShape="0" blurRad="38100" dist="23000" dir="5400000">
+            <a:outerShdw blurRad="38100" dist="23000" dir="5400000" rotWithShape="0">
               <a:srgbClr val="000000">
                 <a:alpha val="35000"/>
               </a:srgbClr>
@@ -7485,7 +8416,7 @@
         </a:effectStyle>
         <a:effectStyle>
           <a:effectLst>
-            <a:outerShdw sx="100000" sy="100000" kx="0" ky="0" algn="b" rotWithShape="0" blurRad="38100" dist="20000" dir="5400000">
+            <a:outerShdw blurRad="38100" dist="20000" dir="5400000" rotWithShape="0">
               <a:srgbClr val="000000">
                 <a:alpha val="38000"/>
               </a:srgbClr>
@@ -7559,7 +8490,7 @@
           <a:round/>
         </a:ln>
         <a:effectLst>
-          <a:outerShdw sx="100000" sy="100000" kx="0" ky="0" algn="b" rotWithShape="0" blurRad="38100" dist="23000" dir="5400000">
+          <a:outerShdw blurRad="38100" dist="23000" dir="5400000" rotWithShape="0">
             <a:srgbClr val="000000">
               <a:alpha val="35000"/>
             </a:srgbClr>
@@ -7567,7 +8498,7 @@
         </a:effectLst>
         <a:sp3d/>
       </a:spPr>
-      <a:bodyPr rot="0" spcFirstLastPara="1" vertOverflow="overflow" horzOverflow="overflow" vert="horz" wrap="square" lIns="45719" tIns="45719" rIns="45719" bIns="45719" numCol="1" spcCol="38100" rtlCol="0" anchor="ctr" upright="0">
+      <a:bodyPr rot="0" spcFirstLastPara="1" vertOverflow="overflow" horzOverflow="overflow" vert="horz" wrap="square" lIns="45719" tIns="45719" rIns="45719" bIns="45719" numCol="1" spcCol="38100" rtlCol="0" anchor="ctr">
         <a:spAutoFit/>
       </a:bodyPr>
       <a:lstStyle>
@@ -7586,7 +8517,7 @@
           <a:buFontTx/>
           <a:buNone/>
           <a:tabLst/>
-          <a:defRPr b="0" baseline="0" cap="none" i="0" spc="0" strike="noStrike" sz="1400" u="none" kumimoji="0" normalizeH="0">
+          <a:defRPr kumimoji="0" sz="1400" b="0" i="0" u="none" strike="noStrike" cap="none" spc="0" normalizeH="0" baseline="0">
             <a:ln>
               <a:noFill/>
             </a:ln>
@@ -7616,7 +8547,7 @@
           <a:buFontTx/>
           <a:buNone/>
           <a:tabLst/>
-          <a:defRPr b="0" baseline="0" cap="none" i="0" spc="0" strike="noStrike" sz="1800" u="none" kumimoji="0" normalizeH="0">
+          <a:defRPr kumimoji="0" sz="1800" b="0" i="0" u="none" strike="noStrike" cap="none" spc="0" normalizeH="0" baseline="0">
             <a:ln>
               <a:noFill/>
             </a:ln>
@@ -7642,7 +8573,7 @@
           <a:buFontTx/>
           <a:buNone/>
           <a:tabLst/>
-          <a:defRPr b="0" baseline="0" cap="none" i="0" spc="0" strike="noStrike" sz="1800" u="none" kumimoji="0" normalizeH="0">
+          <a:defRPr kumimoji="0" sz="1800" b="0" i="0" u="none" strike="noStrike" cap="none" spc="0" normalizeH="0" baseline="0">
             <a:ln>
               <a:noFill/>
             </a:ln>
@@ -7668,7 +8599,7 @@
           <a:buFontTx/>
           <a:buNone/>
           <a:tabLst/>
-          <a:defRPr b="0" baseline="0" cap="none" i="0" spc="0" strike="noStrike" sz="1800" u="none" kumimoji="0" normalizeH="0">
+          <a:defRPr kumimoji="0" sz="1800" b="0" i="0" u="none" strike="noStrike" cap="none" spc="0" normalizeH="0" baseline="0">
             <a:ln>
               <a:noFill/>
             </a:ln>
@@ -7694,7 +8625,7 @@
           <a:buFontTx/>
           <a:buNone/>
           <a:tabLst/>
-          <a:defRPr b="0" baseline="0" cap="none" i="0" spc="0" strike="noStrike" sz="1800" u="none" kumimoji="0" normalizeH="0">
+          <a:defRPr kumimoji="0" sz="1800" b="0" i="0" u="none" strike="noStrike" cap="none" spc="0" normalizeH="0" baseline="0">
             <a:ln>
               <a:noFill/>
             </a:ln>
@@ -7720,7 +8651,7 @@
           <a:buFontTx/>
           <a:buNone/>
           <a:tabLst/>
-          <a:defRPr b="0" baseline="0" cap="none" i="0" spc="0" strike="noStrike" sz="1800" u="none" kumimoji="0" normalizeH="0">
+          <a:defRPr kumimoji="0" sz="1800" b="0" i="0" u="none" strike="noStrike" cap="none" spc="0" normalizeH="0" baseline="0">
             <a:ln>
               <a:noFill/>
             </a:ln>
@@ -7746,7 +8677,7 @@
           <a:buFontTx/>
           <a:buNone/>
           <a:tabLst/>
-          <a:defRPr b="0" baseline="0" cap="none" i="0" spc="0" strike="noStrike" sz="1800" u="none" kumimoji="0" normalizeH="0">
+          <a:defRPr kumimoji="0" sz="1800" b="0" i="0" u="none" strike="noStrike" cap="none" spc="0" normalizeH="0" baseline="0">
             <a:ln>
               <a:noFill/>
             </a:ln>
@@ -7772,7 +8703,7 @@
           <a:buFontTx/>
           <a:buNone/>
           <a:tabLst/>
-          <a:defRPr b="0" baseline="0" cap="none" i="0" spc="0" strike="noStrike" sz="1800" u="none" kumimoji="0" normalizeH="0">
+          <a:defRPr kumimoji="0" sz="1800" b="0" i="0" u="none" strike="noStrike" cap="none" spc="0" normalizeH="0" baseline="0">
             <a:ln>
               <a:noFill/>
             </a:ln>
@@ -7798,7 +8729,7 @@
           <a:buFontTx/>
           <a:buNone/>
           <a:tabLst/>
-          <a:defRPr b="0" baseline="0" cap="none" i="0" spc="0" strike="noStrike" sz="1800" u="none" kumimoji="0" normalizeH="0">
+          <a:defRPr kumimoji="0" sz="1800" b="0" i="0" u="none" strike="noStrike" cap="none" spc="0" normalizeH="0" baseline="0">
             <a:ln>
               <a:noFill/>
             </a:ln>
@@ -7824,7 +8755,7 @@
           <a:buFontTx/>
           <a:buNone/>
           <a:tabLst/>
-          <a:defRPr b="0" baseline="0" cap="none" i="0" spc="0" strike="noStrike" sz="1800" u="none" kumimoji="0" normalizeH="0">
+          <a:defRPr kumimoji="0" sz="1800" b="0" i="0" u="none" strike="noStrike" cap="none" spc="0" normalizeH="0" baseline="0">
             <a:ln>
               <a:noFill/>
             </a:ln>
@@ -7837,9 +8768,15 @@
         </a:lvl9pPr>
       </a:lstStyle>
       <a:style>
-        <a:lnRef idx="0"/>
-        <a:fillRef idx="0"/>
-        <a:effectRef idx="0"/>
+        <a:lnRef idx="0">
+          <a:scrgbClr r="0" g="0" b="0"/>
+        </a:lnRef>
+        <a:fillRef idx="0">
+          <a:scrgbClr r="0" g="0" b="0"/>
+        </a:fillRef>
+        <a:effectRef idx="0">
+          <a:scrgbClr r="0" g="0" b="0"/>
+        </a:effectRef>
         <a:fontRef idx="none"/>
       </a:style>
     </a:spDef>
@@ -7854,7 +8791,7 @@
           <a:round/>
         </a:ln>
         <a:effectLst>
-          <a:outerShdw sx="100000" sy="100000" kx="0" ky="0" algn="b" rotWithShape="0" blurRad="38100" dist="20000" dir="5400000">
+          <a:outerShdw blurRad="38100" dist="20000" dir="5400000" rotWithShape="0">
             <a:srgbClr val="000000">
               <a:alpha val="38000"/>
             </a:srgbClr>
@@ -7862,7 +8799,7 @@
         </a:effectLst>
         <a:sp3d/>
       </a:spPr>
-      <a:bodyPr rot="0" spcFirstLastPara="1" vertOverflow="overflow" horzOverflow="overflow" vert="horz" wrap="square" lIns="91439" tIns="45719" rIns="91439" bIns="45719" numCol="1" spcCol="38100" rtlCol="0" anchor="t" upright="0">
+      <a:bodyPr rot="0" spcFirstLastPara="1" vertOverflow="overflow" horzOverflow="overflow" vert="horz" wrap="square" lIns="91439" tIns="45719" rIns="91439" bIns="45719" numCol="1" spcCol="38100" rtlCol="0" anchor="t">
         <a:noAutofit/>
       </a:bodyPr>
       <a:lstStyle>
@@ -7881,7 +8818,7 @@
           <a:buFontTx/>
           <a:buNone/>
           <a:tabLst/>
-          <a:defRPr b="0" baseline="0" cap="none" i="0" spc="0" strike="noStrike" sz="1800" u="none" kumimoji="0" normalizeH="0">
+          <a:defRPr kumimoji="0" sz="1800" b="0" i="0" u="none" strike="noStrike" cap="none" spc="0" normalizeH="0" baseline="0">
             <a:ln>
               <a:noFill/>
             </a:ln>
@@ -7907,7 +8844,7 @@
           <a:buFontTx/>
           <a:buNone/>
           <a:tabLst/>
-          <a:defRPr b="0" baseline="0" cap="none" i="0" spc="0" strike="noStrike" sz="1800" u="none" kumimoji="0" normalizeH="0">
+          <a:defRPr kumimoji="0" sz="1800" b="0" i="0" u="none" strike="noStrike" cap="none" spc="0" normalizeH="0" baseline="0">
             <a:ln>
               <a:noFill/>
             </a:ln>
@@ -7933,7 +8870,7 @@
           <a:buFontTx/>
           <a:buNone/>
           <a:tabLst/>
-          <a:defRPr b="0" baseline="0" cap="none" i="0" spc="0" strike="noStrike" sz="1800" u="none" kumimoji="0" normalizeH="0">
+          <a:defRPr kumimoji="0" sz="1800" b="0" i="0" u="none" strike="noStrike" cap="none" spc="0" normalizeH="0" baseline="0">
             <a:ln>
               <a:noFill/>
             </a:ln>
@@ -7959,7 +8896,7 @@
           <a:buFontTx/>
           <a:buNone/>
           <a:tabLst/>
-          <a:defRPr b="0" baseline="0" cap="none" i="0" spc="0" strike="noStrike" sz="1800" u="none" kumimoji="0" normalizeH="0">
+          <a:defRPr kumimoji="0" sz="1800" b="0" i="0" u="none" strike="noStrike" cap="none" spc="0" normalizeH="0" baseline="0">
             <a:ln>
               <a:noFill/>
             </a:ln>
@@ -7985,7 +8922,7 @@
           <a:buFontTx/>
           <a:buNone/>
           <a:tabLst/>
-          <a:defRPr b="0" baseline="0" cap="none" i="0" spc="0" strike="noStrike" sz="1800" u="none" kumimoji="0" normalizeH="0">
+          <a:defRPr kumimoji="0" sz="1800" b="0" i="0" u="none" strike="noStrike" cap="none" spc="0" normalizeH="0" baseline="0">
             <a:ln>
               <a:noFill/>
             </a:ln>
@@ -8011,7 +8948,7 @@
           <a:buFontTx/>
           <a:buNone/>
           <a:tabLst/>
-          <a:defRPr b="0" baseline="0" cap="none" i="0" spc="0" strike="noStrike" sz="1800" u="none" kumimoji="0" normalizeH="0">
+          <a:defRPr kumimoji="0" sz="1800" b="0" i="0" u="none" strike="noStrike" cap="none" spc="0" normalizeH="0" baseline="0">
             <a:ln>
               <a:noFill/>
             </a:ln>
@@ -8037,7 +8974,7 @@
           <a:buFontTx/>
           <a:buNone/>
           <a:tabLst/>
-          <a:defRPr b="0" baseline="0" cap="none" i="0" spc="0" strike="noStrike" sz="1800" u="none" kumimoji="0" normalizeH="0">
+          <a:defRPr kumimoji="0" sz="1800" b="0" i="0" u="none" strike="noStrike" cap="none" spc="0" normalizeH="0" baseline="0">
             <a:ln>
               <a:noFill/>
             </a:ln>
@@ -8063,7 +9000,7 @@
           <a:buFontTx/>
           <a:buNone/>
           <a:tabLst/>
-          <a:defRPr b="0" baseline="0" cap="none" i="0" spc="0" strike="noStrike" sz="1800" u="none" kumimoji="0" normalizeH="0">
+          <a:defRPr kumimoji="0" sz="1800" b="0" i="0" u="none" strike="noStrike" cap="none" spc="0" normalizeH="0" baseline="0">
             <a:ln>
               <a:noFill/>
             </a:ln>
@@ -8089,7 +9026,7 @@
           <a:buFontTx/>
           <a:buNone/>
           <a:tabLst/>
-          <a:defRPr b="0" baseline="0" cap="none" i="0" spc="0" strike="noStrike" sz="1800" u="none" kumimoji="0" normalizeH="0">
+          <a:defRPr kumimoji="0" sz="1800" b="0" i="0" u="none" strike="noStrike" cap="none" spc="0" normalizeH="0" baseline="0">
             <a:ln>
               <a:noFill/>
             </a:ln>
@@ -8115,7 +9052,7 @@
           <a:buFontTx/>
           <a:buNone/>
           <a:tabLst/>
-          <a:defRPr b="0" baseline="0" cap="none" i="0" spc="0" strike="noStrike" sz="1800" u="none" kumimoji="0" normalizeH="0">
+          <a:defRPr kumimoji="0" sz="1800" b="0" i="0" u="none" strike="noStrike" cap="none" spc="0" normalizeH="0" baseline="0">
             <a:ln>
               <a:noFill/>
             </a:ln>
@@ -8128,9 +9065,15 @@
         </a:lvl9pPr>
       </a:lstStyle>
       <a:style>
-        <a:lnRef idx="0"/>
-        <a:fillRef idx="0"/>
-        <a:effectRef idx="0"/>
+        <a:lnRef idx="0">
+          <a:scrgbClr r="0" g="0" b="0"/>
+        </a:lnRef>
+        <a:fillRef idx="0">
+          <a:scrgbClr r="0" g="0" b="0"/>
+        </a:fillRef>
+        <a:effectRef idx="0">
+          <a:scrgbClr r="0" g="0" b="0"/>
+        </a:effectRef>
         <a:fontRef idx="none"/>
       </a:style>
     </a:lnDef>
@@ -8144,7 +9087,7 @@
         <a:effectLst/>
         <a:sp3d/>
       </a:spPr>
-      <a:bodyPr rot="0" spcFirstLastPara="1" vertOverflow="overflow" horzOverflow="overflow" vert="horz" wrap="square" lIns="45719" tIns="45719" rIns="45719" bIns="45719" numCol="1" spcCol="38100" rtlCol="0" anchor="t" upright="0">
+      <a:bodyPr rot="0" spcFirstLastPara="1" vertOverflow="overflow" horzOverflow="overflow" vert="horz" wrap="square" lIns="45719" tIns="45719" rIns="45719" bIns="45719" numCol="1" spcCol="38100" rtlCol="0" anchor="t">
         <a:spAutoFit/>
       </a:bodyPr>
       <a:lstStyle>
@@ -8163,7 +9106,7 @@
           <a:buFontTx/>
           <a:buNone/>
           <a:tabLst/>
-          <a:defRPr b="0" baseline="0" cap="none" i="0" spc="0" strike="noStrike" sz="1400" u="none" kumimoji="0" normalizeH="0">
+          <a:defRPr kumimoji="0" sz="1400" b="0" i="0" u="none" strike="noStrike" cap="none" spc="0" normalizeH="0" baseline="0">
             <a:ln>
               <a:noFill/>
             </a:ln>
@@ -8193,7 +9136,7 @@
           <a:buFontTx/>
           <a:buNone/>
           <a:tabLst/>
-          <a:defRPr b="0" baseline="0" cap="none" i="0" spc="0" strike="noStrike" sz="1800" u="none" kumimoji="0" normalizeH="0">
+          <a:defRPr kumimoji="0" sz="1800" b="0" i="0" u="none" strike="noStrike" cap="none" spc="0" normalizeH="0" baseline="0">
             <a:ln>
               <a:noFill/>
             </a:ln>
@@ -8219,7 +9162,7 @@
           <a:buFontTx/>
           <a:buNone/>
           <a:tabLst/>
-          <a:defRPr b="0" baseline="0" cap="none" i="0" spc="0" strike="noStrike" sz="1800" u="none" kumimoji="0" normalizeH="0">
+          <a:defRPr kumimoji="0" sz="1800" b="0" i="0" u="none" strike="noStrike" cap="none" spc="0" normalizeH="0" baseline="0">
             <a:ln>
               <a:noFill/>
             </a:ln>
@@ -8245,7 +9188,7 @@
           <a:buFontTx/>
           <a:buNone/>
           <a:tabLst/>
-          <a:defRPr b="0" baseline="0" cap="none" i="0" spc="0" strike="noStrike" sz="1800" u="none" kumimoji="0" normalizeH="0">
+          <a:defRPr kumimoji="0" sz="1800" b="0" i="0" u="none" strike="noStrike" cap="none" spc="0" normalizeH="0" baseline="0">
             <a:ln>
               <a:noFill/>
             </a:ln>
@@ -8271,7 +9214,7 @@
           <a:buFontTx/>
           <a:buNone/>
           <a:tabLst/>
-          <a:defRPr b="0" baseline="0" cap="none" i="0" spc="0" strike="noStrike" sz="1800" u="none" kumimoji="0" normalizeH="0">
+          <a:defRPr kumimoji="0" sz="1800" b="0" i="0" u="none" strike="noStrike" cap="none" spc="0" normalizeH="0" baseline="0">
             <a:ln>
               <a:noFill/>
             </a:ln>
@@ -8297,7 +9240,7 @@
           <a:buFontTx/>
           <a:buNone/>
           <a:tabLst/>
-          <a:defRPr b="0" baseline="0" cap="none" i="0" spc="0" strike="noStrike" sz="1800" u="none" kumimoji="0" normalizeH="0">
+          <a:defRPr kumimoji="0" sz="1800" b="0" i="0" u="none" strike="noStrike" cap="none" spc="0" normalizeH="0" baseline="0">
             <a:ln>
               <a:noFill/>
             </a:ln>
@@ -8323,7 +9266,7 @@
           <a:buFontTx/>
           <a:buNone/>
           <a:tabLst/>
-          <a:defRPr b="0" baseline="0" cap="none" i="0" spc="0" strike="noStrike" sz="1800" u="none" kumimoji="0" normalizeH="0">
+          <a:defRPr kumimoji="0" sz="1800" b="0" i="0" u="none" strike="noStrike" cap="none" spc="0" normalizeH="0" baseline="0">
             <a:ln>
               <a:noFill/>
             </a:ln>
@@ -8349,7 +9292,7 @@
           <a:buFontTx/>
           <a:buNone/>
           <a:tabLst/>
-          <a:defRPr b="0" baseline="0" cap="none" i="0" spc="0" strike="noStrike" sz="1800" u="none" kumimoji="0" normalizeH="0">
+          <a:defRPr kumimoji="0" sz="1800" b="0" i="0" u="none" strike="noStrike" cap="none" spc="0" normalizeH="0" baseline="0">
             <a:ln>
               <a:noFill/>
             </a:ln>
@@ -8375,7 +9318,7 @@
           <a:buFontTx/>
           <a:buNone/>
           <a:tabLst/>
-          <a:defRPr b="0" baseline="0" cap="none" i="0" spc="0" strike="noStrike" sz="1800" u="none" kumimoji="0" normalizeH="0">
+          <a:defRPr kumimoji="0" sz="1800" b="0" i="0" u="none" strike="noStrike" cap="none" spc="0" normalizeH="0" baseline="0">
             <a:ln>
               <a:noFill/>
             </a:ln>
@@ -8401,7 +9344,7 @@
           <a:buFontTx/>
           <a:buNone/>
           <a:tabLst/>
-          <a:defRPr b="0" baseline="0" cap="none" i="0" spc="0" strike="noStrike" sz="1800" u="none" kumimoji="0" normalizeH="0">
+          <a:defRPr kumimoji="0" sz="1800" b="0" i="0" u="none" strike="noStrike" cap="none" spc="0" normalizeH="0" baseline="0">
             <a:ln>
               <a:noFill/>
             </a:ln>
@@ -8414,18 +9357,25 @@
         </a:lvl9pPr>
       </a:lstStyle>
       <a:style>
-        <a:lnRef idx="0"/>
-        <a:fillRef idx="0"/>
-        <a:effectRef idx="0"/>
+        <a:lnRef idx="0">
+          <a:scrgbClr r="0" g="0" b="0"/>
+        </a:lnRef>
+        <a:fillRef idx="0">
+          <a:scrgbClr r="0" g="0" b="0"/>
+        </a:fillRef>
+        <a:effectRef idx="0">
+          <a:scrgbClr r="0" g="0" b="0"/>
+        </a:effectRef>
         <a:fontRef idx="none"/>
       </a:style>
     </a:txDef>
   </a:objectDefaults>
+  <a:extraClrSchemeLst/>
 </a:theme>
 </file>
 
 <file path=ppt/theme/theme2.xml><?xml version="1.0" encoding="utf-8"?>
-<a:theme xmlns:a="http://schemas.openxmlformats.org/drawingml/2006/main" xmlns:r="http://schemas.openxmlformats.org/officeDocument/2006/relationships" name="Tema do Office">
+<a:theme xmlns:a="http://schemas.openxmlformats.org/drawingml/2006/main" name="Tema do Office">
   <a:themeElements>
     <a:clrScheme name="Tema do Office">
       <a:dk1>
@@ -8551,7 +9501,7 @@
       <a:effectStyleLst>
         <a:effectStyle>
           <a:effectLst>
-            <a:outerShdw sx="100000" sy="100000" kx="0" ky="0" algn="b" rotWithShape="0" blurRad="38100" dist="23000" dir="5400000">
+            <a:outerShdw blurRad="38100" dist="23000" dir="5400000" rotWithShape="0">
               <a:srgbClr val="000000">
                 <a:alpha val="35000"/>
               </a:srgbClr>
@@ -8560,7 +9510,7 @@
         </a:effectStyle>
         <a:effectStyle>
           <a:effectLst>
-            <a:outerShdw sx="100000" sy="100000" kx="0" ky="0" algn="b" rotWithShape="0" blurRad="38100" dist="23000" dir="5400000">
+            <a:outerShdw blurRad="38100" dist="23000" dir="5400000" rotWithShape="0">
               <a:srgbClr val="000000">
                 <a:alpha val="35000"/>
               </a:srgbClr>
@@ -8569,7 +9519,7 @@
         </a:effectStyle>
         <a:effectStyle>
           <a:effectLst>
-            <a:outerShdw sx="100000" sy="100000" kx="0" ky="0" algn="b" rotWithShape="0" blurRad="38100" dist="20000" dir="5400000">
+            <a:outerShdw blurRad="38100" dist="20000" dir="5400000" rotWithShape="0">
               <a:srgbClr val="000000">
                 <a:alpha val="38000"/>
               </a:srgbClr>
@@ -8643,7 +9593,7 @@
           <a:round/>
         </a:ln>
         <a:effectLst>
-          <a:outerShdw sx="100000" sy="100000" kx="0" ky="0" algn="b" rotWithShape="0" blurRad="38100" dist="23000" dir="5400000">
+          <a:outerShdw blurRad="38100" dist="23000" dir="5400000" rotWithShape="0">
             <a:srgbClr val="000000">
               <a:alpha val="35000"/>
             </a:srgbClr>
@@ -8651,7 +9601,7 @@
         </a:effectLst>
         <a:sp3d/>
       </a:spPr>
-      <a:bodyPr rot="0" spcFirstLastPara="1" vertOverflow="overflow" horzOverflow="overflow" vert="horz" wrap="square" lIns="45719" tIns="45719" rIns="45719" bIns="45719" numCol="1" spcCol="38100" rtlCol="0" anchor="ctr" upright="0">
+      <a:bodyPr rot="0" spcFirstLastPara="1" vertOverflow="overflow" horzOverflow="overflow" vert="horz" wrap="square" lIns="45719" tIns="45719" rIns="45719" bIns="45719" numCol="1" spcCol="38100" rtlCol="0" anchor="ctr">
         <a:spAutoFit/>
       </a:bodyPr>
       <a:lstStyle>
@@ -8670,7 +9620,7 @@
           <a:buFontTx/>
           <a:buNone/>
           <a:tabLst/>
-          <a:defRPr b="0" baseline="0" cap="none" i="0" spc="0" strike="noStrike" sz="1400" u="none" kumimoji="0" normalizeH="0">
+          <a:defRPr kumimoji="0" sz="1400" b="0" i="0" u="none" strike="noStrike" cap="none" spc="0" normalizeH="0" baseline="0">
             <a:ln>
               <a:noFill/>
             </a:ln>
@@ -8700,7 +9650,7 @@
           <a:buFontTx/>
           <a:buNone/>
           <a:tabLst/>
-          <a:defRPr b="0" baseline="0" cap="none" i="0" spc="0" strike="noStrike" sz="1800" u="none" kumimoji="0" normalizeH="0">
+          <a:defRPr kumimoji="0" sz="1800" b="0" i="0" u="none" strike="noStrike" cap="none" spc="0" normalizeH="0" baseline="0">
             <a:ln>
               <a:noFill/>
             </a:ln>
@@ -8726,7 +9676,7 @@
           <a:buFontTx/>
           <a:buNone/>
           <a:tabLst/>
-          <a:defRPr b="0" baseline="0" cap="none" i="0" spc="0" strike="noStrike" sz="1800" u="none" kumimoji="0" normalizeH="0">
+          <a:defRPr kumimoji="0" sz="1800" b="0" i="0" u="none" strike="noStrike" cap="none" spc="0" normalizeH="0" baseline="0">
             <a:ln>
               <a:noFill/>
             </a:ln>
@@ -8752,7 +9702,7 @@
           <a:buFontTx/>
           <a:buNone/>
           <a:tabLst/>
-          <a:defRPr b="0" baseline="0" cap="none" i="0" spc="0" strike="noStrike" sz="1800" u="none" kumimoji="0" normalizeH="0">
+          <a:defRPr kumimoji="0" sz="1800" b="0" i="0" u="none" strike="noStrike" cap="none" spc="0" normalizeH="0" baseline="0">
             <a:ln>
               <a:noFill/>
             </a:ln>
@@ -8778,7 +9728,7 @@
           <a:buFontTx/>
           <a:buNone/>
           <a:tabLst/>
-          <a:defRPr b="0" baseline="0" cap="none" i="0" spc="0" strike="noStrike" sz="1800" u="none" kumimoji="0" normalizeH="0">
+          <a:defRPr kumimoji="0" sz="1800" b="0" i="0" u="none" strike="noStrike" cap="none" spc="0" normalizeH="0" baseline="0">
             <a:ln>
               <a:noFill/>
             </a:ln>
@@ -8804,7 +9754,7 @@
           <a:buFontTx/>
           <a:buNone/>
           <a:tabLst/>
-          <a:defRPr b="0" baseline="0" cap="none" i="0" spc="0" strike="noStrike" sz="1800" u="none" kumimoji="0" normalizeH="0">
+          <a:defRPr kumimoji="0" sz="1800" b="0" i="0" u="none" strike="noStrike" cap="none" spc="0" normalizeH="0" baseline="0">
             <a:ln>
               <a:noFill/>
             </a:ln>
@@ -8830,7 +9780,7 @@
           <a:buFontTx/>
           <a:buNone/>
           <a:tabLst/>
-          <a:defRPr b="0" baseline="0" cap="none" i="0" spc="0" strike="noStrike" sz="1800" u="none" kumimoji="0" normalizeH="0">
+          <a:defRPr kumimoji="0" sz="1800" b="0" i="0" u="none" strike="noStrike" cap="none" spc="0" normalizeH="0" baseline="0">
             <a:ln>
               <a:noFill/>
             </a:ln>
@@ -8856,7 +9806,7 @@
           <a:buFontTx/>
           <a:buNone/>
           <a:tabLst/>
-          <a:defRPr b="0" baseline="0" cap="none" i="0" spc="0" strike="noStrike" sz="1800" u="none" kumimoji="0" normalizeH="0">
+          <a:defRPr kumimoji="0" sz="1800" b="0" i="0" u="none" strike="noStrike" cap="none" spc="0" normalizeH="0" baseline="0">
             <a:ln>
               <a:noFill/>
             </a:ln>
@@ -8882,7 +9832,7 @@
           <a:buFontTx/>
           <a:buNone/>
           <a:tabLst/>
-          <a:defRPr b="0" baseline="0" cap="none" i="0" spc="0" strike="noStrike" sz="1800" u="none" kumimoji="0" normalizeH="0">
+          <a:defRPr kumimoji="0" sz="1800" b="0" i="0" u="none" strike="noStrike" cap="none" spc="0" normalizeH="0" baseline="0">
             <a:ln>
               <a:noFill/>
             </a:ln>
@@ -8908,7 +9858,7 @@
           <a:buFontTx/>
           <a:buNone/>
           <a:tabLst/>
-          <a:defRPr b="0" baseline="0" cap="none" i="0" spc="0" strike="noStrike" sz="1800" u="none" kumimoji="0" normalizeH="0">
+          <a:defRPr kumimoji="0" sz="1800" b="0" i="0" u="none" strike="noStrike" cap="none" spc="0" normalizeH="0" baseline="0">
             <a:ln>
               <a:noFill/>
             </a:ln>
@@ -8921,9 +9871,15 @@
         </a:lvl9pPr>
       </a:lstStyle>
       <a:style>
-        <a:lnRef idx="0"/>
-        <a:fillRef idx="0"/>
-        <a:effectRef idx="0"/>
+        <a:lnRef idx="0">
+          <a:scrgbClr r="0" g="0" b="0"/>
+        </a:lnRef>
+        <a:fillRef idx="0">
+          <a:scrgbClr r="0" g="0" b="0"/>
+        </a:fillRef>
+        <a:effectRef idx="0">
+          <a:scrgbClr r="0" g="0" b="0"/>
+        </a:effectRef>
         <a:fontRef idx="none"/>
       </a:style>
     </a:spDef>
@@ -8938,7 +9894,7 @@
           <a:round/>
         </a:ln>
         <a:effectLst>
-          <a:outerShdw sx="100000" sy="100000" kx="0" ky="0" algn="b" rotWithShape="0" blurRad="38100" dist="20000" dir="5400000">
+          <a:outerShdw blurRad="38100" dist="20000" dir="5400000" rotWithShape="0">
             <a:srgbClr val="000000">
               <a:alpha val="38000"/>
             </a:srgbClr>
@@ -8946,7 +9902,7 @@
         </a:effectLst>
         <a:sp3d/>
       </a:spPr>
-      <a:bodyPr rot="0" spcFirstLastPara="1" vertOverflow="overflow" horzOverflow="overflow" vert="horz" wrap="square" lIns="91439" tIns="45719" rIns="91439" bIns="45719" numCol="1" spcCol="38100" rtlCol="0" anchor="t" upright="0">
+      <a:bodyPr rot="0" spcFirstLastPara="1" vertOverflow="overflow" horzOverflow="overflow" vert="horz" wrap="square" lIns="91439" tIns="45719" rIns="91439" bIns="45719" numCol="1" spcCol="38100" rtlCol="0" anchor="t">
         <a:noAutofit/>
       </a:bodyPr>
       <a:lstStyle>
@@ -8965,7 +9921,7 @@
           <a:buFontTx/>
           <a:buNone/>
           <a:tabLst/>
-          <a:defRPr b="0" baseline="0" cap="none" i="0" spc="0" strike="noStrike" sz="1800" u="none" kumimoji="0" normalizeH="0">
+          <a:defRPr kumimoji="0" sz="1800" b="0" i="0" u="none" strike="noStrike" cap="none" spc="0" normalizeH="0" baseline="0">
             <a:ln>
               <a:noFill/>
             </a:ln>
@@ -8991,7 +9947,7 @@
           <a:buFontTx/>
           <a:buNone/>
           <a:tabLst/>
-          <a:defRPr b="0" baseline="0" cap="none" i="0" spc="0" strike="noStrike" sz="1800" u="none" kumimoji="0" normalizeH="0">
+          <a:defRPr kumimoji="0" sz="1800" b="0" i="0" u="none" strike="noStrike" cap="none" spc="0" normalizeH="0" baseline="0">
             <a:ln>
               <a:noFill/>
             </a:ln>
@@ -9017,7 +9973,7 @@
           <a:buFontTx/>
           <a:buNone/>
           <a:tabLst/>
-          <a:defRPr b="0" baseline="0" cap="none" i="0" spc="0" strike="noStrike" sz="1800" u="none" kumimoji="0" normalizeH="0">
+          <a:defRPr kumimoji="0" sz="1800" b="0" i="0" u="none" strike="noStrike" cap="none" spc="0" normalizeH="0" baseline="0">
             <a:ln>
               <a:noFill/>
             </a:ln>
@@ -9043,7 +9999,7 @@
           <a:buFontTx/>
           <a:buNone/>
           <a:tabLst/>
-          <a:defRPr b="0" baseline="0" cap="none" i="0" spc="0" strike="noStrike" sz="1800" u="none" kumimoji="0" normalizeH="0">
+          <a:defRPr kumimoji="0" sz="1800" b="0" i="0" u="none" strike="noStrike" cap="none" spc="0" normalizeH="0" baseline="0">
             <a:ln>
               <a:noFill/>
             </a:ln>
@@ -9069,7 +10025,7 @@
           <a:buFontTx/>
           <a:buNone/>
           <a:tabLst/>
-          <a:defRPr b="0" baseline="0" cap="none" i="0" spc="0" strike="noStrike" sz="1800" u="none" kumimoji="0" normalizeH="0">
+          <a:defRPr kumimoji="0" sz="1800" b="0" i="0" u="none" strike="noStrike" cap="none" spc="0" normalizeH="0" baseline="0">
             <a:ln>
               <a:noFill/>
             </a:ln>
@@ -9095,7 +10051,7 @@
           <a:buFontTx/>
           <a:buNone/>
           <a:tabLst/>
-          <a:defRPr b="0" baseline="0" cap="none" i="0" spc="0" strike="noStrike" sz="1800" u="none" kumimoji="0" normalizeH="0">
+          <a:defRPr kumimoji="0" sz="1800" b="0" i="0" u="none" strike="noStrike" cap="none" spc="0" normalizeH="0" baseline="0">
             <a:ln>
               <a:noFill/>
             </a:ln>
@@ -9121,7 +10077,7 @@
           <a:buFontTx/>
           <a:buNone/>
           <a:tabLst/>
-          <a:defRPr b="0" baseline="0" cap="none" i="0" spc="0" strike="noStrike" sz="1800" u="none" kumimoji="0" normalizeH="0">
+          <a:defRPr kumimoji="0" sz="1800" b="0" i="0" u="none" strike="noStrike" cap="none" spc="0" normalizeH="0" baseline="0">
             <a:ln>
               <a:noFill/>
             </a:ln>
@@ -9147,7 +10103,7 @@
           <a:buFontTx/>
           <a:buNone/>
           <a:tabLst/>
-          <a:defRPr b="0" baseline="0" cap="none" i="0" spc="0" strike="noStrike" sz="1800" u="none" kumimoji="0" normalizeH="0">
+          <a:defRPr kumimoji="0" sz="1800" b="0" i="0" u="none" strike="noStrike" cap="none" spc="0" normalizeH="0" baseline="0">
             <a:ln>
               <a:noFill/>
             </a:ln>
@@ -9173,7 +10129,7 @@
           <a:buFontTx/>
           <a:buNone/>
           <a:tabLst/>
-          <a:defRPr b="0" baseline="0" cap="none" i="0" spc="0" strike="noStrike" sz="1800" u="none" kumimoji="0" normalizeH="0">
+          <a:defRPr kumimoji="0" sz="1800" b="0" i="0" u="none" strike="noStrike" cap="none" spc="0" normalizeH="0" baseline="0">
             <a:ln>
               <a:noFill/>
             </a:ln>
@@ -9199,7 +10155,7 @@
           <a:buFontTx/>
           <a:buNone/>
           <a:tabLst/>
-          <a:defRPr b="0" baseline="0" cap="none" i="0" spc="0" strike="noStrike" sz="1800" u="none" kumimoji="0" normalizeH="0">
+          <a:defRPr kumimoji="0" sz="1800" b="0" i="0" u="none" strike="noStrike" cap="none" spc="0" normalizeH="0" baseline="0">
             <a:ln>
               <a:noFill/>
             </a:ln>
@@ -9212,9 +10168,15 @@
         </a:lvl9pPr>
       </a:lstStyle>
       <a:style>
-        <a:lnRef idx="0"/>
-        <a:fillRef idx="0"/>
-        <a:effectRef idx="0"/>
+        <a:lnRef idx="0">
+          <a:scrgbClr r="0" g="0" b="0"/>
+        </a:lnRef>
+        <a:fillRef idx="0">
+          <a:scrgbClr r="0" g="0" b="0"/>
+        </a:fillRef>
+        <a:effectRef idx="0">
+          <a:scrgbClr r="0" g="0" b="0"/>
+        </a:effectRef>
         <a:fontRef idx="none"/>
       </a:style>
     </a:lnDef>
@@ -9228,7 +10190,7 @@
         <a:effectLst/>
         <a:sp3d/>
       </a:spPr>
-      <a:bodyPr rot="0" spcFirstLastPara="1" vertOverflow="overflow" horzOverflow="overflow" vert="horz" wrap="square" lIns="45719" tIns="45719" rIns="45719" bIns="45719" numCol="1" spcCol="38100" rtlCol="0" anchor="t" upright="0">
+      <a:bodyPr rot="0" spcFirstLastPara="1" vertOverflow="overflow" horzOverflow="overflow" vert="horz" wrap="square" lIns="45719" tIns="45719" rIns="45719" bIns="45719" numCol="1" spcCol="38100" rtlCol="0" anchor="t">
         <a:spAutoFit/>
       </a:bodyPr>
       <a:lstStyle>
@@ -9247,7 +10209,7 @@
           <a:buFontTx/>
           <a:buNone/>
           <a:tabLst/>
-          <a:defRPr b="0" baseline="0" cap="none" i="0" spc="0" strike="noStrike" sz="1400" u="none" kumimoji="0" normalizeH="0">
+          <a:defRPr kumimoji="0" sz="1400" b="0" i="0" u="none" strike="noStrike" cap="none" spc="0" normalizeH="0" baseline="0">
             <a:ln>
               <a:noFill/>
             </a:ln>
@@ -9277,7 +10239,7 @@
           <a:buFontTx/>
           <a:buNone/>
           <a:tabLst/>
-          <a:defRPr b="0" baseline="0" cap="none" i="0" spc="0" strike="noStrike" sz="1800" u="none" kumimoji="0" normalizeH="0">
+          <a:defRPr kumimoji="0" sz="1800" b="0" i="0" u="none" strike="noStrike" cap="none" spc="0" normalizeH="0" baseline="0">
             <a:ln>
               <a:noFill/>
             </a:ln>
@@ -9303,7 +10265,7 @@
           <a:buFontTx/>
           <a:buNone/>
           <a:tabLst/>
-          <a:defRPr b="0" baseline="0" cap="none" i="0" spc="0" strike="noStrike" sz="1800" u="none" kumimoji="0" normalizeH="0">
+          <a:defRPr kumimoji="0" sz="1800" b="0" i="0" u="none" strike="noStrike" cap="none" spc="0" normalizeH="0" baseline="0">
             <a:ln>
               <a:noFill/>
             </a:ln>
@@ -9329,7 +10291,7 @@
           <a:buFontTx/>
           <a:buNone/>
           <a:tabLst/>
-          <a:defRPr b="0" baseline="0" cap="none" i="0" spc="0" strike="noStrike" sz="1800" u="none" kumimoji="0" normalizeH="0">
+          <a:defRPr kumimoji="0" sz="1800" b="0" i="0" u="none" strike="noStrike" cap="none" spc="0" normalizeH="0" baseline="0">
             <a:ln>
               <a:noFill/>
             </a:ln>
@@ -9355,7 +10317,7 @@
           <a:buFontTx/>
           <a:buNone/>
           <a:tabLst/>
-          <a:defRPr b="0" baseline="0" cap="none" i="0" spc="0" strike="noStrike" sz="1800" u="none" kumimoji="0" normalizeH="0">
+          <a:defRPr kumimoji="0" sz="1800" b="0" i="0" u="none" strike="noStrike" cap="none" spc="0" normalizeH="0" baseline="0">
             <a:ln>
               <a:noFill/>
             </a:ln>
@@ -9381,7 +10343,7 @@
           <a:buFontTx/>
           <a:buNone/>
           <a:tabLst/>
-          <a:defRPr b="0" baseline="0" cap="none" i="0" spc="0" strike="noStrike" sz="1800" u="none" kumimoji="0" normalizeH="0">
+          <a:defRPr kumimoji="0" sz="1800" b="0" i="0" u="none" strike="noStrike" cap="none" spc="0" normalizeH="0" baseline="0">
             <a:ln>
               <a:noFill/>
             </a:ln>
@@ -9407,7 +10369,7 @@
           <a:buFontTx/>
           <a:buNone/>
           <a:tabLst/>
-          <a:defRPr b="0" baseline="0" cap="none" i="0" spc="0" strike="noStrike" sz="1800" u="none" kumimoji="0" normalizeH="0">
+          <a:defRPr kumimoji="0" sz="1800" b="0" i="0" u="none" strike="noStrike" cap="none" spc="0" normalizeH="0" baseline="0">
             <a:ln>
               <a:noFill/>
             </a:ln>
@@ -9433,7 +10395,7 @@
           <a:buFontTx/>
           <a:buNone/>
           <a:tabLst/>
-          <a:defRPr b="0" baseline="0" cap="none" i="0" spc="0" strike="noStrike" sz="1800" u="none" kumimoji="0" normalizeH="0">
+          <a:defRPr kumimoji="0" sz="1800" b="0" i="0" u="none" strike="noStrike" cap="none" spc="0" normalizeH="0" baseline="0">
             <a:ln>
               <a:noFill/>
             </a:ln>
@@ -9459,7 +10421,7 @@
           <a:buFontTx/>
           <a:buNone/>
           <a:tabLst/>
-          <a:defRPr b="0" baseline="0" cap="none" i="0" spc="0" strike="noStrike" sz="1800" u="none" kumimoji="0" normalizeH="0">
+          <a:defRPr kumimoji="0" sz="1800" b="0" i="0" u="none" strike="noStrike" cap="none" spc="0" normalizeH="0" baseline="0">
             <a:ln>
               <a:noFill/>
             </a:ln>
@@ -9485,7 +10447,7 @@
           <a:buFontTx/>
           <a:buNone/>
           <a:tabLst/>
-          <a:defRPr b="0" baseline="0" cap="none" i="0" spc="0" strike="noStrike" sz="1800" u="none" kumimoji="0" normalizeH="0">
+          <a:defRPr kumimoji="0" sz="1800" b="0" i="0" u="none" strike="noStrike" cap="none" spc="0" normalizeH="0" baseline="0">
             <a:ln>
               <a:noFill/>
             </a:ln>
@@ -9498,12 +10460,19 @@
         </a:lvl9pPr>
       </a:lstStyle>
       <a:style>
-        <a:lnRef idx="0"/>
-        <a:fillRef idx="0"/>
-        <a:effectRef idx="0"/>
+        <a:lnRef idx="0">
+          <a:scrgbClr r="0" g="0" b="0"/>
+        </a:lnRef>
+        <a:fillRef idx="0">
+          <a:scrgbClr r="0" g="0" b="0"/>
+        </a:fillRef>
+        <a:effectRef idx="0">
+          <a:scrgbClr r="0" g="0" b="0"/>
+        </a:effectRef>
         <a:fontRef idx="none"/>
       </a:style>
     </a:txDef>
   </a:objectDefaults>
+  <a:extraClrSchemeLst/>
 </a:theme>
 </file>